--- a/poster/poster-master.pptx
+++ b/poster/poster-master.pptx
@@ -3966,7 +3966,7 @@
         </p:nvSpPr>
         <p:spPr bwMode="auto">
           <a:xfrm>
-            <a:off x="0" y="2768024"/>
+            <a:off x="0" y="2819400"/>
             <a:ext cx="36576000" cy="584776"/>
           </a:xfrm>
           <a:prstGeom prst="rect">
@@ -3988,7 +3988,16 @@
                 </a:solidFill>
                 <a:latin typeface="Cambria" pitchFamily="18" charset="0"/>
               </a:rPr>
-              <a:t>School of Engineering and Applied </a:t>
+              <a:t>Applied Mathematics 207, School </a:t>
+            </a:r>
+            <a:r>
+              <a:rPr lang="en-GB" sz="3200" dirty="0" smtClean="0">
+                <a:solidFill>
+                  <a:schemeClr val="bg2"/>
+                </a:solidFill>
+                <a:latin typeface="Cambria" pitchFamily="18" charset="0"/>
+              </a:rPr>
+              <a:t>of Engineering and Applied </a:t>
             </a:r>
             <a:r>
               <a:rPr lang="en-GB" sz="3200" dirty="0" smtClean="0">
@@ -4027,7 +4036,7 @@
         </p:nvSpPr>
         <p:spPr bwMode="auto">
           <a:xfrm>
-            <a:off x="0" y="2136793"/>
+            <a:off x="0" y="2121760"/>
             <a:ext cx="36576000" cy="850040"/>
           </a:xfrm>
           <a:prstGeom prst="rect">
@@ -4099,7 +4108,7 @@
         </p:blipFill>
         <p:spPr>
           <a:xfrm>
-            <a:off x="1371600" y="457200"/>
+            <a:off x="457200" y="475842"/>
             <a:ext cx="2392033" cy="2816558"/>
           </a:xfrm>
           <a:prstGeom prst="rect">
@@ -4123,7 +4132,7 @@
         </p:blipFill>
         <p:spPr>
           <a:xfrm>
-            <a:off x="33111510" y="650606"/>
+            <a:off x="33797310" y="495300"/>
             <a:ext cx="2321490" cy="2777643"/>
           </a:xfrm>
           <a:prstGeom prst="rect">
@@ -4405,8 +4414,8 @@
         </p:nvCxnSpPr>
         <p:spPr bwMode="auto">
           <a:xfrm>
-            <a:off x="11506200" y="1905000"/>
-            <a:ext cx="13563600" cy="0"/>
+            <a:off x="10477500" y="1905000"/>
+            <a:ext cx="15621000" cy="0"/>
           </a:xfrm>
           <a:prstGeom prst="line">
             <a:avLst/>
@@ -4567,7 +4576,7 @@
         </p:nvSpPr>
         <p:spPr>
           <a:xfrm>
-            <a:off x="457200" y="15621000"/>
+            <a:off x="457200" y="12115800"/>
             <a:ext cx="11887200" cy="838200"/>
           </a:xfrm>
           <a:prstGeom prst="rect">
@@ -4622,7 +4631,7 @@
         </p:nvSpPr>
         <p:spPr>
           <a:xfrm>
-            <a:off x="457200" y="15621000"/>
+            <a:off x="457200" y="12115800"/>
             <a:ext cx="11887200" cy="769441"/>
           </a:xfrm>
           <a:prstGeom prst="rect">
@@ -4765,8 +4774,8 @@
         </p:nvSpPr>
         <p:spPr>
           <a:xfrm>
-            <a:off x="533400" y="16459200"/>
-            <a:ext cx="11734800" cy="2554545"/>
+            <a:off x="533400" y="12954000"/>
+            <a:ext cx="11734800" cy="1569660"/>
           </a:xfrm>
           <a:prstGeom prst="rect">
             <a:avLst/>
@@ -4822,39 +4831,1755 @@
               <a:t>KenPom.com</a:t>
             </a:r>
             <a:r>
-              <a:rPr lang="en-US" sz="3200" dirty="0">
+              <a:rPr lang="en-US" sz="3200" dirty="0" smtClean="0">
                 <a:latin typeface="Cambria"/>
                 <a:cs typeface="Cambria"/>
               </a:rPr>
-              <a:t>.</a:t>
-            </a:r>
+              <a:t>. We used Python’s </a:t>
+            </a:r>
+            <a:r>
+              <a:rPr lang="en-US" sz="3200" dirty="0" err="1" smtClean="0">
+                <a:latin typeface="Cambria"/>
+                <a:cs typeface="Cambria"/>
+              </a:rPr>
+              <a:t>BeautifulSoup</a:t>
+            </a:r>
+            <a:r>
+              <a:rPr lang="en-US" sz="3200" dirty="0" smtClean="0">
+                <a:latin typeface="Cambria"/>
+                <a:cs typeface="Cambria"/>
+              </a:rPr>
+              <a:t> to retrieve and extract game data.</a:t>
+            </a:r>
+          </a:p>
+        </p:txBody>
+      </p:sp>
+      <p:sp>
+        <p:nvSpPr>
+          <p:cNvPr id="69" name="TextBox 68"/>
+          <p:cNvSpPr txBox="1"/>
+          <p:nvPr/>
+        </p:nvSpPr>
+        <p:spPr>
+          <a:xfrm>
+            <a:off x="533400" y="4495800"/>
+            <a:ext cx="11734800" cy="6001642"/>
+          </a:xfrm>
+          <a:prstGeom prst="rect">
+            <a:avLst/>
+          </a:prstGeom>
+          <a:noFill/>
+        </p:spPr>
+        <p:txBody>
+          <a:bodyPr wrap="square" rtlCol="0">
+            <a:spAutoFit/>
+          </a:bodyPr>
+          <a:lstStyle/>
+          <a:p>
+            <a:r>
+              <a:rPr lang="en-US" sz="3200" dirty="0" smtClean="0">
+                <a:latin typeface="Cambria"/>
+                <a:cs typeface="Cambria"/>
+              </a:rPr>
+              <a:t>Featuring 351 teams, NCAA men’s basketball is a major source of excitement in American sports. The annual NCAA tournament attracts more advertising spending than the Super Bowl, and prompts $12 billion in gambling on its outcome.</a:t>
+            </a:r>
+          </a:p>
+          <a:p>
+            <a:endParaRPr lang="en-US" sz="3200" dirty="0">
+              <a:latin typeface="Cambria"/>
+              <a:cs typeface="Cambria"/>
+            </a:endParaRPr>
+          </a:p>
+          <a:p>
+            <a:r>
+              <a:rPr lang="en-US" sz="3200" b="1" dirty="0" smtClean="0">
+                <a:latin typeface="Cambria"/>
+                <a:cs typeface="Cambria"/>
+              </a:rPr>
+              <a:t>Our goal: apply Bayesian statistical analysis to determine what team features predict game outcomes, and simulate the 2015 NCAA tournament.</a:t>
+            </a:r>
+            <a:r>
+              <a:rPr lang="en-US" sz="3200" dirty="0" smtClean="0">
+                <a:latin typeface="Cambria"/>
+                <a:cs typeface="Cambria"/>
+              </a:rPr>
+              <a:t> We apply lessons from </a:t>
+            </a:r>
+            <a:r>
+              <a:rPr lang="en-US" sz="3200" b="1" dirty="0" smtClean="0">
+                <a:latin typeface="Cambria"/>
+                <a:cs typeface="Cambria"/>
+              </a:rPr>
+              <a:t>AM 207</a:t>
+            </a:r>
+            <a:r>
+              <a:rPr lang="en-US" sz="3200" dirty="0" smtClean="0">
+                <a:latin typeface="Cambria"/>
+                <a:cs typeface="Cambria"/>
+              </a:rPr>
+              <a:t> to construct and sample from a complex model parameter space.</a:t>
+            </a:r>
+          </a:p>
+          <a:p>
+            <a:endParaRPr lang="en-US" sz="3200" dirty="0">
+              <a:latin typeface="Cambria"/>
+              <a:cs typeface="Cambria"/>
+            </a:endParaRPr>
+          </a:p>
+          <a:p>
+            <a:r>
+              <a:rPr lang="en-US" sz="3200" dirty="0" smtClean="0">
+                <a:latin typeface="Cambria"/>
+                <a:cs typeface="Cambria"/>
+              </a:rPr>
+              <a:t>This work is inspired in part by news organizations that produce similar analysis:</a:t>
+            </a:r>
+          </a:p>
+        </p:txBody>
+      </p:sp>
+      <p:pic>
+        <p:nvPicPr>
+          <p:cNvPr id="24" name="Picture 23"/>
+          <p:cNvPicPr>
+            <a:picLocks noChangeAspect="1"/>
+          </p:cNvPicPr>
+          <p:nvPr/>
+        </p:nvPicPr>
+        <p:blipFill>
+          <a:blip r:embed="rId5"/>
+          <a:stretch>
+            <a:fillRect/>
+          </a:stretch>
+        </p:blipFill>
+        <p:spPr>
+          <a:xfrm>
+            <a:off x="8763000" y="10515600"/>
+            <a:ext cx="1028700" cy="1371600"/>
+          </a:xfrm>
+          <a:prstGeom prst="rect">
+            <a:avLst/>
+          </a:prstGeom>
+        </p:spPr>
+      </p:pic>
+      <p:pic>
+        <p:nvPicPr>
+          <p:cNvPr id="25" name="Picture 24"/>
+          <p:cNvPicPr>
+            <a:picLocks noChangeAspect="1"/>
+          </p:cNvPicPr>
+          <p:nvPr/>
+        </p:nvPicPr>
+        <p:blipFill>
+          <a:blip r:embed="rId6"/>
+          <a:stretch>
+            <a:fillRect/>
+          </a:stretch>
+        </p:blipFill>
+        <p:spPr>
+          <a:xfrm>
+            <a:off x="2971800" y="10515600"/>
+            <a:ext cx="1096205" cy="1371600"/>
+          </a:xfrm>
+          <a:prstGeom prst="rect">
+            <a:avLst/>
+          </a:prstGeom>
+        </p:spPr>
+      </p:pic>
+      <p:pic>
+        <p:nvPicPr>
+          <p:cNvPr id="26" name="Picture 25"/>
+          <p:cNvPicPr>
+            <a:picLocks noChangeAspect="1"/>
+          </p:cNvPicPr>
+          <p:nvPr/>
+        </p:nvPicPr>
+        <p:blipFill>
+          <a:blip r:embed="rId7"/>
+          <a:stretch>
+            <a:fillRect/>
+          </a:stretch>
+        </p:blipFill>
+        <p:spPr>
+          <a:xfrm>
+            <a:off x="4765573" y="10744200"/>
+            <a:ext cx="3270455" cy="914400"/>
+          </a:xfrm>
+          <a:prstGeom prst="rect">
+            <a:avLst/>
+          </a:prstGeom>
+        </p:spPr>
+      </p:pic>
+      <p:sp>
+        <p:nvSpPr>
+          <p:cNvPr id="74" name="TextBox 73"/>
+          <p:cNvSpPr txBox="1"/>
+          <p:nvPr/>
+        </p:nvSpPr>
+        <p:spPr>
+          <a:xfrm>
+            <a:off x="24307800" y="4495800"/>
+            <a:ext cx="11734800" cy="1815882"/>
+          </a:xfrm>
+          <a:prstGeom prst="rect">
+            <a:avLst/>
+          </a:prstGeom>
+          <a:noFill/>
+        </p:spPr>
+        <p:txBody>
+          <a:bodyPr wrap="square" rtlCol="0">
+            <a:spAutoFit/>
+          </a:bodyPr>
+          <a:lstStyle/>
+          <a:p>
+            <a:r>
+              <a:rPr lang="en-US" sz="4400" b="1" u="sng" dirty="0" smtClean="0">
+                <a:latin typeface="Cambria"/>
+                <a:cs typeface="Cambria"/>
+              </a:rPr>
+              <a:t>What Really Matters</a:t>
+            </a:r>
+          </a:p>
+          <a:p>
+            <a:endParaRPr lang="en-US" sz="3200" dirty="0">
+              <a:latin typeface="Cambria"/>
+              <a:cs typeface="Cambria"/>
+            </a:endParaRPr>
+          </a:p>
+          <a:p>
+            <a:r>
+              <a:rPr lang="en-US" sz="3200" dirty="0" smtClean="0">
+                <a:latin typeface="Cambria"/>
+                <a:cs typeface="Cambria"/>
+              </a:rPr>
+              <a:t>TODO FEATURE INTERPRETATION</a:t>
+            </a:r>
+          </a:p>
+        </p:txBody>
+      </p:sp>
+      <p:sp>
+        <p:nvSpPr>
+          <p:cNvPr id="76" name="TextBox 75"/>
+          <p:cNvSpPr txBox="1"/>
+          <p:nvPr/>
+        </p:nvSpPr>
+        <p:spPr>
+          <a:xfrm>
+            <a:off x="24307800" y="9144000"/>
+            <a:ext cx="11734800" cy="2308324"/>
+          </a:xfrm>
+          <a:prstGeom prst="rect">
+            <a:avLst/>
+          </a:prstGeom>
+          <a:noFill/>
+        </p:spPr>
+        <p:txBody>
+          <a:bodyPr wrap="square" rtlCol="0">
+            <a:spAutoFit/>
+          </a:bodyPr>
+          <a:lstStyle/>
+          <a:p>
+            <a:r>
+              <a:rPr lang="en-US" sz="4400" b="1" u="sng" dirty="0" smtClean="0">
+                <a:latin typeface="Cambria"/>
+                <a:cs typeface="Cambria"/>
+              </a:rPr>
+              <a:t>Anyone’s Game</a:t>
+            </a:r>
+          </a:p>
+          <a:p>
+            <a:endParaRPr lang="en-US" sz="3200" dirty="0">
+              <a:latin typeface="Cambria"/>
+              <a:cs typeface="Cambria"/>
+            </a:endParaRPr>
+          </a:p>
+          <a:p>
+            <a:r>
+              <a:rPr lang="en-US" sz="3200" dirty="0" smtClean="0">
+                <a:latin typeface="Cambria"/>
+                <a:cs typeface="Cambria"/>
+              </a:rPr>
+              <a:t>We used our model to simulate the entire 2015 NCAA Tournament TODO times. The most likely winners:</a:t>
+            </a:r>
+          </a:p>
+        </p:txBody>
+      </p:sp>
+      <p:sp>
+        <p:nvSpPr>
+          <p:cNvPr id="79" name="TextBox 78"/>
+          <p:cNvSpPr txBox="1"/>
+          <p:nvPr/>
+        </p:nvSpPr>
+        <p:spPr>
+          <a:xfrm>
+            <a:off x="24307800" y="19812000"/>
+            <a:ext cx="11734800" cy="2246769"/>
+          </a:xfrm>
+          <a:prstGeom prst="rect">
+            <a:avLst/>
+          </a:prstGeom>
+          <a:noFill/>
+        </p:spPr>
+        <p:txBody>
+          <a:bodyPr wrap="square" rtlCol="0">
+            <a:spAutoFit/>
+          </a:bodyPr>
+          <a:lstStyle/>
+          <a:p>
+            <a:r>
+              <a:rPr lang="en-US" sz="4400" b="1" u="sng" dirty="0" smtClean="0">
+                <a:latin typeface="Cambria"/>
+                <a:cs typeface="Cambria"/>
+              </a:rPr>
+              <a:t>The Final Four</a:t>
+            </a:r>
+          </a:p>
+          <a:p>
+            <a:endParaRPr lang="en-US" sz="3200" dirty="0">
+              <a:latin typeface="Cambria"/>
+              <a:cs typeface="Cambria"/>
+            </a:endParaRPr>
+          </a:p>
+          <a:p>
+            <a:r>
+              <a:rPr lang="en-US" sz="3200" dirty="0" smtClean="0">
+                <a:latin typeface="Cambria"/>
+                <a:cs typeface="Cambria"/>
+              </a:rPr>
+              <a:t>What can we say about the actual 2015 Final Four?</a:t>
+            </a:r>
+          </a:p>
+          <a:p>
+            <a:r>
+              <a:rPr lang="en-US" sz="3200" dirty="0" smtClean="0">
+                <a:latin typeface="Cambria"/>
+                <a:cs typeface="Cambria"/>
+              </a:rPr>
+              <a:t>We simulated their matchups TODO times as well: </a:t>
+            </a:r>
+          </a:p>
+        </p:txBody>
+      </p:sp>
+      <p:graphicFrame>
+        <p:nvGraphicFramePr>
+          <p:cNvPr id="27" name="Table 26"/>
+          <p:cNvGraphicFramePr>
+            <a:graphicFrameLocks noGrp="1"/>
+          </p:cNvGraphicFramePr>
+          <p:nvPr>
+            <p:extLst>
+              <p:ext uri="{D42A27DB-BD31-4B8C-83A1-F6EECF244321}">
+                <p14:modId xmlns:p14="http://schemas.microsoft.com/office/powerpoint/2010/main" val="3274951746"/>
+              </p:ext>
+            </p:extLst>
+          </p:nvPr>
+        </p:nvGraphicFramePr>
+        <p:xfrm>
+          <a:off x="533400" y="14767560"/>
+          <a:ext cx="11734800" cy="1524000"/>
+        </p:xfrm>
+        <a:graphic>
+          <a:graphicData uri="http://schemas.openxmlformats.org/drawingml/2006/table">
+            <a:tbl>
+              <a:tblPr firstRow="1" bandRow="1">
+                <a:tableStyleId>{2D5ABB26-0587-4C30-8999-92F81FD0307C}</a:tableStyleId>
+              </a:tblPr>
+              <a:tblGrid>
+                <a:gridCol w="3810000"/>
+                <a:gridCol w="7924800"/>
+              </a:tblGrid>
+              <a:tr h="370840">
+                <a:tc>
+                  <a:txBody>
+                    <a:bodyPr/>
+                    <a:lstStyle/>
+                    <a:p>
+                      <a:pPr algn="ctr"/>
+                      <a:r>
+                        <a:rPr lang="en-US" sz="4400" b="1" u="sng" dirty="0" smtClean="0">
+                          <a:latin typeface="Cambria"/>
+                          <a:cs typeface="Cambria"/>
+                        </a:rPr>
+                        <a:t>Teams</a:t>
+                      </a:r>
+                      <a:endParaRPr lang="en-US" sz="4400" b="1" u="sng" dirty="0">
+                        <a:latin typeface="Cambria"/>
+                        <a:cs typeface="Cambria"/>
+                      </a:endParaRPr>
+                    </a:p>
+                  </a:txBody>
+                  <a:tcPr/>
+                </a:tc>
+                <a:tc>
+                  <a:txBody>
+                    <a:bodyPr/>
+                    <a:lstStyle/>
+                    <a:p>
+                      <a:pPr algn="ctr"/>
+                      <a:r>
+                        <a:rPr lang="en-US" sz="4400" b="1" u="sng" dirty="0" smtClean="0">
+                          <a:latin typeface="Cambria"/>
+                          <a:cs typeface="Cambria"/>
+                        </a:rPr>
+                        <a:t>Games</a:t>
+                      </a:r>
+                      <a:endParaRPr lang="en-US" sz="4400" b="1" u="sng" dirty="0">
+                        <a:latin typeface="Cambria"/>
+                        <a:cs typeface="Cambria"/>
+                      </a:endParaRPr>
+                    </a:p>
+                  </a:txBody>
+                  <a:tcPr/>
+                </a:tc>
+              </a:tr>
+              <a:tr h="370840">
+                <a:tc>
+                  <a:txBody>
+                    <a:bodyPr/>
+                    <a:lstStyle/>
+                    <a:p>
+                      <a:pPr algn="ctr"/>
+                      <a:r>
+                        <a:rPr lang="en-US" sz="4400" dirty="0" smtClean="0">
+                          <a:latin typeface="Cambria"/>
+                          <a:cs typeface="Cambria"/>
+                        </a:rPr>
+                        <a:t>351</a:t>
+                      </a:r>
+                      <a:endParaRPr lang="en-US" sz="4400" dirty="0">
+                        <a:latin typeface="Cambria"/>
+                        <a:cs typeface="Cambria"/>
+                      </a:endParaRPr>
+                    </a:p>
+                  </a:txBody>
+                  <a:tcPr/>
+                </a:tc>
+                <a:tc>
+                  <a:txBody>
+                    <a:bodyPr/>
+                    <a:lstStyle/>
+                    <a:p>
+                      <a:pPr algn="ctr"/>
+                      <a:r>
+                        <a:rPr lang="en-US" sz="4400" dirty="0" smtClean="0">
+                          <a:latin typeface="Cambria"/>
+                          <a:cs typeface="Cambria"/>
+                        </a:rPr>
+                        <a:t>33,000 from 2010-Present</a:t>
+                      </a:r>
+                      <a:endParaRPr lang="en-US" sz="4400" dirty="0">
+                        <a:latin typeface="Cambria"/>
+                        <a:cs typeface="Cambria"/>
+                      </a:endParaRPr>
+                    </a:p>
+                  </a:txBody>
+                  <a:tcPr/>
+                </a:tc>
+              </a:tr>
+            </a:tbl>
+          </a:graphicData>
+        </a:graphic>
+      </p:graphicFrame>
+      <p:sp>
+        <p:nvSpPr>
+          <p:cNvPr id="80" name="TextBox 79"/>
+          <p:cNvSpPr txBox="1"/>
+          <p:nvPr/>
+        </p:nvSpPr>
+        <p:spPr>
+          <a:xfrm>
+            <a:off x="533400" y="16711841"/>
+            <a:ext cx="11734800" cy="2739211"/>
+          </a:xfrm>
+          <a:prstGeom prst="rect">
+            <a:avLst/>
+          </a:prstGeom>
+          <a:noFill/>
+        </p:spPr>
+        <p:txBody>
+          <a:bodyPr wrap="square" rtlCol="0">
+            <a:spAutoFit/>
+          </a:bodyPr>
+          <a:lstStyle/>
+          <a:p>
+            <a:r>
+              <a:rPr lang="en-US" sz="4400" b="1" u="sng" dirty="0" smtClean="0">
+                <a:latin typeface="Cambria"/>
+                <a:cs typeface="Cambria"/>
+              </a:rPr>
+              <a:t>Team Features</a:t>
+            </a:r>
+            <a:endParaRPr lang="en-US" sz="4400" b="1" u="sng" dirty="0">
+              <a:latin typeface="Cambria"/>
+              <a:cs typeface="Cambria"/>
+            </a:endParaRPr>
+          </a:p>
+          <a:p>
             <a:endParaRPr lang="en-US" sz="3200" dirty="0" smtClean="0">
               <a:latin typeface="Cambria"/>
               <a:cs typeface="Cambria"/>
             </a:endParaRPr>
           </a:p>
           <a:p>
-            <a:endParaRPr lang="en-US" sz="3200" dirty="0">
-              <a:latin typeface="Cambria"/>
-              <a:cs typeface="Cambria"/>
-            </a:endParaRPr>
-          </a:p>
-          <a:p>
             <a:r>
               <a:rPr lang="en-US" sz="3200" dirty="0" smtClean="0">
                 <a:latin typeface="Cambria"/>
                 <a:cs typeface="Cambria"/>
               </a:rPr>
-              <a:t>Teams: 350+</a:t>
-            </a:r>
-          </a:p>
-          <a:p>
+              <a:t>Ken Pomeroy produces basketball statistics adjusted for team possessions and game tempo. We used several of his statistics as features in our own models:</a:t>
+            </a:r>
+          </a:p>
+        </p:txBody>
+      </p:sp>
+      <p:graphicFrame>
+        <p:nvGraphicFramePr>
+          <p:cNvPr id="83" name="Table 82"/>
+          <p:cNvGraphicFramePr>
+            <a:graphicFrameLocks noGrp="1"/>
+          </p:cNvGraphicFramePr>
+          <p:nvPr>
+            <p:extLst>
+              <p:ext uri="{D42A27DB-BD31-4B8C-83A1-F6EECF244321}">
+                <p14:modId xmlns:p14="http://schemas.microsoft.com/office/powerpoint/2010/main" val="4212558244"/>
+              </p:ext>
+            </p:extLst>
+          </p:nvPr>
+        </p:nvGraphicFramePr>
+        <p:xfrm>
+          <a:off x="533400" y="19598640"/>
+          <a:ext cx="11734800" cy="5699760"/>
+        </p:xfrm>
+        <a:graphic>
+          <a:graphicData uri="http://schemas.openxmlformats.org/drawingml/2006/table">
+            <a:tbl>
+              <a:tblPr firstRow="1" bandRow="1">
+                <a:tableStyleId>{2D5ABB26-0587-4C30-8999-92F81FD0307C}</a:tableStyleId>
+              </a:tblPr>
+              <a:tblGrid>
+                <a:gridCol w="2895600"/>
+                <a:gridCol w="8839200"/>
+              </a:tblGrid>
+              <a:tr h="370840">
+                <a:tc>
+                  <a:txBody>
+                    <a:bodyPr/>
+                    <a:lstStyle/>
+                    <a:p>
+                      <a:pPr algn="r"/>
+                      <a:r>
+                        <a:rPr lang="en-US" sz="3200" b="1" u="sng" dirty="0" smtClean="0">
+                          <a:latin typeface="Cambria"/>
+                          <a:cs typeface="Cambria"/>
+                        </a:rPr>
+                        <a:t>Feature</a:t>
+                      </a:r>
+                      <a:endParaRPr lang="en-US" sz="3200" b="1" u="sng" dirty="0">
+                        <a:latin typeface="Cambria"/>
+                        <a:cs typeface="Cambria"/>
+                      </a:endParaRPr>
+                    </a:p>
+                  </a:txBody>
+                  <a:tcPr marR="274320"/>
+                </a:tc>
+                <a:tc>
+                  <a:txBody>
+                    <a:bodyPr/>
+                    <a:lstStyle/>
+                    <a:p>
+                      <a:pPr algn="l"/>
+                      <a:r>
+                        <a:rPr lang="en-US" sz="3200" b="1" u="sng" dirty="0" smtClean="0">
+                          <a:latin typeface="Cambria"/>
+                          <a:cs typeface="Cambria"/>
+                        </a:rPr>
+                        <a:t>Meaning</a:t>
+                      </a:r>
+                      <a:endParaRPr lang="en-US" sz="3200" b="1" u="sng" dirty="0">
+                        <a:latin typeface="Cambria"/>
+                        <a:cs typeface="Cambria"/>
+                      </a:endParaRPr>
+                    </a:p>
+                  </a:txBody>
+                  <a:tcPr marL="274320"/>
+                </a:tc>
+              </a:tr>
+              <a:tr h="370840">
+                <a:tc>
+                  <a:txBody>
+                    <a:bodyPr/>
+                    <a:lstStyle/>
+                    <a:p>
+                      <a:pPr algn="r"/>
+                      <a:r>
+                        <a:rPr lang="en-US" sz="3200" dirty="0" err="1" smtClean="0">
+                          <a:latin typeface="Consolas"/>
+                          <a:cs typeface="Consolas"/>
+                        </a:rPr>
+                        <a:t>Pythag</a:t>
+                      </a:r>
+                      <a:endParaRPr lang="en-US" sz="3200" dirty="0">
+                        <a:latin typeface="Consolas"/>
+                        <a:cs typeface="Consolas"/>
+                      </a:endParaRPr>
+                    </a:p>
+                  </a:txBody>
+                  <a:tcPr marR="274320"/>
+                </a:tc>
+                <a:tc>
+                  <a:txBody>
+                    <a:bodyPr/>
+                    <a:lstStyle/>
+                    <a:p>
+                      <a:pPr algn="l"/>
+                      <a:r>
+                        <a:rPr lang="en-US" sz="3200" dirty="0" smtClean="0">
+                          <a:latin typeface="Cambria"/>
+                          <a:cs typeface="Cambria"/>
+                        </a:rPr>
+                        <a:t>A simple weighting of offensive and defensive efficiency compared to division 1 team averages</a:t>
+                      </a:r>
+                      <a:r>
+                        <a:rPr lang="en-US" sz="3200" baseline="0" dirty="0" smtClean="0">
+                          <a:latin typeface="Cambria"/>
+                          <a:cs typeface="Cambria"/>
+                        </a:rPr>
+                        <a:t>.</a:t>
+                      </a:r>
+                      <a:endParaRPr lang="en-US" sz="3200" dirty="0">
+                        <a:latin typeface="Cambria"/>
+                        <a:cs typeface="Cambria"/>
+                      </a:endParaRPr>
+                    </a:p>
+                  </a:txBody>
+                  <a:tcPr marL="274320"/>
+                </a:tc>
+              </a:tr>
+              <a:tr h="370840">
+                <a:tc>
+                  <a:txBody>
+                    <a:bodyPr/>
+                    <a:lstStyle/>
+                    <a:p>
+                      <a:pPr algn="r"/>
+                      <a:r>
+                        <a:rPr lang="en-US" sz="3200" dirty="0" smtClean="0">
+                          <a:latin typeface="Consolas"/>
+                          <a:cs typeface="Consolas"/>
+                        </a:rPr>
+                        <a:t>TODO</a:t>
+                      </a:r>
+                      <a:endParaRPr lang="en-US" sz="3200" dirty="0">
+                        <a:latin typeface="Consolas"/>
+                        <a:cs typeface="Consolas"/>
+                      </a:endParaRPr>
+                    </a:p>
+                  </a:txBody>
+                  <a:tcPr marR="274320"/>
+                </a:tc>
+                <a:tc>
+                  <a:txBody>
+                    <a:bodyPr/>
+                    <a:lstStyle/>
+                    <a:p>
+                      <a:pPr algn="l"/>
+                      <a:r>
+                        <a:rPr lang="en-US" sz="3200" dirty="0" smtClean="0">
+                          <a:latin typeface="Cambria"/>
+                          <a:cs typeface="Cambria"/>
+                        </a:rPr>
+                        <a:t>TODO</a:t>
+                      </a:r>
+                      <a:endParaRPr lang="en-US" sz="3200" dirty="0">
+                        <a:latin typeface="Cambria"/>
+                        <a:cs typeface="Cambria"/>
+                      </a:endParaRPr>
+                    </a:p>
+                  </a:txBody>
+                  <a:tcPr marL="274320"/>
+                </a:tc>
+              </a:tr>
+              <a:tr h="370840">
+                <a:tc>
+                  <a:txBody>
+                    <a:bodyPr/>
+                    <a:lstStyle/>
+                    <a:p>
+                      <a:pPr algn="r"/>
+                      <a:endParaRPr lang="en-US" sz="3200" dirty="0">
+                        <a:latin typeface="Consolas"/>
+                        <a:cs typeface="Consolas"/>
+                      </a:endParaRPr>
+                    </a:p>
+                  </a:txBody>
+                  <a:tcPr marR="274320"/>
+                </a:tc>
+                <a:tc>
+                  <a:txBody>
+                    <a:bodyPr/>
+                    <a:lstStyle/>
+                    <a:p>
+                      <a:pPr algn="l"/>
+                      <a:r>
+                        <a:rPr lang="en-US" sz="3200" dirty="0" smtClean="0">
+                          <a:latin typeface="Cambria"/>
+                          <a:cs typeface="Cambria"/>
+                        </a:rPr>
+                        <a:t>…etc.</a:t>
+                      </a:r>
+                      <a:endParaRPr lang="en-US" sz="3200" dirty="0">
+                        <a:latin typeface="Cambria"/>
+                        <a:cs typeface="Cambria"/>
+                      </a:endParaRPr>
+                    </a:p>
+                  </a:txBody>
+                  <a:tcPr marL="274320"/>
+                </a:tc>
+              </a:tr>
+              <a:tr h="370840">
+                <a:tc>
+                  <a:txBody>
+                    <a:bodyPr/>
+                    <a:lstStyle/>
+                    <a:p>
+                      <a:pPr algn="r"/>
+                      <a:endParaRPr lang="en-US" sz="3200" dirty="0">
+                        <a:latin typeface="Consolas"/>
+                        <a:cs typeface="Consolas"/>
+                      </a:endParaRPr>
+                    </a:p>
+                  </a:txBody>
+                  <a:tcPr marR="274320"/>
+                </a:tc>
+                <a:tc>
+                  <a:txBody>
+                    <a:bodyPr/>
+                    <a:lstStyle/>
+                    <a:p>
+                      <a:pPr algn="l"/>
+                      <a:endParaRPr lang="en-US" sz="3200" dirty="0">
+                        <a:latin typeface="Cambria"/>
+                        <a:cs typeface="Cambria"/>
+                      </a:endParaRPr>
+                    </a:p>
+                  </a:txBody>
+                  <a:tcPr marL="274320"/>
+                </a:tc>
+              </a:tr>
+              <a:tr h="370840">
+                <a:tc>
+                  <a:txBody>
+                    <a:bodyPr/>
+                    <a:lstStyle/>
+                    <a:p>
+                      <a:pPr algn="r"/>
+                      <a:endParaRPr lang="en-US" sz="3200" dirty="0">
+                        <a:latin typeface="Consolas"/>
+                        <a:cs typeface="Consolas"/>
+                      </a:endParaRPr>
+                    </a:p>
+                  </a:txBody>
+                  <a:tcPr marR="274320"/>
+                </a:tc>
+                <a:tc>
+                  <a:txBody>
+                    <a:bodyPr/>
+                    <a:lstStyle/>
+                    <a:p>
+                      <a:pPr algn="l"/>
+                      <a:endParaRPr lang="en-US" sz="3200" dirty="0">
+                        <a:latin typeface="Cambria"/>
+                        <a:cs typeface="Cambria"/>
+                      </a:endParaRPr>
+                    </a:p>
+                  </a:txBody>
+                  <a:tcPr marL="274320"/>
+                </a:tc>
+              </a:tr>
+              <a:tr h="370840">
+                <a:tc>
+                  <a:txBody>
+                    <a:bodyPr/>
+                    <a:lstStyle/>
+                    <a:p>
+                      <a:pPr algn="r"/>
+                      <a:endParaRPr lang="en-US" sz="3200" dirty="0">
+                        <a:latin typeface="Consolas"/>
+                        <a:cs typeface="Consolas"/>
+                      </a:endParaRPr>
+                    </a:p>
+                  </a:txBody>
+                  <a:tcPr marR="274320"/>
+                </a:tc>
+                <a:tc>
+                  <a:txBody>
+                    <a:bodyPr/>
+                    <a:lstStyle/>
+                    <a:p>
+                      <a:pPr algn="l"/>
+                      <a:endParaRPr lang="en-US" sz="3200" dirty="0">
+                        <a:latin typeface="Cambria"/>
+                        <a:cs typeface="Cambria"/>
+                      </a:endParaRPr>
+                    </a:p>
+                  </a:txBody>
+                  <a:tcPr marL="274320"/>
+                </a:tc>
+              </a:tr>
+              <a:tr h="370840">
+                <a:tc>
+                  <a:txBody>
+                    <a:bodyPr/>
+                    <a:lstStyle/>
+                    <a:p>
+                      <a:pPr algn="r"/>
+                      <a:endParaRPr lang="en-US" sz="3200" dirty="0">
+                        <a:latin typeface="Consolas"/>
+                        <a:cs typeface="Consolas"/>
+                      </a:endParaRPr>
+                    </a:p>
+                  </a:txBody>
+                  <a:tcPr marR="274320"/>
+                </a:tc>
+                <a:tc>
+                  <a:txBody>
+                    <a:bodyPr/>
+                    <a:lstStyle/>
+                    <a:p>
+                      <a:pPr algn="l"/>
+                      <a:endParaRPr lang="en-US" sz="3200" dirty="0">
+                        <a:latin typeface="Cambria"/>
+                        <a:cs typeface="Cambria"/>
+                      </a:endParaRPr>
+                    </a:p>
+                  </a:txBody>
+                  <a:tcPr marL="274320"/>
+                </a:tc>
+              </a:tr>
+              <a:tr h="370840">
+                <a:tc>
+                  <a:txBody>
+                    <a:bodyPr/>
+                    <a:lstStyle/>
+                    <a:p>
+                      <a:pPr algn="r"/>
+                      <a:endParaRPr lang="en-US" sz="3200" dirty="0">
+                        <a:latin typeface="Consolas"/>
+                        <a:cs typeface="Consolas"/>
+                      </a:endParaRPr>
+                    </a:p>
+                  </a:txBody>
+                  <a:tcPr marR="274320"/>
+                </a:tc>
+                <a:tc>
+                  <a:txBody>
+                    <a:bodyPr/>
+                    <a:lstStyle/>
+                    <a:p>
+                      <a:pPr algn="l"/>
+                      <a:endParaRPr lang="en-US" sz="3200" dirty="0">
+                        <a:latin typeface="Cambria"/>
+                        <a:cs typeface="Cambria"/>
+                      </a:endParaRPr>
+                    </a:p>
+                  </a:txBody>
+                  <a:tcPr marL="274320"/>
+                </a:tc>
+              </a:tr>
+            </a:tbl>
+          </a:graphicData>
+        </a:graphic>
+      </p:graphicFrame>
+      <p:pic>
+        <p:nvPicPr>
+          <p:cNvPr id="29" name="Picture 28" descr="Wisconsin.pdf"/>
+          <p:cNvPicPr>
+            <a:picLocks noChangeAspect="1"/>
+          </p:cNvPicPr>
+          <p:nvPr/>
+        </p:nvPicPr>
+        <p:blipFill>
+          <a:blip r:embed="rId8">
+            <a:extLst>
+              <a:ext uri="{28A0092B-C50C-407E-A947-70E740481C1C}">
+                <a14:useLocalDpi xmlns:a14="http://schemas.microsoft.com/office/drawing/2010/main" val="0"/>
+              </a:ext>
+            </a:extLst>
+          </a:blip>
+          <a:stretch>
+            <a:fillRect/>
+          </a:stretch>
+        </p:blipFill>
+        <p:spPr>
+          <a:xfrm>
+            <a:off x="25100257" y="23911560"/>
+            <a:ext cx="1058779" cy="1005840"/>
+          </a:xfrm>
+          <a:prstGeom prst="rect">
+            <a:avLst/>
+          </a:prstGeom>
+        </p:spPr>
+      </p:pic>
+      <p:pic>
+        <p:nvPicPr>
+          <p:cNvPr id="31" name="Picture 30" descr="Duke.pdf"/>
+          <p:cNvPicPr>
+            <a:picLocks noChangeAspect="1"/>
+          </p:cNvPicPr>
+          <p:nvPr/>
+        </p:nvPicPr>
+        <p:blipFill>
+          <a:blip r:embed="rId9">
+            <a:extLst>
+              <a:ext uri="{28A0092B-C50C-407E-A947-70E740481C1C}">
+                <a14:useLocalDpi xmlns:a14="http://schemas.microsoft.com/office/drawing/2010/main" val="0"/>
+              </a:ext>
+            </a:extLst>
+          </a:blip>
+          <a:stretch>
+            <a:fillRect/>
+          </a:stretch>
+        </p:blipFill>
+        <p:spPr>
+          <a:xfrm>
+            <a:off x="25091764" y="24978360"/>
+            <a:ext cx="1075765" cy="914400"/>
+          </a:xfrm>
+          <a:prstGeom prst="rect">
+            <a:avLst/>
+          </a:prstGeom>
+        </p:spPr>
+      </p:pic>
+      <p:pic>
+        <p:nvPicPr>
+          <p:cNvPr id="16384" name="Picture 16383" descr="Kentucky.png"/>
+          <p:cNvPicPr>
+            <a:picLocks noChangeAspect="1"/>
+          </p:cNvPicPr>
+          <p:nvPr/>
+        </p:nvPicPr>
+        <p:blipFill>
+          <a:blip r:embed="rId10" cstate="print">
+            <a:extLst>
+              <a:ext uri="{28A0092B-C50C-407E-A947-70E740481C1C}">
+                <a14:useLocalDpi xmlns:a14="http://schemas.microsoft.com/office/drawing/2010/main" val="0"/>
+              </a:ext>
+            </a:extLst>
+          </a:blip>
+          <a:stretch>
+            <a:fillRect/>
+          </a:stretch>
+        </p:blipFill>
+        <p:spPr>
+          <a:xfrm>
+            <a:off x="24970293" y="22844760"/>
+            <a:ext cx="1318707" cy="914400"/>
+          </a:xfrm>
+          <a:prstGeom prst="rect">
+            <a:avLst/>
+          </a:prstGeom>
+        </p:spPr>
+      </p:pic>
+      <p:pic>
+        <p:nvPicPr>
+          <p:cNvPr id="16385" name="Picture 16384" descr="Michigan State.pdf"/>
+          <p:cNvPicPr>
+            <a:picLocks noChangeAspect="1"/>
+          </p:cNvPicPr>
+          <p:nvPr/>
+        </p:nvPicPr>
+        <p:blipFill>
+          <a:blip r:embed="rId11">
+            <a:extLst>
+              <a:ext uri="{28A0092B-C50C-407E-A947-70E740481C1C}">
+                <a14:useLocalDpi xmlns:a14="http://schemas.microsoft.com/office/drawing/2010/main" val="0"/>
+              </a:ext>
+            </a:extLst>
+          </a:blip>
+          <a:stretch>
+            <a:fillRect/>
+          </a:stretch>
+        </p:blipFill>
+        <p:spPr>
+          <a:xfrm>
+            <a:off x="25196094" y="26045160"/>
+            <a:ext cx="867104" cy="1005840"/>
+          </a:xfrm>
+          <a:prstGeom prst="rect">
+            <a:avLst/>
+          </a:prstGeom>
+        </p:spPr>
+      </p:pic>
+      <p:graphicFrame>
+        <p:nvGraphicFramePr>
+          <p:cNvPr id="16386" name="Table 16385"/>
+          <p:cNvGraphicFramePr>
+            <a:graphicFrameLocks noGrp="1"/>
+          </p:cNvGraphicFramePr>
+          <p:nvPr>
+            <p:extLst>
+              <p:ext uri="{D42A27DB-BD31-4B8C-83A1-F6EECF244321}">
+                <p14:modId xmlns:p14="http://schemas.microsoft.com/office/powerpoint/2010/main" val="3146809090"/>
+              </p:ext>
+            </p:extLst>
+          </p:nvPr>
+        </p:nvGraphicFramePr>
+        <p:xfrm>
+          <a:off x="26289000" y="22235160"/>
+          <a:ext cx="9753600" cy="579120"/>
+        </p:xfrm>
+        <a:graphic>
+          <a:graphicData uri="http://schemas.openxmlformats.org/drawingml/2006/table">
+            <a:tbl>
+              <a:tblPr firstRow="1" bandRow="1">
+                <a:tableStyleId>{2D5ABB26-0587-4C30-8999-92F81FD0307C}</a:tableStyleId>
+              </a:tblPr>
+              <a:tblGrid>
+                <a:gridCol w="4876800"/>
+                <a:gridCol w="4876800"/>
+              </a:tblGrid>
+              <a:tr h="370840">
+                <a:tc>
+                  <a:txBody>
+                    <a:bodyPr/>
+                    <a:lstStyle/>
+                    <a:p>
+                      <a:pPr algn="ctr"/>
+                      <a:r>
+                        <a:rPr lang="en-US" sz="3200" b="1" u="none" dirty="0" smtClean="0">
+                          <a:latin typeface="Helvetica"/>
+                          <a:cs typeface="Helvetica"/>
+                        </a:rPr>
+                        <a:t>Semi-Final</a:t>
+                      </a:r>
+                      <a:r>
+                        <a:rPr lang="en-US" sz="3200" b="1" u="none" baseline="0" dirty="0" smtClean="0">
+                          <a:latin typeface="Helvetica"/>
+                          <a:cs typeface="Helvetica"/>
+                        </a:rPr>
+                        <a:t> Win</a:t>
+                      </a:r>
+                      <a:endParaRPr lang="en-US" sz="3200" b="1" u="none" dirty="0">
+                        <a:latin typeface="Helvetica"/>
+                        <a:cs typeface="Helvetica"/>
+                      </a:endParaRPr>
+                    </a:p>
+                  </a:txBody>
+                  <a:tcPr/>
+                </a:tc>
+                <a:tc>
+                  <a:txBody>
+                    <a:bodyPr/>
+                    <a:lstStyle/>
+                    <a:p>
+                      <a:pPr algn="ctr"/>
+                      <a:r>
+                        <a:rPr lang="en-US" sz="3200" b="1" u="none" dirty="0" smtClean="0">
+                          <a:latin typeface="Helvetica"/>
+                          <a:cs typeface="Helvetica"/>
+                        </a:rPr>
+                        <a:t>Championship</a:t>
+                      </a:r>
+                      <a:endParaRPr lang="en-US" sz="3200" b="1" u="none" dirty="0">
+                        <a:latin typeface="Helvetica"/>
+                        <a:cs typeface="Helvetica"/>
+                      </a:endParaRPr>
+                    </a:p>
+                  </a:txBody>
+                  <a:tcPr/>
+                </a:tc>
+              </a:tr>
+            </a:tbl>
+          </a:graphicData>
+        </a:graphic>
+      </p:graphicFrame>
+      <p:graphicFrame>
+        <p:nvGraphicFramePr>
+          <p:cNvPr id="93" name="Table 92"/>
+          <p:cNvGraphicFramePr>
+            <a:graphicFrameLocks noGrp="1"/>
+          </p:cNvGraphicFramePr>
+          <p:nvPr>
+            <p:extLst>
+              <p:ext uri="{D42A27DB-BD31-4B8C-83A1-F6EECF244321}">
+                <p14:modId xmlns:p14="http://schemas.microsoft.com/office/powerpoint/2010/main" val="2073916060"/>
+              </p:ext>
+            </p:extLst>
+          </p:nvPr>
+        </p:nvGraphicFramePr>
+        <p:xfrm>
+          <a:off x="26289000" y="22951440"/>
+          <a:ext cx="9753600" cy="701040"/>
+        </p:xfrm>
+        <a:graphic>
+          <a:graphicData uri="http://schemas.openxmlformats.org/drawingml/2006/table">
+            <a:tbl>
+              <a:tblPr firstRow="1" bandRow="1">
+                <a:tableStyleId>{2D5ABB26-0587-4C30-8999-92F81FD0307C}</a:tableStyleId>
+              </a:tblPr>
+              <a:tblGrid>
+                <a:gridCol w="4876800"/>
+                <a:gridCol w="4876800"/>
+              </a:tblGrid>
+              <a:tr h="370840">
+                <a:tc>
+                  <a:txBody>
+                    <a:bodyPr/>
+                    <a:lstStyle/>
+                    <a:p>
+                      <a:pPr algn="ctr"/>
+                      <a:r>
+                        <a:rPr lang="en-US" sz="4000" b="0" u="none" dirty="0" smtClean="0">
+                          <a:latin typeface="Helvetica"/>
+                          <a:cs typeface="Helvetica"/>
+                        </a:rPr>
+                        <a:t>XX%</a:t>
+                      </a:r>
+                      <a:endParaRPr lang="en-US" sz="4000" b="0" u="none" dirty="0">
+                        <a:latin typeface="Helvetica"/>
+                        <a:cs typeface="Helvetica"/>
+                      </a:endParaRPr>
+                    </a:p>
+                  </a:txBody>
+                  <a:tcPr/>
+                </a:tc>
+                <a:tc>
+                  <a:txBody>
+                    <a:bodyPr/>
+                    <a:lstStyle/>
+                    <a:p>
+                      <a:pPr marL="0" marR="0" indent="0" algn="ctr" defTabSz="914400" rtl="0" eaLnBrk="1" fontAlgn="auto" latinLnBrk="0" hangingPunct="1">
+                        <a:lnSpc>
+                          <a:spcPct val="100000"/>
+                        </a:lnSpc>
+                        <a:spcBef>
+                          <a:spcPts val="0"/>
+                        </a:spcBef>
+                        <a:spcAft>
+                          <a:spcPts val="0"/>
+                        </a:spcAft>
+                        <a:buClrTx/>
+                        <a:buSzTx/>
+                        <a:buFontTx/>
+                        <a:buNone/>
+                        <a:tabLst/>
+                        <a:defRPr/>
+                      </a:pPr>
+                      <a:r>
+                        <a:rPr lang="en-US" sz="4000" b="0" u="none" dirty="0" smtClean="0">
+                          <a:latin typeface="Helvetica"/>
+                          <a:cs typeface="Helvetica"/>
+                        </a:rPr>
+                        <a:t>XX%</a:t>
+                      </a:r>
+                    </a:p>
+                  </a:txBody>
+                  <a:tcPr/>
+                </a:tc>
+              </a:tr>
+            </a:tbl>
+          </a:graphicData>
+        </a:graphic>
+      </p:graphicFrame>
+      <p:sp>
+        <p:nvSpPr>
+          <p:cNvPr id="94" name="TextBox 93"/>
+          <p:cNvSpPr txBox="1"/>
+          <p:nvPr/>
+        </p:nvSpPr>
+        <p:spPr>
+          <a:xfrm>
+            <a:off x="24307800" y="27407194"/>
+            <a:ext cx="11734800" cy="584776"/>
+          </a:xfrm>
+          <a:prstGeom prst="rect">
+            <a:avLst/>
+          </a:prstGeom>
+          <a:noFill/>
+        </p:spPr>
+        <p:txBody>
+          <a:bodyPr wrap="square" rtlCol="0">
+            <a:spAutoFit/>
+          </a:bodyPr>
+          <a:lstStyle/>
+          <a:p>
+            <a:pPr algn="ctr"/>
             <a:r>
               <a:rPr lang="en-US" sz="3200" dirty="0" smtClean="0">
                 <a:latin typeface="Cambria"/>
                 <a:cs typeface="Cambria"/>
               </a:rPr>
-              <a:t>Games: ~33,000 from 2010 – 2015</a:t>
+              <a:t>The likeliest championship game:         over          (XX%)</a:t>
+            </a:r>
+          </a:p>
+        </p:txBody>
+      </p:sp>
+      <p:pic>
+        <p:nvPicPr>
+          <p:cNvPr id="95" name="Picture 94" descr="Duke.pdf"/>
+          <p:cNvPicPr>
+            <a:picLocks noChangeAspect="1"/>
+          </p:cNvPicPr>
+          <p:nvPr/>
+        </p:nvPicPr>
+        <p:blipFill>
+          <a:blip r:embed="rId9">
+            <a:extLst>
+              <a:ext uri="{28A0092B-C50C-407E-A947-70E740481C1C}">
+                <a14:useLocalDpi xmlns:a14="http://schemas.microsoft.com/office/drawing/2010/main" val="0"/>
+              </a:ext>
+            </a:extLst>
+          </a:blip>
+          <a:stretch>
+            <a:fillRect/>
+          </a:stretch>
+        </p:blipFill>
+        <p:spPr>
+          <a:xfrm>
+            <a:off x="31394400" y="27499637"/>
+            <a:ext cx="607241" cy="516155"/>
+          </a:xfrm>
+          <a:prstGeom prst="rect">
+            <a:avLst/>
+          </a:prstGeom>
+        </p:spPr>
+      </p:pic>
+      <p:pic>
+        <p:nvPicPr>
+          <p:cNvPr id="96" name="Picture 95" descr="Wisconsin.pdf"/>
+          <p:cNvPicPr>
+            <a:picLocks noChangeAspect="1"/>
+          </p:cNvPicPr>
+          <p:nvPr/>
+        </p:nvPicPr>
+        <p:blipFill>
+          <a:blip r:embed="rId8">
+            <a:extLst>
+              <a:ext uri="{28A0092B-C50C-407E-A947-70E740481C1C}">
+                <a14:useLocalDpi xmlns:a14="http://schemas.microsoft.com/office/drawing/2010/main" val="0"/>
+              </a:ext>
+            </a:extLst>
+          </a:blip>
+          <a:stretch>
+            <a:fillRect/>
+          </a:stretch>
+        </p:blipFill>
+        <p:spPr>
+          <a:xfrm>
+            <a:off x="32994600" y="27473829"/>
+            <a:ext cx="597653" cy="567771"/>
+          </a:xfrm>
+          <a:prstGeom prst="rect">
+            <a:avLst/>
+          </a:prstGeom>
+        </p:spPr>
+      </p:pic>
+      <p:sp>
+        <p:nvSpPr>
+          <p:cNvPr id="16391" name="TextBox 16390"/>
+          <p:cNvSpPr txBox="1"/>
+          <p:nvPr/>
+        </p:nvSpPr>
+        <p:spPr>
+          <a:xfrm>
+            <a:off x="24307800" y="23117294"/>
+            <a:ext cx="609599" cy="369332"/>
+          </a:xfrm>
+          <a:prstGeom prst="rect">
+            <a:avLst/>
+          </a:prstGeom>
+          <a:noFill/>
+        </p:spPr>
+        <p:txBody>
+          <a:bodyPr wrap="square" rtlCol="0">
+            <a:spAutoFit/>
+          </a:bodyPr>
+          <a:lstStyle/>
+          <a:p>
+            <a:pPr algn="r"/>
+            <a:r>
+              <a:rPr lang="en-US" sz="1800" dirty="0" smtClean="0">
+                <a:solidFill>
+                  <a:schemeClr val="bg2"/>
+                </a:solidFill>
+              </a:rPr>
+              <a:t>(1)</a:t>
+            </a:r>
+            <a:endParaRPr lang="en-US" sz="1800" dirty="0">
+              <a:solidFill>
+                <a:schemeClr val="bg2"/>
+              </a:solidFill>
+            </a:endParaRPr>
+          </a:p>
+        </p:txBody>
+      </p:sp>
+      <p:sp>
+        <p:nvSpPr>
+          <p:cNvPr id="101" name="TextBox 100"/>
+          <p:cNvSpPr txBox="1"/>
+          <p:nvPr/>
+        </p:nvSpPr>
+        <p:spPr>
+          <a:xfrm>
+            <a:off x="24307800" y="24231600"/>
+            <a:ext cx="609599" cy="369332"/>
+          </a:xfrm>
+          <a:prstGeom prst="rect">
+            <a:avLst/>
+          </a:prstGeom>
+          <a:noFill/>
+        </p:spPr>
+        <p:txBody>
+          <a:bodyPr wrap="square" rtlCol="0">
+            <a:spAutoFit/>
+          </a:bodyPr>
+          <a:lstStyle/>
+          <a:p>
+            <a:pPr algn="r"/>
+            <a:r>
+              <a:rPr lang="en-US" sz="1800" dirty="0" smtClean="0">
+                <a:solidFill>
+                  <a:schemeClr val="bg2"/>
+                </a:solidFill>
+              </a:rPr>
+              <a:t>(1)</a:t>
+            </a:r>
+            <a:endParaRPr lang="en-US" sz="1800" dirty="0">
+              <a:solidFill>
+                <a:schemeClr val="bg2"/>
+              </a:solidFill>
+            </a:endParaRPr>
+          </a:p>
+        </p:txBody>
+      </p:sp>
+      <p:sp>
+        <p:nvSpPr>
+          <p:cNvPr id="102" name="TextBox 101"/>
+          <p:cNvSpPr txBox="1"/>
+          <p:nvPr/>
+        </p:nvSpPr>
+        <p:spPr>
+          <a:xfrm>
+            <a:off x="24307800" y="25250894"/>
+            <a:ext cx="609599" cy="369332"/>
+          </a:xfrm>
+          <a:prstGeom prst="rect">
+            <a:avLst/>
+          </a:prstGeom>
+          <a:noFill/>
+        </p:spPr>
+        <p:txBody>
+          <a:bodyPr wrap="square" rtlCol="0">
+            <a:spAutoFit/>
+          </a:bodyPr>
+          <a:lstStyle/>
+          <a:p>
+            <a:pPr algn="r"/>
+            <a:r>
+              <a:rPr lang="en-US" sz="1800" dirty="0" smtClean="0">
+                <a:solidFill>
+                  <a:schemeClr val="bg2"/>
+                </a:solidFill>
+              </a:rPr>
+              <a:t>(1)</a:t>
+            </a:r>
+            <a:endParaRPr lang="en-US" sz="1800" dirty="0">
+              <a:solidFill>
+                <a:schemeClr val="bg2"/>
+              </a:solidFill>
+            </a:endParaRPr>
+          </a:p>
+        </p:txBody>
+      </p:sp>
+      <p:sp>
+        <p:nvSpPr>
+          <p:cNvPr id="103" name="TextBox 102"/>
+          <p:cNvSpPr txBox="1"/>
+          <p:nvPr/>
+        </p:nvSpPr>
+        <p:spPr>
+          <a:xfrm>
+            <a:off x="24307800" y="26363414"/>
+            <a:ext cx="609599" cy="369332"/>
+          </a:xfrm>
+          <a:prstGeom prst="rect">
+            <a:avLst/>
+          </a:prstGeom>
+          <a:noFill/>
+        </p:spPr>
+        <p:txBody>
+          <a:bodyPr wrap="square" rtlCol="0">
+            <a:spAutoFit/>
+          </a:bodyPr>
+          <a:lstStyle/>
+          <a:p>
+            <a:pPr algn="r"/>
+            <a:r>
+              <a:rPr lang="en-US" sz="1800" dirty="0" smtClean="0">
+                <a:solidFill>
+                  <a:schemeClr val="bg2"/>
+                </a:solidFill>
+              </a:rPr>
+              <a:t>(7)</a:t>
+            </a:r>
+            <a:endParaRPr lang="en-US" sz="1800" dirty="0">
+              <a:solidFill>
+                <a:schemeClr val="bg2"/>
+              </a:solidFill>
+            </a:endParaRPr>
+          </a:p>
+        </p:txBody>
+      </p:sp>
+      <p:pic>
+        <p:nvPicPr>
+          <p:cNvPr id="16392" name="Picture 16391" descr="Gonzaga.pdf"/>
+          <p:cNvPicPr>
+            <a:picLocks noChangeAspect="1"/>
+          </p:cNvPicPr>
+          <p:nvPr/>
+        </p:nvPicPr>
+        <p:blipFill>
+          <a:blip r:embed="rId12">
+            <a:extLst>
+              <a:ext uri="{28A0092B-C50C-407E-A947-70E740481C1C}">
+                <a14:useLocalDpi xmlns:a14="http://schemas.microsoft.com/office/drawing/2010/main" val="0"/>
+              </a:ext>
+            </a:extLst>
+          </a:blip>
+          <a:stretch>
+            <a:fillRect/>
+          </a:stretch>
+        </p:blipFill>
+        <p:spPr>
+          <a:xfrm>
+            <a:off x="26193750" y="12396723"/>
+            <a:ext cx="1222744" cy="914400"/>
+          </a:xfrm>
+          <a:prstGeom prst="rect">
+            <a:avLst/>
+          </a:prstGeom>
+        </p:spPr>
+      </p:pic>
+      <p:pic>
+        <p:nvPicPr>
+          <p:cNvPr id="16393" name="Picture 16392" descr="Arizona.pdf"/>
+          <p:cNvPicPr>
+            <a:picLocks noChangeAspect="1"/>
+          </p:cNvPicPr>
+          <p:nvPr/>
+        </p:nvPicPr>
+        <p:blipFill>
+          <a:blip r:embed="rId13">
+            <a:extLst>
+              <a:ext uri="{28A0092B-C50C-407E-A947-70E740481C1C}">
+                <a14:useLocalDpi xmlns:a14="http://schemas.microsoft.com/office/drawing/2010/main" val="0"/>
+              </a:ext>
+            </a:extLst>
+          </a:blip>
+          <a:stretch>
+            <a:fillRect/>
+          </a:stretch>
+        </p:blipFill>
+        <p:spPr>
+          <a:xfrm>
+            <a:off x="26365200" y="13639800"/>
+            <a:ext cx="989610" cy="914400"/>
+          </a:xfrm>
+          <a:prstGeom prst="rect">
+            <a:avLst/>
+          </a:prstGeom>
+        </p:spPr>
+      </p:pic>
+      <p:graphicFrame>
+        <p:nvGraphicFramePr>
+          <p:cNvPr id="122" name="Table 121"/>
+          <p:cNvGraphicFramePr>
+            <a:graphicFrameLocks noGrp="1"/>
+          </p:cNvGraphicFramePr>
+          <p:nvPr>
+            <p:extLst>
+              <p:ext uri="{D42A27DB-BD31-4B8C-83A1-F6EECF244321}">
+                <p14:modId xmlns:p14="http://schemas.microsoft.com/office/powerpoint/2010/main" val="2903078105"/>
+              </p:ext>
+            </p:extLst>
+          </p:nvPr>
+        </p:nvGraphicFramePr>
+        <p:xfrm>
+          <a:off x="26289000" y="24003000"/>
+          <a:ext cx="9753600" cy="701040"/>
+        </p:xfrm>
+        <a:graphic>
+          <a:graphicData uri="http://schemas.openxmlformats.org/drawingml/2006/table">
+            <a:tbl>
+              <a:tblPr firstRow="1" bandRow="1">
+                <a:tableStyleId>{2D5ABB26-0587-4C30-8999-92F81FD0307C}</a:tableStyleId>
+              </a:tblPr>
+              <a:tblGrid>
+                <a:gridCol w="4876800"/>
+                <a:gridCol w="4876800"/>
+              </a:tblGrid>
+              <a:tr h="370840">
+                <a:tc>
+                  <a:txBody>
+                    <a:bodyPr/>
+                    <a:lstStyle/>
+                    <a:p>
+                      <a:pPr algn="ctr"/>
+                      <a:r>
+                        <a:rPr lang="en-US" sz="4000" b="0" u="none" dirty="0" smtClean="0">
+                          <a:latin typeface="Helvetica"/>
+                          <a:cs typeface="Helvetica"/>
+                        </a:rPr>
+                        <a:t>XX%</a:t>
+                      </a:r>
+                      <a:endParaRPr lang="en-US" sz="4000" b="0" u="none" dirty="0">
+                        <a:latin typeface="Helvetica"/>
+                        <a:cs typeface="Helvetica"/>
+                      </a:endParaRPr>
+                    </a:p>
+                  </a:txBody>
+                  <a:tcPr/>
+                </a:tc>
+                <a:tc>
+                  <a:txBody>
+                    <a:bodyPr/>
+                    <a:lstStyle/>
+                    <a:p>
+                      <a:pPr marL="0" marR="0" indent="0" algn="ctr" defTabSz="914400" rtl="0" eaLnBrk="1" fontAlgn="auto" latinLnBrk="0" hangingPunct="1">
+                        <a:lnSpc>
+                          <a:spcPct val="100000"/>
+                        </a:lnSpc>
+                        <a:spcBef>
+                          <a:spcPts val="0"/>
+                        </a:spcBef>
+                        <a:spcAft>
+                          <a:spcPts val="0"/>
+                        </a:spcAft>
+                        <a:buClrTx/>
+                        <a:buSzTx/>
+                        <a:buFontTx/>
+                        <a:buNone/>
+                        <a:tabLst/>
+                        <a:defRPr/>
+                      </a:pPr>
+                      <a:r>
+                        <a:rPr lang="en-US" sz="4000" b="0" u="none" dirty="0" smtClean="0">
+                          <a:latin typeface="Helvetica"/>
+                          <a:cs typeface="Helvetica"/>
+                        </a:rPr>
+                        <a:t>XX%</a:t>
+                      </a:r>
+                    </a:p>
+                  </a:txBody>
+                  <a:tcPr/>
+                </a:tc>
+              </a:tr>
+            </a:tbl>
+          </a:graphicData>
+        </a:graphic>
+      </p:graphicFrame>
+      <p:graphicFrame>
+        <p:nvGraphicFramePr>
+          <p:cNvPr id="123" name="Table 122"/>
+          <p:cNvGraphicFramePr>
+            <a:graphicFrameLocks noGrp="1"/>
+          </p:cNvGraphicFramePr>
+          <p:nvPr>
+            <p:extLst>
+              <p:ext uri="{D42A27DB-BD31-4B8C-83A1-F6EECF244321}">
+                <p14:modId xmlns:p14="http://schemas.microsoft.com/office/powerpoint/2010/main" val="2994803964"/>
+              </p:ext>
+            </p:extLst>
+          </p:nvPr>
+        </p:nvGraphicFramePr>
+        <p:xfrm>
+          <a:off x="26289000" y="25085040"/>
+          <a:ext cx="9753600" cy="701040"/>
+        </p:xfrm>
+        <a:graphic>
+          <a:graphicData uri="http://schemas.openxmlformats.org/drawingml/2006/table">
+            <a:tbl>
+              <a:tblPr firstRow="1" bandRow="1">
+                <a:tableStyleId>{2D5ABB26-0587-4C30-8999-92F81FD0307C}</a:tableStyleId>
+              </a:tblPr>
+              <a:tblGrid>
+                <a:gridCol w="4876800"/>
+                <a:gridCol w="4876800"/>
+              </a:tblGrid>
+              <a:tr h="370840">
+                <a:tc>
+                  <a:txBody>
+                    <a:bodyPr/>
+                    <a:lstStyle/>
+                    <a:p>
+                      <a:pPr algn="ctr"/>
+                      <a:r>
+                        <a:rPr lang="en-US" sz="4000" b="0" u="none" dirty="0" smtClean="0">
+                          <a:latin typeface="Helvetica"/>
+                          <a:cs typeface="Helvetica"/>
+                        </a:rPr>
+                        <a:t>XX%</a:t>
+                      </a:r>
+                      <a:endParaRPr lang="en-US" sz="4000" b="0" u="none" dirty="0">
+                        <a:latin typeface="Helvetica"/>
+                        <a:cs typeface="Helvetica"/>
+                      </a:endParaRPr>
+                    </a:p>
+                  </a:txBody>
+                  <a:tcPr/>
+                </a:tc>
+                <a:tc>
+                  <a:txBody>
+                    <a:bodyPr/>
+                    <a:lstStyle/>
+                    <a:p>
+                      <a:pPr marL="0" marR="0" indent="0" algn="ctr" defTabSz="914400" rtl="0" eaLnBrk="1" fontAlgn="auto" latinLnBrk="0" hangingPunct="1">
+                        <a:lnSpc>
+                          <a:spcPct val="100000"/>
+                        </a:lnSpc>
+                        <a:spcBef>
+                          <a:spcPts val="0"/>
+                        </a:spcBef>
+                        <a:spcAft>
+                          <a:spcPts val="0"/>
+                        </a:spcAft>
+                        <a:buClrTx/>
+                        <a:buSzTx/>
+                        <a:buFontTx/>
+                        <a:buNone/>
+                        <a:tabLst/>
+                        <a:defRPr/>
+                      </a:pPr>
+                      <a:r>
+                        <a:rPr lang="en-US" sz="4000" b="0" u="none" dirty="0" smtClean="0">
+                          <a:latin typeface="Helvetica"/>
+                          <a:cs typeface="Helvetica"/>
+                        </a:rPr>
+                        <a:t>XX%</a:t>
+                      </a:r>
+                    </a:p>
+                  </a:txBody>
+                  <a:tcPr/>
+                </a:tc>
+              </a:tr>
+            </a:tbl>
+          </a:graphicData>
+        </a:graphic>
+      </p:graphicFrame>
+      <p:graphicFrame>
+        <p:nvGraphicFramePr>
+          <p:cNvPr id="124" name="Table 123"/>
+          <p:cNvGraphicFramePr>
+            <a:graphicFrameLocks noGrp="1"/>
+          </p:cNvGraphicFramePr>
+          <p:nvPr>
+            <p:extLst>
+              <p:ext uri="{D42A27DB-BD31-4B8C-83A1-F6EECF244321}">
+                <p14:modId xmlns:p14="http://schemas.microsoft.com/office/powerpoint/2010/main" val="1815195794"/>
+              </p:ext>
+            </p:extLst>
+          </p:nvPr>
+        </p:nvGraphicFramePr>
+        <p:xfrm>
+          <a:off x="26289000" y="26197560"/>
+          <a:ext cx="9753600" cy="701040"/>
+        </p:xfrm>
+        <a:graphic>
+          <a:graphicData uri="http://schemas.openxmlformats.org/drawingml/2006/table">
+            <a:tbl>
+              <a:tblPr firstRow="1" bandRow="1">
+                <a:tableStyleId>{2D5ABB26-0587-4C30-8999-92F81FD0307C}</a:tableStyleId>
+              </a:tblPr>
+              <a:tblGrid>
+                <a:gridCol w="4876800"/>
+                <a:gridCol w="4876800"/>
+              </a:tblGrid>
+              <a:tr h="370840">
+                <a:tc>
+                  <a:txBody>
+                    <a:bodyPr/>
+                    <a:lstStyle/>
+                    <a:p>
+                      <a:pPr algn="ctr"/>
+                      <a:r>
+                        <a:rPr lang="en-US" sz="4000" b="0" u="none" dirty="0" smtClean="0">
+                          <a:latin typeface="Helvetica"/>
+                          <a:cs typeface="Helvetica"/>
+                        </a:rPr>
+                        <a:t>XX%</a:t>
+                      </a:r>
+                      <a:endParaRPr lang="en-US" sz="4000" b="0" u="none" dirty="0">
+                        <a:latin typeface="Helvetica"/>
+                        <a:cs typeface="Helvetica"/>
+                      </a:endParaRPr>
+                    </a:p>
+                  </a:txBody>
+                  <a:tcPr/>
+                </a:tc>
+                <a:tc>
+                  <a:txBody>
+                    <a:bodyPr/>
+                    <a:lstStyle/>
+                    <a:p>
+                      <a:pPr marL="0" marR="0" indent="0" algn="ctr" defTabSz="914400" rtl="0" eaLnBrk="1" fontAlgn="auto" latinLnBrk="0" hangingPunct="1">
+                        <a:lnSpc>
+                          <a:spcPct val="100000"/>
+                        </a:lnSpc>
+                        <a:spcBef>
+                          <a:spcPts val="0"/>
+                        </a:spcBef>
+                        <a:spcAft>
+                          <a:spcPts val="0"/>
+                        </a:spcAft>
+                        <a:buClrTx/>
+                        <a:buSzTx/>
+                        <a:buFontTx/>
+                        <a:buNone/>
+                        <a:tabLst/>
+                        <a:defRPr/>
+                      </a:pPr>
+                      <a:r>
+                        <a:rPr lang="en-US" sz="4000" b="0" u="none" dirty="0" smtClean="0">
+                          <a:latin typeface="Helvetica"/>
+                          <a:cs typeface="Helvetica"/>
+                        </a:rPr>
+                        <a:t>XX%</a:t>
+                      </a:r>
+                    </a:p>
+                  </a:txBody>
+                  <a:tcPr/>
+                </a:tc>
+              </a:tr>
+            </a:tbl>
+          </a:graphicData>
+        </a:graphic>
+      </p:graphicFrame>
+      <p:sp>
+        <p:nvSpPr>
+          <p:cNvPr id="126" name="TextBox 125"/>
+          <p:cNvSpPr txBox="1"/>
+          <p:nvPr/>
+        </p:nvSpPr>
+        <p:spPr>
+          <a:xfrm>
+            <a:off x="12420600" y="4495800"/>
+            <a:ext cx="11734800" cy="1077218"/>
+          </a:xfrm>
+          <a:prstGeom prst="rect">
+            <a:avLst/>
+          </a:prstGeom>
+          <a:noFill/>
+        </p:spPr>
+        <p:txBody>
+          <a:bodyPr wrap="square" rtlCol="0">
+            <a:spAutoFit/>
+          </a:bodyPr>
+          <a:lstStyle/>
+          <a:p>
+            <a:r>
+              <a:rPr lang="en-US" sz="3200" dirty="0" smtClean="0">
+                <a:latin typeface="Cambria"/>
+                <a:cs typeface="Cambria"/>
+              </a:rPr>
+              <a:t>Despite all we have learned, iterating over Bayesian model features is time-consuming. TODO MORE</a:t>
             </a:r>
           </a:p>
         </p:txBody>

--- a/poster/poster-master.pptx
+++ b/poster/poster-master.pptx
@@ -4881,7 +4881,7 @@
                 <a:latin typeface="Cambria"/>
                 <a:cs typeface="Cambria"/>
               </a:rPr>
-              <a:t>Featuring 351 teams, NCAA men’s basketball is a major source of excitement in American sports. The annual NCAA tournament attracts more advertising spending than the Super Bowl, and prompts $12 billion in gambling on its outcome.</a:t>
+              <a:t>Featuring 351 teams, NCAA men’s basketball is a major source of excitement in American sports. The annual 64-team NCAA tournament attracts more advertising spending than the Super Bowl, and prompts $12 billion in gambling on its outcome.</a:t>
             </a:r>
           </a:p>
           <a:p>
@@ -5036,7 +5036,7 @@
                 <a:latin typeface="Cambria"/>
                 <a:cs typeface="Cambria"/>
               </a:rPr>
-              <a:t>What Really Matters</a:t>
+              <a:t>How Did We Do?</a:t>
             </a:r>
           </a:p>
           <a:p>
@@ -5051,7 +5051,7 @@
                 <a:latin typeface="Cambria"/>
                 <a:cs typeface="Cambria"/>
               </a:rPr>
-              <a:t>TODO FEATURE INTERPRETATION</a:t>
+              <a:t>TODO PERFORMANCE EVALUATION</a:t>
             </a:r>
           </a:p>
         </p:txBody>
@@ -5064,7 +5064,7 @@
         </p:nvSpPr>
         <p:spPr>
           <a:xfrm>
-            <a:off x="24307800" y="9144000"/>
+            <a:off x="24307800" y="12093476"/>
             <a:ext cx="11734800" cy="2308324"/>
           </a:xfrm>
           <a:prstGeom prst="rect">
@@ -5098,7 +5098,7 @@
                 <a:latin typeface="Cambria"/>
                 <a:cs typeface="Cambria"/>
               </a:rPr>
-              <a:t>We used our model to simulate the entire 2015 NCAA Tournament TODO times. The most likely winners:</a:t>
+              <a:t>We used our model to simulate the entire 2015 NCAA Tournament 10,000 times. The most likely winners:</a:t>
             </a:r>
           </a:p>
         </p:txBody>
@@ -5111,7 +5111,7 @@
         </p:nvSpPr>
         <p:spPr>
           <a:xfrm>
-            <a:off x="24307800" y="19812000"/>
+            <a:off x="24307800" y="20269200"/>
             <a:ext cx="11734800" cy="2246769"/>
           </a:xfrm>
           <a:prstGeom prst="rect">
@@ -5154,7 +5154,7 @@
                 <a:latin typeface="Cambria"/>
                 <a:cs typeface="Cambria"/>
               </a:rPr>
-              <a:t>We simulated their matchups TODO times as well: </a:t>
+              <a:t>We simulated their matchups 10,000 times as well: </a:t>
             </a:r>
           </a:p>
         </p:txBody>
@@ -5710,7 +5710,7 @@
         </p:blipFill>
         <p:spPr>
           <a:xfrm>
-            <a:off x="25100257" y="23911560"/>
+            <a:off x="25100257" y="24368760"/>
             <a:ext cx="1058779" cy="1005840"/>
           </a:xfrm>
           <a:prstGeom prst="rect">
@@ -5740,7 +5740,7 @@
         </p:blipFill>
         <p:spPr>
           <a:xfrm>
-            <a:off x="25091764" y="24978360"/>
+            <a:off x="25091764" y="25435560"/>
             <a:ext cx="1075765" cy="914400"/>
           </a:xfrm>
           <a:prstGeom prst="rect">
@@ -5770,7 +5770,7 @@
         </p:blipFill>
         <p:spPr>
           <a:xfrm>
-            <a:off x="24970293" y="22844760"/>
+            <a:off x="24970293" y="23301960"/>
             <a:ext cx="1318707" cy="914400"/>
           </a:xfrm>
           <a:prstGeom prst="rect">
@@ -5800,7 +5800,7 @@
         </p:blipFill>
         <p:spPr>
           <a:xfrm>
-            <a:off x="25196094" y="26045160"/>
+            <a:off x="25196094" y="26502360"/>
             <a:ext cx="867104" cy="1005840"/>
           </a:xfrm>
           <a:prstGeom prst="rect">
@@ -5817,13 +5817,13 @@
           <p:nvPr>
             <p:extLst>
               <p:ext uri="{D42A27DB-BD31-4B8C-83A1-F6EECF244321}">
-                <p14:modId xmlns:p14="http://schemas.microsoft.com/office/powerpoint/2010/main" val="3146809090"/>
+                <p14:modId xmlns:p14="http://schemas.microsoft.com/office/powerpoint/2010/main" val="772334121"/>
               </p:ext>
             </p:extLst>
           </p:nvPr>
         </p:nvGraphicFramePr>
         <p:xfrm>
-          <a:off x="26289000" y="22235160"/>
+          <a:off x="26289000" y="22692360"/>
           <a:ext cx="9753600" cy="579120"/>
         </p:xfrm>
         <a:graphic>
@@ -5900,13 +5900,13 @@
           <p:nvPr>
             <p:extLst>
               <p:ext uri="{D42A27DB-BD31-4B8C-83A1-F6EECF244321}">
-                <p14:modId xmlns:p14="http://schemas.microsoft.com/office/powerpoint/2010/main" val="2073916060"/>
+                <p14:modId xmlns:p14="http://schemas.microsoft.com/office/powerpoint/2010/main" val="2118856129"/>
               </p:ext>
             </p:extLst>
           </p:nvPr>
         </p:nvGraphicFramePr>
         <p:xfrm>
-          <a:off x="26289000" y="22951440"/>
+          <a:off x="26289000" y="23408640"/>
           <a:ext cx="9753600" cy="701040"/>
         </p:xfrm>
         <a:graphic>
@@ -5931,7 +5931,7 @@
                           <a:latin typeface="Helvetica"/>
                           <a:cs typeface="Helvetica"/>
                         </a:rPr>
-                        <a:t>XX%</a:t>
+                        <a:t>72%</a:t>
                       </a:r>
                       <a:endParaRPr lang="en-US" sz="4000" b="0" u="none" dirty="0">
                         <a:latin typeface="Helvetica"/>
@@ -5968,7 +5968,7 @@
                           <a:latin typeface="Helvetica"/>
                           <a:cs typeface="Helvetica"/>
                         </a:rPr>
-                        <a:t>XX%</a:t>
+                        <a:t>71%</a:t>
                       </a:r>
                     </a:p>
                   </a:txBody>
@@ -5987,7 +5987,7 @@
         </p:nvSpPr>
         <p:spPr>
           <a:xfrm>
-            <a:off x="24307800" y="27407194"/>
+            <a:off x="24307800" y="27864394"/>
             <a:ext cx="11734800" cy="584776"/>
           </a:xfrm>
           <a:prstGeom prst="rect">
@@ -6007,7 +6007,7 @@
                 <a:latin typeface="Cambria"/>
                 <a:cs typeface="Cambria"/>
               </a:rPr>
-              <a:t>The likeliest championship game:         over          (XX%)</a:t>
+              <a:t>Most common championship game:          over          (72%)</a:t>
             </a:r>
           </a:p>
         </p:txBody>
@@ -6034,7 +6034,7 @@
         </p:blipFill>
         <p:spPr>
           <a:xfrm>
-            <a:off x="31394400" y="27499637"/>
+            <a:off x="33225559" y="27965400"/>
             <a:ext cx="607241" cy="516155"/>
           </a:xfrm>
           <a:prstGeom prst="rect">
@@ -6042,36 +6042,6 @@
           </a:prstGeom>
         </p:spPr>
       </p:pic>
-      <p:pic>
-        <p:nvPicPr>
-          <p:cNvPr id="96" name="Picture 95" descr="Wisconsin.pdf"/>
-          <p:cNvPicPr>
-            <a:picLocks noChangeAspect="1"/>
-          </p:cNvPicPr>
-          <p:nvPr/>
-        </p:nvPicPr>
-        <p:blipFill>
-          <a:blip r:embed="rId8">
-            <a:extLst>
-              <a:ext uri="{28A0092B-C50C-407E-A947-70E740481C1C}">
-                <a14:useLocalDpi xmlns:a14="http://schemas.microsoft.com/office/drawing/2010/main" val="0"/>
-              </a:ext>
-            </a:extLst>
-          </a:blip>
-          <a:stretch>
-            <a:fillRect/>
-          </a:stretch>
-        </p:blipFill>
-        <p:spPr>
-          <a:xfrm>
-            <a:off x="32994600" y="27473829"/>
-            <a:ext cx="597653" cy="567771"/>
-          </a:xfrm>
-          <a:prstGeom prst="rect">
-            <a:avLst/>
-          </a:prstGeom>
-        </p:spPr>
-      </p:pic>
       <p:sp>
         <p:nvSpPr>
           <p:cNvPr id="16391" name="TextBox 16390"/>
@@ -6080,7 +6050,7 @@
         </p:nvSpPr>
         <p:spPr>
           <a:xfrm>
-            <a:off x="24307800" y="23117294"/>
+            <a:off x="24307800" y="23574494"/>
             <a:ext cx="609599" cy="369332"/>
           </a:xfrm>
           <a:prstGeom prst="rect">
@@ -6119,7 +6089,7 @@
         </p:nvSpPr>
         <p:spPr>
           <a:xfrm>
-            <a:off x="24307800" y="24231600"/>
+            <a:off x="24307800" y="24688800"/>
             <a:ext cx="609599" cy="369332"/>
           </a:xfrm>
           <a:prstGeom prst="rect">
@@ -6158,7 +6128,7 @@
         </p:nvSpPr>
         <p:spPr>
           <a:xfrm>
-            <a:off x="24307800" y="25250894"/>
+            <a:off x="24307800" y="25708094"/>
             <a:ext cx="609599" cy="369332"/>
           </a:xfrm>
           <a:prstGeom prst="rect">
@@ -6197,7 +6167,7 @@
         </p:nvSpPr>
         <p:spPr>
           <a:xfrm>
-            <a:off x="24307800" y="26363414"/>
+            <a:off x="24307800" y="26820614"/>
             <a:ext cx="609599" cy="369332"/>
           </a:xfrm>
           <a:prstGeom prst="rect">
@@ -6250,7 +6220,7 @@
         </p:blipFill>
         <p:spPr>
           <a:xfrm>
-            <a:off x="26193750" y="12396723"/>
+            <a:off x="26193750" y="14987523"/>
             <a:ext cx="1222744" cy="914400"/>
           </a:xfrm>
           <a:prstGeom prst="rect">
@@ -6280,7 +6250,7 @@
         </p:blipFill>
         <p:spPr>
           <a:xfrm>
-            <a:off x="26365200" y="13639800"/>
+            <a:off x="26365200" y="16230600"/>
             <a:ext cx="989610" cy="914400"/>
           </a:xfrm>
           <a:prstGeom prst="rect">
@@ -6297,13 +6267,13 @@
           <p:nvPr>
             <p:extLst>
               <p:ext uri="{D42A27DB-BD31-4B8C-83A1-F6EECF244321}">
-                <p14:modId xmlns:p14="http://schemas.microsoft.com/office/powerpoint/2010/main" val="2903078105"/>
+                <p14:modId xmlns:p14="http://schemas.microsoft.com/office/powerpoint/2010/main" val="4289673201"/>
               </p:ext>
             </p:extLst>
           </p:nvPr>
         </p:nvGraphicFramePr>
         <p:xfrm>
-          <a:off x="26289000" y="24003000"/>
+          <a:off x="26289000" y="24460200"/>
           <a:ext cx="9753600" cy="701040"/>
         </p:xfrm>
         <a:graphic>
@@ -6328,7 +6298,7 @@
                           <a:latin typeface="Helvetica"/>
                           <a:cs typeface="Helvetica"/>
                         </a:rPr>
-                        <a:t>XX%</a:t>
+                        <a:t>28%</a:t>
                       </a:r>
                       <a:endParaRPr lang="en-US" sz="4000" b="0" u="none" dirty="0">
                         <a:latin typeface="Helvetica"/>
@@ -6365,7 +6335,7 @@
                           <a:latin typeface="Helvetica"/>
                           <a:cs typeface="Helvetica"/>
                         </a:rPr>
-                        <a:t>XX%</a:t>
+                        <a:t>27%</a:t>
                       </a:r>
                     </a:p>
                   </a:txBody>
@@ -6385,13 +6355,13 @@
           <p:nvPr>
             <p:extLst>
               <p:ext uri="{D42A27DB-BD31-4B8C-83A1-F6EECF244321}">
-                <p14:modId xmlns:p14="http://schemas.microsoft.com/office/powerpoint/2010/main" val="2994803964"/>
+                <p14:modId xmlns:p14="http://schemas.microsoft.com/office/powerpoint/2010/main" val="1939520941"/>
               </p:ext>
             </p:extLst>
           </p:nvPr>
         </p:nvGraphicFramePr>
         <p:xfrm>
-          <a:off x="26289000" y="25085040"/>
+          <a:off x="26289000" y="25542240"/>
           <a:ext cx="9753600" cy="701040"/>
         </p:xfrm>
         <a:graphic>
@@ -6416,7 +6386,7 @@
                           <a:latin typeface="Helvetica"/>
                           <a:cs typeface="Helvetica"/>
                         </a:rPr>
-                        <a:t>XX%</a:t>
+                        <a:t>100%</a:t>
                       </a:r>
                       <a:endParaRPr lang="en-US" sz="4000" b="0" u="none" dirty="0">
                         <a:latin typeface="Helvetica"/>
@@ -6453,7 +6423,7 @@
                           <a:latin typeface="Helvetica"/>
                           <a:cs typeface="Helvetica"/>
                         </a:rPr>
-                        <a:t>XX%</a:t>
+                        <a:t>2.3%</a:t>
                       </a:r>
                     </a:p>
                   </a:txBody>
@@ -6473,13 +6443,13 @@
           <p:nvPr>
             <p:extLst>
               <p:ext uri="{D42A27DB-BD31-4B8C-83A1-F6EECF244321}">
-                <p14:modId xmlns:p14="http://schemas.microsoft.com/office/powerpoint/2010/main" val="1815195794"/>
+                <p14:modId xmlns:p14="http://schemas.microsoft.com/office/powerpoint/2010/main" val="3980289125"/>
               </p:ext>
             </p:extLst>
           </p:nvPr>
         </p:nvGraphicFramePr>
         <p:xfrm>
-          <a:off x="26289000" y="26197560"/>
+          <a:off x="26289000" y="26654760"/>
           <a:ext cx="9753600" cy="701040"/>
         </p:xfrm>
         <a:graphic>
@@ -6504,7 +6474,7 @@
                           <a:latin typeface="Helvetica"/>
                           <a:cs typeface="Helvetica"/>
                         </a:rPr>
-                        <a:t>XX%</a:t>
+                        <a:t>0%</a:t>
                       </a:r>
                       <a:endParaRPr lang="en-US" sz="4000" b="0" u="none" dirty="0">
                         <a:latin typeface="Helvetica"/>
@@ -6541,7 +6511,7 @@
                           <a:latin typeface="Helvetica"/>
                           <a:cs typeface="Helvetica"/>
                         </a:rPr>
-                        <a:t>XX%</a:t>
+                        <a:t>0%</a:t>
                       </a:r>
                     </a:p>
                   </a:txBody>
@@ -6584,6 +6554,113 @@
           </a:p>
         </p:txBody>
       </p:sp>
+      <p:pic>
+        <p:nvPicPr>
+          <p:cNvPr id="16394" name="Picture 16393" descr="Harvard.pdf"/>
+          <p:cNvPicPr>
+            <a:picLocks noChangeAspect="1"/>
+          </p:cNvPicPr>
+          <p:nvPr/>
+        </p:nvPicPr>
+        <p:blipFill>
+          <a:blip r:embed="rId14">
+            <a:extLst>
+              <a:ext uri="{28A0092B-C50C-407E-A947-70E740481C1C}">
+                <a14:useLocalDpi xmlns:a14="http://schemas.microsoft.com/office/drawing/2010/main" val="0"/>
+              </a:ext>
+            </a:extLst>
+          </a:blip>
+          <a:stretch>
+            <a:fillRect/>
+          </a:stretch>
+        </p:blipFill>
+        <p:spPr>
+          <a:xfrm>
+            <a:off x="26441400" y="17449800"/>
+            <a:ext cx="774675" cy="914400"/>
+          </a:xfrm>
+          <a:prstGeom prst="rect">
+            <a:avLst/>
+          </a:prstGeom>
+        </p:spPr>
+      </p:pic>
+      <p:sp>
+        <p:nvSpPr>
+          <p:cNvPr id="130" name="TextBox 129"/>
+          <p:cNvSpPr txBox="1"/>
+          <p:nvPr/>
+        </p:nvSpPr>
+        <p:spPr>
+          <a:xfrm>
+            <a:off x="24307800" y="7848600"/>
+            <a:ext cx="11734800" cy="1815882"/>
+          </a:xfrm>
+          <a:prstGeom prst="rect">
+            <a:avLst/>
+          </a:prstGeom>
+          <a:noFill/>
+        </p:spPr>
+        <p:txBody>
+          <a:bodyPr wrap="square" rtlCol="0">
+            <a:spAutoFit/>
+          </a:bodyPr>
+          <a:lstStyle/>
+          <a:p>
+            <a:r>
+              <a:rPr lang="en-US" sz="4400" b="1" u="sng" dirty="0" smtClean="0">
+                <a:latin typeface="Cambria"/>
+                <a:cs typeface="Cambria"/>
+              </a:rPr>
+              <a:t>What Really Matters</a:t>
+            </a:r>
+          </a:p>
+          <a:p>
+            <a:endParaRPr lang="en-US" sz="3200" dirty="0">
+              <a:latin typeface="Cambria"/>
+              <a:cs typeface="Cambria"/>
+            </a:endParaRPr>
+          </a:p>
+          <a:p>
+            <a:r>
+              <a:rPr lang="en-US" sz="3200" dirty="0" smtClean="0">
+                <a:latin typeface="Cambria"/>
+                <a:cs typeface="Cambria"/>
+              </a:rPr>
+              <a:t>TODO FEATURE INTERPRETATION</a:t>
+            </a:r>
+          </a:p>
+        </p:txBody>
+      </p:sp>
+      <p:pic>
+        <p:nvPicPr>
+          <p:cNvPr id="131" name="Picture 130" descr="Kentucky.png"/>
+          <p:cNvPicPr>
+            <a:picLocks noChangeAspect="1"/>
+          </p:cNvPicPr>
+          <p:nvPr/>
+        </p:nvPicPr>
+        <p:blipFill>
+          <a:blip r:embed="rId10" cstate="print">
+            <a:extLst>
+              <a:ext uri="{28A0092B-C50C-407E-A947-70E740481C1C}">
+                <a14:useLocalDpi xmlns:a14="http://schemas.microsoft.com/office/drawing/2010/main" val="0"/>
+              </a:ext>
+            </a:extLst>
+          </a:blip>
+          <a:stretch>
+            <a:fillRect/>
+          </a:stretch>
+        </p:blipFill>
+        <p:spPr>
+          <a:xfrm>
+            <a:off x="31488224" y="27965400"/>
+            <a:ext cx="744376" cy="516155"/>
+          </a:xfrm>
+          <a:prstGeom prst="rect">
+            <a:avLst/>
+          </a:prstGeom>
+        </p:spPr>
+      </p:pic>
     </p:spTree>
   </p:cSld>
   <p:clrMapOvr>

--- a/poster/poster-master.pptx
+++ b/poster/poster-master.pptx
@@ -139,7 +139,7 @@
   </p:defaultTextStyle>
   <p:extLst>
     <p:ext uri="{EFAFB233-063F-42B5-8137-9DF3F51BA10A}">
-      <p15:sldGuideLst xmlns:p15="http://schemas.microsoft.com/office/powerpoint/2012/main" xmlns="">
+      <p15:sldGuideLst xmlns:p15="http://schemas.microsoft.com/office/powerpoint/2012/main">
         <p15:guide id="1" orient="horz" pos="9216">
           <p15:clr>
             <a:srgbClr val="A4A3A4"/>
@@ -3938,13 +3938,7 @@
               <a:rPr lang="en-US" sz="8000" b="1" i="1" dirty="0" smtClean="0">
                 <a:latin typeface="Cambria" pitchFamily="18" charset="0"/>
               </a:rPr>
-              <a:t> Bal</a:t>
-            </a:r>
-            <a:r>
-              <a:rPr lang="en-US" sz="8000" b="1" i="1" dirty="0" smtClean="0">
-                <a:latin typeface="Cambria" pitchFamily="18" charset="0"/>
-              </a:rPr>
-              <a:t>l</a:t>
+              <a:t> Ball</a:t>
             </a:r>
             <a:r>
               <a:rPr lang="en-US" sz="8000" b="1" dirty="0" smtClean="0">
@@ -3988,34 +3982,7 @@
                 </a:solidFill>
                 <a:latin typeface="Cambria" pitchFamily="18" charset="0"/>
               </a:rPr>
-              <a:t>Applied Mathematics 207, School </a:t>
-            </a:r>
-            <a:r>
-              <a:rPr lang="en-GB" sz="3200" dirty="0" smtClean="0">
-                <a:solidFill>
-                  <a:schemeClr val="bg2"/>
-                </a:solidFill>
-                <a:latin typeface="Cambria" pitchFamily="18" charset="0"/>
-              </a:rPr>
-              <a:t>of Engineering and Applied </a:t>
-            </a:r>
-            <a:r>
-              <a:rPr lang="en-GB" sz="3200" dirty="0" smtClean="0">
-                <a:solidFill>
-                  <a:schemeClr val="bg2"/>
-                </a:solidFill>
-                <a:latin typeface="Cambria" pitchFamily="18" charset="0"/>
-              </a:rPr>
-              <a:t>Sciences, </a:t>
-            </a:r>
-            <a:r>
-              <a:rPr lang="en-GB" sz="3200" dirty="0" smtClean="0">
-                <a:solidFill>
-                  <a:schemeClr val="bg2"/>
-                </a:solidFill>
-                <a:latin typeface="Cambria" pitchFamily="18" charset="0"/>
-              </a:rPr>
-              <a:t>Harvard University</a:t>
+              <a:t>Applied Mathematics 207, School of Engineering and Applied Sciences, Harvard University</a:t>
             </a:r>
             <a:endParaRPr lang="en-US" sz="3200" dirty="0">
               <a:solidFill>
@@ -4066,25 +4033,7 @@
               <a:rPr lang="en-GB" sz="5400" dirty="0" smtClean="0">
                 <a:latin typeface="Cambria" pitchFamily="18" charset="0"/>
               </a:rPr>
-              <a:t>Stephen </a:t>
-            </a:r>
-            <a:r>
-              <a:rPr lang="en-GB" sz="5400" dirty="0" smtClean="0">
-                <a:latin typeface="Cambria" pitchFamily="18" charset="0"/>
-              </a:rPr>
-              <a:t>Fang, Micah Lanier</a:t>
-            </a:r>
-            <a:r>
-              <a:rPr lang="en-GB" sz="5400" dirty="0" smtClean="0">
-                <a:latin typeface="Cambria" pitchFamily="18" charset="0"/>
-              </a:rPr>
-              <a:t>, &amp; </a:t>
-            </a:r>
-            <a:r>
-              <a:rPr lang="en-GB" sz="5400" dirty="0" smtClean="0">
-                <a:latin typeface="Cambria" pitchFamily="18" charset="0"/>
-              </a:rPr>
-              <a:t>Jeffrey Shen</a:t>
+              <a:t>Stephen Fang, Micah Lanier, &amp; Jeffrey Shen</a:t>
             </a:r>
             <a:endParaRPr lang="en-GB" sz="5400" dirty="0">
               <a:latin typeface="Cambria" pitchFamily="18" charset="0"/>
@@ -5697,7 +5646,7 @@
           <p:nvPr/>
         </p:nvPicPr>
         <p:blipFill>
-          <a:blip r:embed="rId8">
+          <a:blip r:embed="rId8" cstate="print">
             <a:extLst>
               <a:ext uri="{28A0092B-C50C-407E-A947-70E740481C1C}">
                 <a14:useLocalDpi xmlns:a14="http://schemas.microsoft.com/office/drawing/2010/main" val="0"/>
@@ -6021,7 +5970,7 @@
           <p:nvPr/>
         </p:nvPicPr>
         <p:blipFill>
-          <a:blip r:embed="rId9">
+          <a:blip r:embed="rId9" cstate="print">
             <a:extLst>
               <a:ext uri="{28A0092B-C50C-407E-A947-70E740481C1C}">
                 <a14:useLocalDpi xmlns:a14="http://schemas.microsoft.com/office/drawing/2010/main" val="0"/>
@@ -6207,7 +6156,7 @@
           <p:nvPr/>
         </p:nvPicPr>
         <p:blipFill>
-          <a:blip r:embed="rId12">
+          <a:blip r:embed="rId12" cstate="print">
             <a:extLst>
               <a:ext uri="{28A0092B-C50C-407E-A947-70E740481C1C}">
                 <a14:useLocalDpi xmlns:a14="http://schemas.microsoft.com/office/drawing/2010/main" val="0"/>
@@ -6237,7 +6186,7 @@
           <p:nvPr/>
         </p:nvPicPr>
         <p:blipFill>
-          <a:blip r:embed="rId13">
+          <a:blip r:embed="rId13" cstate="print">
             <a:extLst>
               <a:ext uri="{28A0092B-C50C-407E-A947-70E740481C1C}">
                 <a14:useLocalDpi xmlns:a14="http://schemas.microsoft.com/office/drawing/2010/main" val="0"/>
@@ -6563,7 +6512,7 @@
           <p:nvPr/>
         </p:nvPicPr>
         <p:blipFill>
-          <a:blip r:embed="rId14">
+          <a:blip r:embed="rId14" cstate="print">
             <a:extLst>
               <a:ext uri="{28A0092B-C50C-407E-A947-70E740481C1C}">
                 <a14:useLocalDpi xmlns:a14="http://schemas.microsoft.com/office/drawing/2010/main" val="0"/>
@@ -6640,7 +6589,7 @@
           <p:nvPr/>
         </p:nvPicPr>
         <p:blipFill>
-          <a:blip r:embed="rId10" cstate="print">
+          <a:blip r:embed="rId15" cstate="print">
             <a:extLst>
               <a:ext uri="{28A0092B-C50C-407E-A947-70E740481C1C}">
                 <a14:useLocalDpi xmlns:a14="http://schemas.microsoft.com/office/drawing/2010/main" val="0"/>
@@ -6661,6 +6610,701 @@
           </a:prstGeom>
         </p:spPr>
       </p:pic>
+      <p:sp>
+        <p:nvSpPr>
+          <p:cNvPr id="56" name="TextBox 55"/>
+          <p:cNvSpPr txBox="1"/>
+          <p:nvPr/>
+        </p:nvSpPr>
+        <p:spPr>
+          <a:xfrm>
+            <a:off x="12420600" y="16687800"/>
+            <a:ext cx="11734800" cy="2554545"/>
+          </a:xfrm>
+          <a:prstGeom prst="rect">
+            <a:avLst/>
+          </a:prstGeom>
+          <a:noFill/>
+        </p:spPr>
+        <p:txBody>
+          <a:bodyPr wrap="square" rtlCol="0">
+            <a:spAutoFit/>
+          </a:bodyPr>
+          <a:lstStyle/>
+          <a:p>
+            <a:r>
+              <a:rPr lang="en-US" sz="3200" dirty="0" smtClean="0">
+                <a:latin typeface="Cambria"/>
+                <a:cs typeface="Cambria"/>
+              </a:rPr>
+              <a:t>We used Metropolis-Hastings algorithm to perform sampling from our Bayesian logistic regression. For our final model, we sampled 10,000 samples after 5,000 burn-in samples and taking every 1 out of 10 samples using thinning. In addition, we also used slice sampling to perform sampling. The results are comparable.</a:t>
+            </a:r>
+          </a:p>
+        </p:txBody>
+      </p:sp>
+      <p:grpSp>
+        <p:nvGrpSpPr>
+          <p:cNvPr id="57" name="Group 56"/>
+          <p:cNvGrpSpPr/>
+          <p:nvPr/>
+        </p:nvGrpSpPr>
+        <p:grpSpPr>
+          <a:xfrm>
+            <a:off x="12420600" y="19507200"/>
+            <a:ext cx="11125200" cy="4182815"/>
+            <a:chOff x="12420600" y="19362985"/>
+            <a:chExt cx="11125200" cy="4182815"/>
+          </a:xfrm>
+        </p:grpSpPr>
+        <p:pic>
+          <p:nvPicPr>
+            <p:cNvPr id="58" name="Picture 57"/>
+            <p:cNvPicPr>
+              <a:picLocks noChangeAspect="1"/>
+            </p:cNvPicPr>
+            <p:nvPr/>
+          </p:nvPicPr>
+          <p:blipFill>
+            <a:blip r:embed="rId16">
+              <a:extLst>
+                <a:ext uri="{28A0092B-C50C-407E-A947-70E740481C1C}">
+                  <a14:useLocalDpi xmlns:a14="http://schemas.microsoft.com/office/drawing/2010/main" val="0"/>
+                </a:ext>
+              </a:extLst>
+            </a:blip>
+            <a:stretch>
+              <a:fillRect/>
+            </a:stretch>
+          </p:blipFill>
+          <p:spPr>
+            <a:xfrm>
+              <a:off x="12420600" y="19887367"/>
+              <a:ext cx="5487650" cy="3658433"/>
+            </a:xfrm>
+            <a:prstGeom prst="rect">
+              <a:avLst/>
+            </a:prstGeom>
+          </p:spPr>
+        </p:pic>
+        <p:pic>
+          <p:nvPicPr>
+            <p:cNvPr id="60" name="Picture 59"/>
+            <p:cNvPicPr>
+              <a:picLocks noChangeAspect="1"/>
+            </p:cNvPicPr>
+            <p:nvPr/>
+          </p:nvPicPr>
+          <p:blipFill>
+            <a:blip r:embed="rId17">
+              <a:extLst>
+                <a:ext uri="{28A0092B-C50C-407E-A947-70E740481C1C}">
+                  <a14:useLocalDpi xmlns:a14="http://schemas.microsoft.com/office/drawing/2010/main" val="0"/>
+                </a:ext>
+              </a:extLst>
+            </a:blip>
+            <a:stretch>
+              <a:fillRect/>
+            </a:stretch>
+          </p:blipFill>
+          <p:spPr>
+            <a:xfrm>
+              <a:off x="18058150" y="19887336"/>
+              <a:ext cx="5487650" cy="3658433"/>
+            </a:xfrm>
+            <a:prstGeom prst="rect">
+              <a:avLst/>
+            </a:prstGeom>
+          </p:spPr>
+        </p:pic>
+        <p:sp>
+          <p:nvSpPr>
+            <p:cNvPr id="63" name="TextBox 62"/>
+            <p:cNvSpPr txBox="1"/>
+            <p:nvPr/>
+          </p:nvSpPr>
+          <p:spPr>
+            <a:xfrm>
+              <a:off x="16383000" y="19362985"/>
+              <a:ext cx="3810000" cy="584775"/>
+            </a:xfrm>
+            <a:prstGeom prst="rect">
+              <a:avLst/>
+            </a:prstGeom>
+            <a:noFill/>
+          </p:spPr>
+          <p:txBody>
+            <a:bodyPr wrap="square" rtlCol="0">
+              <a:spAutoFit/>
+            </a:bodyPr>
+            <a:lstStyle/>
+            <a:p>
+              <a:r>
+                <a:rPr lang="en-US" sz="3200" b="1" u="sng" dirty="0" smtClean="0">
+                  <a:latin typeface="Cambria"/>
+                  <a:cs typeface="Cambria"/>
+                </a:rPr>
+                <a:t>Correlation Plots</a:t>
+              </a:r>
+            </a:p>
+          </p:txBody>
+        </p:sp>
+      </p:grpSp>
+      <p:grpSp>
+        <p:nvGrpSpPr>
+          <p:cNvPr id="64" name="Group 63"/>
+          <p:cNvGrpSpPr/>
+          <p:nvPr/>
+        </p:nvGrpSpPr>
+        <p:grpSpPr>
+          <a:xfrm>
+            <a:off x="12496800" y="23850600"/>
+            <a:ext cx="5398482" cy="4630955"/>
+            <a:chOff x="12496800" y="23850600"/>
+            <a:chExt cx="5398482" cy="4630955"/>
+          </a:xfrm>
+        </p:grpSpPr>
+        <p:sp>
+          <p:nvSpPr>
+            <p:cNvPr id="65" name="TextBox 64"/>
+            <p:cNvSpPr txBox="1"/>
+            <p:nvPr/>
+          </p:nvSpPr>
+          <p:spPr>
+            <a:xfrm>
+              <a:off x="13481541" y="23850600"/>
+              <a:ext cx="3429000" cy="584775"/>
+            </a:xfrm>
+            <a:prstGeom prst="rect">
+              <a:avLst/>
+            </a:prstGeom>
+            <a:noFill/>
+          </p:spPr>
+          <p:txBody>
+            <a:bodyPr wrap="square" rtlCol="0">
+              <a:spAutoFit/>
+            </a:bodyPr>
+            <a:lstStyle/>
+            <a:p>
+              <a:r>
+                <a:rPr lang="en-US" sz="3200" b="1" u="sng" dirty="0" err="1" smtClean="0">
+                  <a:latin typeface="Cambria"/>
+                  <a:cs typeface="Cambria"/>
+                </a:rPr>
+                <a:t>Geweke</a:t>
+              </a:r>
+              <a:r>
+                <a:rPr lang="en-US" sz="3200" b="1" u="sng" dirty="0" smtClean="0">
+                  <a:latin typeface="Cambria"/>
+                  <a:cs typeface="Cambria"/>
+                </a:rPr>
+                <a:t> Statistics</a:t>
+              </a:r>
+            </a:p>
+          </p:txBody>
+        </p:sp>
+        <p:pic>
+          <p:nvPicPr>
+            <p:cNvPr id="66" name="Picture 65"/>
+            <p:cNvPicPr>
+              <a:picLocks noChangeAspect="1"/>
+            </p:cNvPicPr>
+            <p:nvPr/>
+          </p:nvPicPr>
+          <p:blipFill>
+            <a:blip r:embed="rId18">
+              <a:extLst>
+                <a:ext uri="{28A0092B-C50C-407E-A947-70E740481C1C}">
+                  <a14:useLocalDpi xmlns:a14="http://schemas.microsoft.com/office/drawing/2010/main" val="0"/>
+                </a:ext>
+              </a:extLst>
+            </a:blip>
+            <a:stretch>
+              <a:fillRect/>
+            </a:stretch>
+          </p:blipFill>
+          <p:spPr>
+            <a:xfrm>
+              <a:off x="12496800" y="24518252"/>
+              <a:ext cx="5398482" cy="3963303"/>
+            </a:xfrm>
+            <a:prstGeom prst="rect">
+              <a:avLst/>
+            </a:prstGeom>
+          </p:spPr>
+        </p:pic>
+      </p:grpSp>
+      <p:sp>
+        <p:nvSpPr>
+          <p:cNvPr id="67" name="TextBox 66"/>
+          <p:cNvSpPr txBox="1"/>
+          <p:nvPr/>
+        </p:nvSpPr>
+        <p:spPr>
+          <a:xfrm>
+            <a:off x="18821400" y="23850600"/>
+            <a:ext cx="4413741" cy="584775"/>
+          </a:xfrm>
+          <a:prstGeom prst="rect">
+            <a:avLst/>
+          </a:prstGeom>
+          <a:noFill/>
+        </p:spPr>
+        <p:txBody>
+          <a:bodyPr wrap="square" rtlCol="0">
+            <a:spAutoFit/>
+          </a:bodyPr>
+          <a:lstStyle/>
+          <a:p>
+            <a:r>
+              <a:rPr lang="en-US" sz="3200" b="1" u="sng" dirty="0" smtClean="0">
+                <a:latin typeface="Cambria"/>
+                <a:cs typeface="Cambria"/>
+              </a:rPr>
+              <a:t>Posterior Distribution</a:t>
+            </a:r>
+          </a:p>
+        </p:txBody>
+      </p:sp>
+      <p:graphicFrame>
+        <p:nvGraphicFramePr>
+          <p:cNvPr id="68" name="Table 67"/>
+          <p:cNvGraphicFramePr>
+            <a:graphicFrameLocks noGrp="1"/>
+          </p:cNvGraphicFramePr>
+          <p:nvPr>
+            <p:extLst>
+              <p:ext uri="{D42A27DB-BD31-4B8C-83A1-F6EECF244321}">
+                <p14:modId xmlns:p14="http://schemas.microsoft.com/office/powerpoint/2010/main" val="2527812878"/>
+              </p:ext>
+            </p:extLst>
+          </p:nvPr>
+        </p:nvGraphicFramePr>
+        <p:xfrm>
+          <a:off x="18288000" y="24765000"/>
+          <a:ext cx="5616835" cy="3038688"/>
+        </p:xfrm>
+        <a:graphic>
+          <a:graphicData uri="http://schemas.openxmlformats.org/drawingml/2006/table">
+            <a:tbl>
+              <a:tblPr firstRow="1" bandRow="1">
+                <a:tableStyleId>{93296810-A885-4BE3-A3E7-6D5BEEA58F35}</a:tableStyleId>
+              </a:tblPr>
+              <a:tblGrid>
+                <a:gridCol w="1972617"/>
+                <a:gridCol w="1771940"/>
+                <a:gridCol w="1872278"/>
+              </a:tblGrid>
+              <a:tr h="518121">
+                <a:tc>
+                  <a:txBody>
+                    <a:bodyPr/>
+                    <a:lstStyle/>
+                    <a:p>
+                      <a:pPr algn="ctr"/>
+                      <a:r>
+                        <a:rPr lang="en-US" sz="2000" b="1" dirty="0" smtClean="0">
+                          <a:latin typeface="Cambria" panose="02040503050406030204" pitchFamily="18" charset="0"/>
+                        </a:rPr>
+                        <a:t>Coefficients</a:t>
+                      </a:r>
+                      <a:endParaRPr lang="en-US" sz="2000" b="1" dirty="0">
+                        <a:latin typeface="Cambria" panose="02040503050406030204" pitchFamily="18" charset="0"/>
+                      </a:endParaRPr>
+                    </a:p>
+                  </a:txBody>
+                  <a:tcPr/>
+                </a:tc>
+                <a:tc>
+                  <a:txBody>
+                    <a:bodyPr/>
+                    <a:lstStyle/>
+                    <a:p>
+                      <a:pPr algn="ctr"/>
+                      <a:r>
+                        <a:rPr lang="en-US" sz="2000" dirty="0" smtClean="0">
+                          <a:latin typeface="Cambria" panose="02040503050406030204" pitchFamily="18" charset="0"/>
+                        </a:rPr>
+                        <a:t>Mean</a:t>
+                      </a:r>
+                      <a:endParaRPr lang="en-US" sz="2000" dirty="0">
+                        <a:latin typeface="Cambria" panose="02040503050406030204" pitchFamily="18" charset="0"/>
+                      </a:endParaRPr>
+                    </a:p>
+                  </a:txBody>
+                  <a:tcPr/>
+                </a:tc>
+                <a:tc>
+                  <a:txBody>
+                    <a:bodyPr/>
+                    <a:lstStyle/>
+                    <a:p>
+                      <a:pPr algn="ctr"/>
+                      <a:r>
+                        <a:rPr lang="en-US" sz="2000" dirty="0" err="1" smtClean="0">
+                          <a:latin typeface="Cambria" panose="02040503050406030204" pitchFamily="18" charset="0"/>
+                        </a:rPr>
+                        <a:t>Std</a:t>
+                      </a:r>
+                      <a:endParaRPr lang="en-US" sz="2000" dirty="0">
+                        <a:latin typeface="Cambria" panose="02040503050406030204" pitchFamily="18" charset="0"/>
+                      </a:endParaRPr>
+                    </a:p>
+                  </a:txBody>
+                  <a:tcPr/>
+                </a:tc>
+              </a:tr>
+              <a:tr h="414497">
+                <a:tc>
+                  <a:txBody>
+                    <a:bodyPr/>
+                    <a:lstStyle/>
+                    <a:p>
+                      <a:r>
+                        <a:rPr lang="en-US" b="1" dirty="0" smtClean="0">
+                          <a:latin typeface="Cambria" panose="02040503050406030204" pitchFamily="18" charset="0"/>
+                        </a:rPr>
+                        <a:t>Intercept</a:t>
+                      </a:r>
+                      <a:endParaRPr lang="en-US" b="1" dirty="0">
+                        <a:latin typeface="Cambria" panose="02040503050406030204" pitchFamily="18" charset="0"/>
+                      </a:endParaRPr>
+                    </a:p>
+                  </a:txBody>
+                  <a:tcPr/>
+                </a:tc>
+                <a:tc>
+                  <a:txBody>
+                    <a:bodyPr/>
+                    <a:lstStyle/>
+                    <a:p>
+                      <a:pPr lvl="0" algn="ctr"/>
+                      <a:r>
+                        <a:rPr lang="en-US" dirty="0" smtClean="0">
+                          <a:latin typeface="Cambria" panose="02040503050406030204" pitchFamily="18" charset="0"/>
+                        </a:rPr>
+                        <a:t>0.4718</a:t>
+                      </a:r>
+                      <a:endParaRPr lang="en-US" dirty="0">
+                        <a:latin typeface="Cambria" panose="02040503050406030204" pitchFamily="18" charset="0"/>
+                      </a:endParaRPr>
+                    </a:p>
+                  </a:txBody>
+                  <a:tcPr/>
+                </a:tc>
+                <a:tc>
+                  <a:txBody>
+                    <a:bodyPr/>
+                    <a:lstStyle/>
+                    <a:p>
+                      <a:pPr lvl="0" algn="ctr"/>
+                      <a:r>
+                        <a:rPr lang="en-US" dirty="0" smtClean="0">
+                          <a:latin typeface="Cambria" panose="02040503050406030204" pitchFamily="18" charset="0"/>
+                        </a:rPr>
+                        <a:t>0.0456</a:t>
+                      </a:r>
+                      <a:endParaRPr lang="en-US" dirty="0">
+                        <a:latin typeface="Cambria" panose="02040503050406030204" pitchFamily="18" charset="0"/>
+                      </a:endParaRPr>
+                    </a:p>
+                  </a:txBody>
+                  <a:tcPr/>
+                </a:tc>
+              </a:tr>
+              <a:tr h="421214">
+                <a:tc>
+                  <a:txBody>
+                    <a:bodyPr/>
+                    <a:lstStyle/>
+                    <a:p>
+                      <a:r>
+                        <a:rPr lang="en-US" b="1" dirty="0" err="1" smtClean="0">
+                          <a:latin typeface="Cambria" panose="02040503050406030204" pitchFamily="18" charset="0"/>
+                        </a:rPr>
+                        <a:t>Diff_Pythag</a:t>
+                      </a:r>
+                      <a:endParaRPr lang="en-US" b="1" dirty="0">
+                        <a:latin typeface="Cambria" panose="02040503050406030204" pitchFamily="18" charset="0"/>
+                      </a:endParaRPr>
+                    </a:p>
+                  </a:txBody>
+                  <a:tcPr/>
+                </a:tc>
+                <a:tc>
+                  <a:txBody>
+                    <a:bodyPr/>
+                    <a:lstStyle/>
+                    <a:p>
+                      <a:pPr lvl="0" algn="ctr"/>
+                      <a:r>
+                        <a:rPr lang="en-US" dirty="0" smtClean="0">
+                          <a:latin typeface="Cambria" panose="02040503050406030204" pitchFamily="18" charset="0"/>
+                        </a:rPr>
+                        <a:t>1.1283</a:t>
+                      </a:r>
+                      <a:endParaRPr lang="en-US" dirty="0">
+                        <a:latin typeface="Cambria" panose="02040503050406030204" pitchFamily="18" charset="0"/>
+                      </a:endParaRPr>
+                    </a:p>
+                  </a:txBody>
+                  <a:tcPr/>
+                </a:tc>
+                <a:tc>
+                  <a:txBody>
+                    <a:bodyPr/>
+                    <a:lstStyle/>
+                    <a:p>
+                      <a:pPr lvl="0" algn="ctr"/>
+                      <a:r>
+                        <a:rPr lang="en-US" dirty="0" smtClean="0">
+                          <a:latin typeface="Cambria" panose="02040503050406030204" pitchFamily="18" charset="0"/>
+                        </a:rPr>
+                        <a:t>0.3014</a:t>
+                      </a:r>
+                      <a:endParaRPr lang="en-US" dirty="0">
+                        <a:latin typeface="Cambria" panose="02040503050406030204" pitchFamily="18" charset="0"/>
+                      </a:endParaRPr>
+                    </a:p>
+                  </a:txBody>
+                  <a:tcPr/>
+                </a:tc>
+              </a:tr>
+              <a:tr h="421214">
+                <a:tc>
+                  <a:txBody>
+                    <a:bodyPr/>
+                    <a:lstStyle/>
+                    <a:p>
+                      <a:r>
+                        <a:rPr lang="en-US" b="1" dirty="0" err="1" smtClean="0">
+                          <a:latin typeface="Cambria" panose="02040503050406030204" pitchFamily="18" charset="0"/>
+                        </a:rPr>
+                        <a:t>Diff_AdjOE</a:t>
+                      </a:r>
+                      <a:endParaRPr lang="en-US" b="1" dirty="0">
+                        <a:latin typeface="Cambria" panose="02040503050406030204" pitchFamily="18" charset="0"/>
+                      </a:endParaRPr>
+                    </a:p>
+                  </a:txBody>
+                  <a:tcPr/>
+                </a:tc>
+                <a:tc>
+                  <a:txBody>
+                    <a:bodyPr/>
+                    <a:lstStyle/>
+                    <a:p>
+                      <a:pPr lvl="0" algn="ctr"/>
+                      <a:r>
+                        <a:rPr lang="en-US" dirty="0" smtClean="0">
+                          <a:latin typeface="Cambria" panose="02040503050406030204" pitchFamily="18" charset="0"/>
+                        </a:rPr>
+                        <a:t>0.1190</a:t>
+                      </a:r>
+                      <a:endParaRPr lang="en-US" dirty="0">
+                        <a:latin typeface="Cambria" panose="02040503050406030204" pitchFamily="18" charset="0"/>
+                      </a:endParaRPr>
+                    </a:p>
+                  </a:txBody>
+                  <a:tcPr/>
+                </a:tc>
+                <a:tc>
+                  <a:txBody>
+                    <a:bodyPr/>
+                    <a:lstStyle/>
+                    <a:p>
+                      <a:pPr lvl="0" algn="ctr"/>
+                      <a:r>
+                        <a:rPr lang="en-US" dirty="0" smtClean="0">
+                          <a:latin typeface="Cambria" panose="02040503050406030204" pitchFamily="18" charset="0"/>
+                        </a:rPr>
+                        <a:t>0.0085</a:t>
+                      </a:r>
+                      <a:endParaRPr lang="en-US" dirty="0">
+                        <a:latin typeface="Cambria" panose="02040503050406030204" pitchFamily="18" charset="0"/>
+                      </a:endParaRPr>
+                    </a:p>
+                  </a:txBody>
+                  <a:tcPr/>
+                </a:tc>
+              </a:tr>
+              <a:tr h="421214">
+                <a:tc>
+                  <a:txBody>
+                    <a:bodyPr/>
+                    <a:lstStyle/>
+                    <a:p>
+                      <a:r>
+                        <a:rPr lang="en-US" b="1" dirty="0" err="1" smtClean="0">
+                          <a:latin typeface="Cambria" panose="02040503050406030204" pitchFamily="18" charset="0"/>
+                        </a:rPr>
+                        <a:t>Diff_AdjDE</a:t>
+                      </a:r>
+                      <a:endParaRPr lang="en-US" b="1" dirty="0">
+                        <a:latin typeface="Cambria" panose="02040503050406030204" pitchFamily="18" charset="0"/>
+                      </a:endParaRPr>
+                    </a:p>
+                  </a:txBody>
+                  <a:tcPr/>
+                </a:tc>
+                <a:tc>
+                  <a:txBody>
+                    <a:bodyPr/>
+                    <a:lstStyle/>
+                    <a:p>
+                      <a:pPr lvl="0" algn="ctr"/>
+                      <a:r>
+                        <a:rPr lang="en-US" dirty="0" smtClean="0">
+                          <a:latin typeface="Cambria" panose="02040503050406030204" pitchFamily="18" charset="0"/>
+                        </a:rPr>
+                        <a:t>-0.1183</a:t>
+                      </a:r>
+                      <a:endParaRPr lang="en-US" dirty="0">
+                        <a:latin typeface="Cambria" panose="02040503050406030204" pitchFamily="18" charset="0"/>
+                      </a:endParaRPr>
+                    </a:p>
+                  </a:txBody>
+                  <a:tcPr/>
+                </a:tc>
+                <a:tc>
+                  <a:txBody>
+                    <a:bodyPr/>
+                    <a:lstStyle/>
+                    <a:p>
+                      <a:pPr lvl="0" algn="ctr"/>
+                      <a:r>
+                        <a:rPr lang="en-US" dirty="0" smtClean="0">
+                          <a:latin typeface="Cambria" panose="02040503050406030204" pitchFamily="18" charset="0"/>
+                        </a:rPr>
+                        <a:t>0.0245</a:t>
+                      </a:r>
+                      <a:endParaRPr lang="en-US" dirty="0">
+                        <a:latin typeface="Cambria" panose="02040503050406030204" pitchFamily="18" charset="0"/>
+                      </a:endParaRPr>
+                    </a:p>
+                  </a:txBody>
+                  <a:tcPr/>
+                </a:tc>
+              </a:tr>
+              <a:tr h="421214">
+                <a:tc>
+                  <a:txBody>
+                    <a:bodyPr/>
+                    <a:lstStyle/>
+                    <a:p>
+                      <a:r>
+                        <a:rPr lang="en-US" b="1" dirty="0" err="1" smtClean="0">
+                          <a:latin typeface="Cambria" panose="02040503050406030204" pitchFamily="18" charset="0"/>
+                        </a:rPr>
+                        <a:t>Location_Away</a:t>
+                      </a:r>
+                      <a:endParaRPr lang="en-US" b="1" dirty="0">
+                        <a:latin typeface="Cambria" panose="02040503050406030204" pitchFamily="18" charset="0"/>
+                      </a:endParaRPr>
+                    </a:p>
+                  </a:txBody>
+                  <a:tcPr/>
+                </a:tc>
+                <a:tc>
+                  <a:txBody>
+                    <a:bodyPr/>
+                    <a:lstStyle/>
+                    <a:p>
+                      <a:pPr lvl="0" algn="ctr"/>
+                      <a:r>
+                        <a:rPr lang="en-US" dirty="0" smtClean="0">
+                          <a:latin typeface="Cambria" panose="02040503050406030204" pitchFamily="18" charset="0"/>
+                        </a:rPr>
+                        <a:t>-1.1234</a:t>
+                      </a:r>
+                      <a:endParaRPr lang="en-US" dirty="0">
+                        <a:latin typeface="Cambria" panose="02040503050406030204" pitchFamily="18" charset="0"/>
+                      </a:endParaRPr>
+                    </a:p>
+                  </a:txBody>
+                  <a:tcPr/>
+                </a:tc>
+                <a:tc>
+                  <a:txBody>
+                    <a:bodyPr/>
+                    <a:lstStyle/>
+                    <a:p>
+                      <a:pPr lvl="0" algn="ctr"/>
+                      <a:r>
+                        <a:rPr lang="en-US" dirty="0" smtClean="0">
+                          <a:latin typeface="Cambria" panose="02040503050406030204" pitchFamily="18" charset="0"/>
+                        </a:rPr>
+                        <a:t>0.0688</a:t>
+                      </a:r>
+                      <a:endParaRPr lang="en-US" dirty="0">
+                        <a:latin typeface="Cambria" panose="02040503050406030204" pitchFamily="18" charset="0"/>
+                      </a:endParaRPr>
+                    </a:p>
+                  </a:txBody>
+                  <a:tcPr/>
+                </a:tc>
+              </a:tr>
+              <a:tr h="421214">
+                <a:tc>
+                  <a:txBody>
+                    <a:bodyPr/>
+                    <a:lstStyle/>
+                    <a:p>
+                      <a:r>
+                        <a:rPr lang="en-US" b="1" dirty="0" err="1" smtClean="0">
+                          <a:latin typeface="Cambria" panose="02040503050406030204" pitchFamily="18" charset="0"/>
+                        </a:rPr>
+                        <a:t>Diff_RankAdjDE</a:t>
+                      </a:r>
+                      <a:endParaRPr lang="en-US" b="1" dirty="0">
+                        <a:latin typeface="Cambria" panose="02040503050406030204" pitchFamily="18" charset="0"/>
+                      </a:endParaRPr>
+                    </a:p>
+                  </a:txBody>
+                  <a:tcPr/>
+                </a:tc>
+                <a:tc>
+                  <a:txBody>
+                    <a:bodyPr/>
+                    <a:lstStyle/>
+                    <a:p>
+                      <a:pPr lvl="0" algn="ctr"/>
+                      <a:r>
+                        <a:rPr lang="en-US" dirty="0" smtClean="0">
+                          <a:latin typeface="Cambria" panose="02040503050406030204" pitchFamily="18" charset="0"/>
+                        </a:rPr>
+                        <a:t>0.0003</a:t>
+                      </a:r>
+                      <a:endParaRPr lang="en-US" dirty="0">
+                        <a:latin typeface="Cambria" panose="02040503050406030204" pitchFamily="18" charset="0"/>
+                      </a:endParaRPr>
+                    </a:p>
+                  </a:txBody>
+                  <a:tcPr/>
+                </a:tc>
+                <a:tc>
+                  <a:txBody>
+                    <a:bodyPr/>
+                    <a:lstStyle/>
+                    <a:p>
+                      <a:pPr lvl="0" algn="ctr"/>
+                      <a:r>
+                        <a:rPr lang="en-US" dirty="0" smtClean="0">
+                          <a:latin typeface="Cambria" panose="02040503050406030204" pitchFamily="18" charset="0"/>
+                        </a:rPr>
+                        <a:t>0.0014</a:t>
+                      </a:r>
+                      <a:endParaRPr lang="en-US" dirty="0">
+                        <a:latin typeface="Cambria" panose="02040503050406030204" pitchFamily="18" charset="0"/>
+                      </a:endParaRPr>
+                    </a:p>
+                  </a:txBody>
+                  <a:tcPr/>
+                </a:tc>
+              </a:tr>
+            </a:tbl>
+          </a:graphicData>
+        </a:graphic>
+      </p:graphicFrame>
     </p:spTree>
   </p:cSld>
   <p:clrMapOvr>
@@ -6669,7 +7313,7 @@
   <p:timing>
     <p:tnLst>
       <p:par>
-        <p:cTn xmlns:p14="http://schemas.microsoft.com/office/powerpoint/2010/main" id="1" dur="indefinite" restart="never" nodeType="tmRoot"/>
+        <p:cTn id="1" dur="indefinite" restart="never" nodeType="tmRoot"/>
       </p:par>
     </p:tnLst>
   </p:timing>

--- a/poster/poster-master.pptx
+++ b/poster/poster-master.pptx
@@ -139,7 +139,7 @@
   </p:defaultTextStyle>
   <p:extLst>
     <p:ext uri="{EFAFB233-063F-42B5-8137-9DF3F51BA10A}">
-      <p15:sldGuideLst xmlns:p15="http://schemas.microsoft.com/office/powerpoint/2012/main">
+      <p15:sldGuideLst xmlns:p15="http://schemas.microsoft.com/office/powerpoint/2012/main" xmlns="">
         <p15:guide id="1" orient="horz" pos="9216">
           <p15:clr>
             <a:srgbClr val="A4A3A4"/>
@@ -4967,7 +4967,7 @@
         <p:spPr>
           <a:xfrm>
             <a:off x="24307800" y="4495800"/>
-            <a:ext cx="11734800" cy="1815882"/>
+            <a:ext cx="11734800" cy="2477601"/>
           </a:xfrm>
           <a:prstGeom prst="rect">
             <a:avLst/>
@@ -4985,11 +4985,18 @@
                 <a:latin typeface="Cambria"/>
                 <a:cs typeface="Cambria"/>
               </a:rPr>
-              <a:t>How Did We Do?</a:t>
-            </a:r>
-          </a:p>
-          <a:p>
-            <a:endParaRPr lang="en-US" sz="3200" dirty="0">
+              <a:t>How Did We Do</a:t>
+            </a:r>
+            <a:r>
+              <a:rPr lang="en-US" sz="4400" b="1" u="sng" dirty="0" smtClean="0">
+                <a:latin typeface="Cambria"/>
+                <a:cs typeface="Cambria"/>
+              </a:rPr>
+              <a:t>?</a:t>
+            </a:r>
+          </a:p>
+          <a:p>
+            <a:endParaRPr lang="en-US" sz="1500" dirty="0" smtClean="0">
               <a:latin typeface="Cambria"/>
               <a:cs typeface="Cambria"/>
             </a:endParaRPr>
@@ -5000,21 +5007,39 @@
                 <a:latin typeface="Cambria"/>
                 <a:cs typeface="Cambria"/>
               </a:rPr>
-              <a:t>TODO PERFORMANCE EVALUATION</a:t>
-            </a:r>
-          </a:p>
-        </p:txBody>
-      </p:sp>
-      <p:sp>
-        <p:nvSpPr>
-          <p:cNvPr id="76" name="TextBox 75"/>
+              <a:t>After training our model and testing it against a held-out testing dataset, we correctly predicted </a:t>
+            </a:r>
+            <a:r>
+              <a:rPr lang="en-US" sz="3200" b="1" dirty="0" smtClean="0">
+                <a:latin typeface="Cambria"/>
+                <a:cs typeface="Cambria"/>
+              </a:rPr>
+              <a:t>76%</a:t>
+            </a:r>
+            <a:r>
+              <a:rPr lang="en-US" sz="3200" dirty="0" smtClean="0">
+                <a:latin typeface="Cambria"/>
+                <a:cs typeface="Cambria"/>
+              </a:rPr>
+              <a:t> of regular season games. Our coding process would result in 50% accuracy by random chance.</a:t>
+            </a:r>
+            <a:endParaRPr lang="en-US" sz="3200" dirty="0" smtClean="0">
+              <a:latin typeface="Cambria"/>
+              <a:cs typeface="Cambria"/>
+            </a:endParaRPr>
+          </a:p>
+        </p:txBody>
+      </p:sp>
+      <p:sp>
+        <p:nvSpPr>
+          <p:cNvPr id="79" name="TextBox 78"/>
           <p:cNvSpPr txBox="1"/>
           <p:nvPr/>
         </p:nvSpPr>
         <p:spPr>
           <a:xfrm>
-            <a:off x="24307800" y="12093476"/>
-            <a:ext cx="11734800" cy="2308324"/>
+            <a:off x="24307800" y="21560641"/>
+            <a:ext cx="11734800" cy="1985159"/>
           </a:xfrm>
           <a:prstGeom prst="rect">
             <a:avLst/>
@@ -5032,11 +5057,18 @@
                 <a:latin typeface="Cambria"/>
                 <a:cs typeface="Cambria"/>
               </a:rPr>
-              <a:t>Anyone’s Game</a:t>
-            </a:r>
-          </a:p>
-          <a:p>
-            <a:endParaRPr lang="en-US" sz="3200" dirty="0">
+              <a:t>The Final </a:t>
+            </a:r>
+            <a:r>
+              <a:rPr lang="en-US" sz="4400" b="1" u="sng" dirty="0" smtClean="0">
+                <a:latin typeface="Cambria"/>
+                <a:cs typeface="Cambria"/>
+              </a:rPr>
+              <a:t>Four</a:t>
+            </a:r>
+          </a:p>
+          <a:p>
+            <a:endParaRPr lang="en-US" sz="1500" dirty="0" smtClean="0">
               <a:latin typeface="Cambria"/>
               <a:cs typeface="Cambria"/>
             </a:endParaRPr>
@@ -5047,54 +5079,14 @@
                 <a:latin typeface="Cambria"/>
                 <a:cs typeface="Cambria"/>
               </a:rPr>
-              <a:t>We used our model to simulate the entire 2015 NCAA Tournament 10,000 times. The most likely winners:</a:t>
-            </a:r>
-          </a:p>
-        </p:txBody>
-      </p:sp>
-      <p:sp>
-        <p:nvSpPr>
-          <p:cNvPr id="79" name="TextBox 78"/>
-          <p:cNvSpPr txBox="1"/>
-          <p:nvPr/>
-        </p:nvSpPr>
-        <p:spPr>
-          <a:xfrm>
-            <a:off x="24307800" y="20269200"/>
-            <a:ext cx="11734800" cy="2246769"/>
-          </a:xfrm>
-          <a:prstGeom prst="rect">
-            <a:avLst/>
-          </a:prstGeom>
-          <a:noFill/>
-        </p:spPr>
-        <p:txBody>
-          <a:bodyPr wrap="square" rtlCol="0">
-            <a:spAutoFit/>
-          </a:bodyPr>
-          <a:lstStyle/>
-          <a:p>
-            <a:r>
-              <a:rPr lang="en-US" sz="4400" b="1" u="sng" dirty="0" smtClean="0">
-                <a:latin typeface="Cambria"/>
-                <a:cs typeface="Cambria"/>
-              </a:rPr>
-              <a:t>The Final Four</a:t>
-            </a:r>
-          </a:p>
-          <a:p>
-            <a:endParaRPr lang="en-US" sz="3200" dirty="0">
-              <a:latin typeface="Cambria"/>
-              <a:cs typeface="Cambria"/>
-            </a:endParaRPr>
-          </a:p>
-          <a:p>
+              <a:t>What </a:t>
+            </a:r>
             <a:r>
               <a:rPr lang="en-US" sz="3200" dirty="0" smtClean="0">
                 <a:latin typeface="Cambria"/>
                 <a:cs typeface="Cambria"/>
               </a:rPr>
-              <a:t>What can we say about the actual 2015 Final Four?</a:t>
+              <a:t>can we say about the actual 2015 Final Four?</a:t>
             </a:r>
           </a:p>
           <a:p>
@@ -5659,7 +5651,7 @@
         </p:blipFill>
         <p:spPr>
           <a:xfrm>
-            <a:off x="25100257" y="24368760"/>
+            <a:off x="25100257" y="25359360"/>
             <a:ext cx="1058779" cy="1005840"/>
           </a:xfrm>
           <a:prstGeom prst="rect">
@@ -5689,7 +5681,7 @@
         </p:blipFill>
         <p:spPr>
           <a:xfrm>
-            <a:off x="25091764" y="25435560"/>
+            <a:off x="25091764" y="26426160"/>
             <a:ext cx="1075765" cy="914400"/>
           </a:xfrm>
           <a:prstGeom prst="rect">
@@ -5719,7 +5711,7 @@
         </p:blipFill>
         <p:spPr>
           <a:xfrm>
-            <a:off x="24970293" y="23301960"/>
+            <a:off x="24970293" y="24292560"/>
             <a:ext cx="1318707" cy="914400"/>
           </a:xfrm>
           <a:prstGeom prst="rect">
@@ -5749,7 +5741,7 @@
         </p:blipFill>
         <p:spPr>
           <a:xfrm>
-            <a:off x="25196094" y="26502360"/>
+            <a:off x="25196094" y="27492960"/>
             <a:ext cx="867104" cy="1005840"/>
           </a:xfrm>
           <a:prstGeom prst="rect">
@@ -5766,14 +5758,14 @@
           <p:nvPr>
             <p:extLst>
               <p:ext uri="{D42A27DB-BD31-4B8C-83A1-F6EECF244321}">
-                <p14:modId xmlns:p14="http://schemas.microsoft.com/office/powerpoint/2010/main" val="772334121"/>
+                <p14:modId xmlns:p14="http://schemas.microsoft.com/office/powerpoint/2010/main" val="2947370917"/>
               </p:ext>
             </p:extLst>
           </p:nvPr>
         </p:nvGraphicFramePr>
         <p:xfrm>
-          <a:off x="26289000" y="22692360"/>
-          <a:ext cx="9753600" cy="579120"/>
+          <a:off x="26670000" y="23682960"/>
+          <a:ext cx="8763000" cy="579120"/>
         </p:xfrm>
         <a:graphic>
           <a:graphicData uri="http://schemas.openxmlformats.org/drawingml/2006/table">
@@ -5782,8 +5774,8 @@
                 <a:tableStyleId>{2D5ABB26-0587-4C30-8999-92F81FD0307C}</a:tableStyleId>
               </a:tblPr>
               <a:tblGrid>
-                <a:gridCol w="4876800"/>
-                <a:gridCol w="4876800"/>
+                <a:gridCol w="4381500"/>
+                <a:gridCol w="4381500"/>
               </a:tblGrid>
               <a:tr h="370840">
                 <a:tc>
@@ -5849,14 +5841,14 @@
           <p:nvPr>
             <p:extLst>
               <p:ext uri="{D42A27DB-BD31-4B8C-83A1-F6EECF244321}">
-                <p14:modId xmlns:p14="http://schemas.microsoft.com/office/powerpoint/2010/main" val="2118856129"/>
+                <p14:modId xmlns:p14="http://schemas.microsoft.com/office/powerpoint/2010/main" val="1881362785"/>
               </p:ext>
             </p:extLst>
           </p:nvPr>
         </p:nvGraphicFramePr>
         <p:xfrm>
-          <a:off x="26289000" y="23408640"/>
-          <a:ext cx="9753600" cy="701040"/>
+          <a:off x="26670000" y="24399240"/>
+          <a:ext cx="8763000" cy="701040"/>
         </p:xfrm>
         <a:graphic>
           <a:graphicData uri="http://schemas.openxmlformats.org/drawingml/2006/table">
@@ -5865,8 +5857,8 @@
                 <a:tableStyleId>{2D5ABB26-0587-4C30-8999-92F81FD0307C}</a:tableStyleId>
               </a:tblPr>
               <a:tblGrid>
-                <a:gridCol w="4876800"/>
-                <a:gridCol w="4876800"/>
+                <a:gridCol w="4381500"/>
+                <a:gridCol w="4381500"/>
               </a:tblGrid>
               <a:tr h="370840">
                 <a:tc>
@@ -5930,76 +5922,13 @@
       </p:graphicFrame>
       <p:sp>
         <p:nvSpPr>
-          <p:cNvPr id="94" name="TextBox 93"/>
-          <p:cNvSpPr txBox="1"/>
-          <p:nvPr/>
-        </p:nvSpPr>
-        <p:spPr>
-          <a:xfrm>
-            <a:off x="24307800" y="27864394"/>
-            <a:ext cx="11734800" cy="584776"/>
-          </a:xfrm>
-          <a:prstGeom prst="rect">
-            <a:avLst/>
-          </a:prstGeom>
-          <a:noFill/>
-        </p:spPr>
-        <p:txBody>
-          <a:bodyPr wrap="square" rtlCol="0">
-            <a:spAutoFit/>
-          </a:bodyPr>
-          <a:lstStyle/>
-          <a:p>
-            <a:pPr algn="ctr"/>
-            <a:r>
-              <a:rPr lang="en-US" sz="3200" dirty="0" smtClean="0">
-                <a:latin typeface="Cambria"/>
-                <a:cs typeface="Cambria"/>
-              </a:rPr>
-              <a:t>Most common championship game:          over          (72%)</a:t>
-            </a:r>
-          </a:p>
-        </p:txBody>
-      </p:sp>
-      <p:pic>
-        <p:nvPicPr>
-          <p:cNvPr id="95" name="Picture 94" descr="Duke.pdf"/>
-          <p:cNvPicPr>
-            <a:picLocks noChangeAspect="1"/>
-          </p:cNvPicPr>
-          <p:nvPr/>
-        </p:nvPicPr>
-        <p:blipFill>
-          <a:blip r:embed="rId9" cstate="print">
-            <a:extLst>
-              <a:ext uri="{28A0092B-C50C-407E-A947-70E740481C1C}">
-                <a14:useLocalDpi xmlns:a14="http://schemas.microsoft.com/office/drawing/2010/main" val="0"/>
-              </a:ext>
-            </a:extLst>
-          </a:blip>
-          <a:stretch>
-            <a:fillRect/>
-          </a:stretch>
-        </p:blipFill>
-        <p:spPr>
-          <a:xfrm>
-            <a:off x="33225559" y="27965400"/>
-            <a:ext cx="607241" cy="516155"/>
-          </a:xfrm>
-          <a:prstGeom prst="rect">
-            <a:avLst/>
-          </a:prstGeom>
-        </p:spPr>
-      </p:pic>
-      <p:sp>
-        <p:nvSpPr>
           <p:cNvPr id="16391" name="TextBox 16390"/>
           <p:cNvSpPr txBox="1"/>
           <p:nvPr/>
         </p:nvSpPr>
         <p:spPr>
           <a:xfrm>
-            <a:off x="24307800" y="23574494"/>
+            <a:off x="24307800" y="24565094"/>
             <a:ext cx="609599" cy="369332"/>
           </a:xfrm>
           <a:prstGeom prst="rect">
@@ -6038,7 +5967,7 @@
         </p:nvSpPr>
         <p:spPr>
           <a:xfrm>
-            <a:off x="24307800" y="24688800"/>
+            <a:off x="24307800" y="25679400"/>
             <a:ext cx="609599" cy="369332"/>
           </a:xfrm>
           <a:prstGeom prst="rect">
@@ -6077,7 +6006,7 @@
         </p:nvSpPr>
         <p:spPr>
           <a:xfrm>
-            <a:off x="24307800" y="25708094"/>
+            <a:off x="24307800" y="26698694"/>
             <a:ext cx="609599" cy="369332"/>
           </a:xfrm>
           <a:prstGeom prst="rect">
@@ -6116,7 +6045,7 @@
         </p:nvSpPr>
         <p:spPr>
           <a:xfrm>
-            <a:off x="24307800" y="26820614"/>
+            <a:off x="24307800" y="27811214"/>
             <a:ext cx="609599" cy="369332"/>
           </a:xfrm>
           <a:prstGeom prst="rect">
@@ -6147,66 +6076,6 @@
           </a:p>
         </p:txBody>
       </p:sp>
-      <p:pic>
-        <p:nvPicPr>
-          <p:cNvPr id="16392" name="Picture 16391" descr="Gonzaga.pdf"/>
-          <p:cNvPicPr>
-            <a:picLocks noChangeAspect="1"/>
-          </p:cNvPicPr>
-          <p:nvPr/>
-        </p:nvPicPr>
-        <p:blipFill>
-          <a:blip r:embed="rId12" cstate="print">
-            <a:extLst>
-              <a:ext uri="{28A0092B-C50C-407E-A947-70E740481C1C}">
-                <a14:useLocalDpi xmlns:a14="http://schemas.microsoft.com/office/drawing/2010/main" val="0"/>
-              </a:ext>
-            </a:extLst>
-          </a:blip>
-          <a:stretch>
-            <a:fillRect/>
-          </a:stretch>
-        </p:blipFill>
-        <p:spPr>
-          <a:xfrm>
-            <a:off x="26193750" y="14987523"/>
-            <a:ext cx="1222744" cy="914400"/>
-          </a:xfrm>
-          <a:prstGeom prst="rect">
-            <a:avLst/>
-          </a:prstGeom>
-        </p:spPr>
-      </p:pic>
-      <p:pic>
-        <p:nvPicPr>
-          <p:cNvPr id="16393" name="Picture 16392" descr="Arizona.pdf"/>
-          <p:cNvPicPr>
-            <a:picLocks noChangeAspect="1"/>
-          </p:cNvPicPr>
-          <p:nvPr/>
-        </p:nvPicPr>
-        <p:blipFill>
-          <a:blip r:embed="rId13" cstate="print">
-            <a:extLst>
-              <a:ext uri="{28A0092B-C50C-407E-A947-70E740481C1C}">
-                <a14:useLocalDpi xmlns:a14="http://schemas.microsoft.com/office/drawing/2010/main" val="0"/>
-              </a:ext>
-            </a:extLst>
-          </a:blip>
-          <a:stretch>
-            <a:fillRect/>
-          </a:stretch>
-        </p:blipFill>
-        <p:spPr>
-          <a:xfrm>
-            <a:off x="26365200" y="16230600"/>
-            <a:ext cx="989610" cy="914400"/>
-          </a:xfrm>
-          <a:prstGeom prst="rect">
-            <a:avLst/>
-          </a:prstGeom>
-        </p:spPr>
-      </p:pic>
       <p:graphicFrame>
         <p:nvGraphicFramePr>
           <p:cNvPr id="122" name="Table 121"/>
@@ -6216,14 +6085,14 @@
           <p:nvPr>
             <p:extLst>
               <p:ext uri="{D42A27DB-BD31-4B8C-83A1-F6EECF244321}">
-                <p14:modId xmlns:p14="http://schemas.microsoft.com/office/powerpoint/2010/main" val="4289673201"/>
+                <p14:modId xmlns:p14="http://schemas.microsoft.com/office/powerpoint/2010/main" val="2239197317"/>
               </p:ext>
             </p:extLst>
           </p:nvPr>
         </p:nvGraphicFramePr>
         <p:xfrm>
-          <a:off x="26289000" y="24460200"/>
-          <a:ext cx="9753600" cy="701040"/>
+          <a:off x="26670000" y="25450800"/>
+          <a:ext cx="8763000" cy="701040"/>
         </p:xfrm>
         <a:graphic>
           <a:graphicData uri="http://schemas.openxmlformats.org/drawingml/2006/table">
@@ -6232,8 +6101,8 @@
                 <a:tableStyleId>{2D5ABB26-0587-4C30-8999-92F81FD0307C}</a:tableStyleId>
               </a:tblPr>
               <a:tblGrid>
-                <a:gridCol w="4876800"/>
-                <a:gridCol w="4876800"/>
+                <a:gridCol w="4381500"/>
+                <a:gridCol w="4381500"/>
               </a:tblGrid>
               <a:tr h="370840">
                 <a:tc>
@@ -6304,14 +6173,14 @@
           <p:nvPr>
             <p:extLst>
               <p:ext uri="{D42A27DB-BD31-4B8C-83A1-F6EECF244321}">
-                <p14:modId xmlns:p14="http://schemas.microsoft.com/office/powerpoint/2010/main" val="1939520941"/>
+                <p14:modId xmlns:p14="http://schemas.microsoft.com/office/powerpoint/2010/main" val="3183746653"/>
               </p:ext>
             </p:extLst>
           </p:nvPr>
         </p:nvGraphicFramePr>
         <p:xfrm>
-          <a:off x="26289000" y="25542240"/>
-          <a:ext cx="9753600" cy="701040"/>
+          <a:off x="26670000" y="26532840"/>
+          <a:ext cx="8763000" cy="701040"/>
         </p:xfrm>
         <a:graphic>
           <a:graphicData uri="http://schemas.openxmlformats.org/drawingml/2006/table">
@@ -6320,8 +6189,8 @@
                 <a:tableStyleId>{2D5ABB26-0587-4C30-8999-92F81FD0307C}</a:tableStyleId>
               </a:tblPr>
               <a:tblGrid>
-                <a:gridCol w="4876800"/>
-                <a:gridCol w="4876800"/>
+                <a:gridCol w="4381500"/>
+                <a:gridCol w="4381500"/>
               </a:tblGrid>
               <a:tr h="370840">
                 <a:tc>
@@ -6392,14 +6261,14 @@
           <p:nvPr>
             <p:extLst>
               <p:ext uri="{D42A27DB-BD31-4B8C-83A1-F6EECF244321}">
-                <p14:modId xmlns:p14="http://schemas.microsoft.com/office/powerpoint/2010/main" val="3980289125"/>
+                <p14:modId xmlns:p14="http://schemas.microsoft.com/office/powerpoint/2010/main" val="2348773869"/>
               </p:ext>
             </p:extLst>
           </p:nvPr>
         </p:nvGraphicFramePr>
         <p:xfrm>
-          <a:off x="26289000" y="26654760"/>
-          <a:ext cx="9753600" cy="701040"/>
+          <a:off x="26670000" y="27645360"/>
+          <a:ext cx="8763000" cy="701040"/>
         </p:xfrm>
         <a:graphic>
           <a:graphicData uri="http://schemas.openxmlformats.org/drawingml/2006/table">
@@ -6408,8 +6277,8 @@
                 <a:tableStyleId>{2D5ABB26-0587-4C30-8999-92F81FD0307C}</a:tableStyleId>
               </a:tblPr>
               <a:tblGrid>
-                <a:gridCol w="4876800"/>
-                <a:gridCol w="4876800"/>
+                <a:gridCol w="4381500"/>
+                <a:gridCol w="4381500"/>
               </a:tblGrid>
               <a:tr h="370840">
                 <a:tc>
@@ -6503,36 +6372,6 @@
           </a:p>
         </p:txBody>
       </p:sp>
-      <p:pic>
-        <p:nvPicPr>
-          <p:cNvPr id="16394" name="Picture 16393" descr="Harvard.pdf"/>
-          <p:cNvPicPr>
-            <a:picLocks noChangeAspect="1"/>
-          </p:cNvPicPr>
-          <p:nvPr/>
-        </p:nvPicPr>
-        <p:blipFill>
-          <a:blip r:embed="rId14" cstate="print">
-            <a:extLst>
-              <a:ext uri="{28A0092B-C50C-407E-A947-70E740481C1C}">
-                <a14:useLocalDpi xmlns:a14="http://schemas.microsoft.com/office/drawing/2010/main" val="0"/>
-              </a:ext>
-            </a:extLst>
-          </a:blip>
-          <a:stretch>
-            <a:fillRect/>
-          </a:stretch>
-        </p:blipFill>
-        <p:spPr>
-          <a:xfrm>
-            <a:off x="26441400" y="17449800"/>
-            <a:ext cx="774675" cy="914400"/>
-          </a:xfrm>
-          <a:prstGeom prst="rect">
-            <a:avLst/>
-          </a:prstGeom>
-        </p:spPr>
-      </p:pic>
       <p:sp>
         <p:nvSpPr>
           <p:cNvPr id="130" name="TextBox 129"/>
@@ -6541,8 +6380,8 @@
         </p:nvSpPr>
         <p:spPr>
           <a:xfrm>
-            <a:off x="24307800" y="7848600"/>
-            <a:ext cx="11734800" cy="1815882"/>
+            <a:off x="24307800" y="7391400"/>
+            <a:ext cx="11734800" cy="1492716"/>
           </a:xfrm>
           <a:prstGeom prst="rect">
             <a:avLst/>
@@ -6564,7 +6403,7 @@
             </a:r>
           </a:p>
           <a:p>
-            <a:endParaRPr lang="en-US" sz="3200" dirty="0">
+            <a:endParaRPr lang="en-US" sz="1500" dirty="0">
               <a:latin typeface="Cambria"/>
               <a:cs typeface="Cambria"/>
             </a:endParaRPr>
@@ -6580,36 +6419,6 @@
           </a:p>
         </p:txBody>
       </p:sp>
-      <p:pic>
-        <p:nvPicPr>
-          <p:cNvPr id="131" name="Picture 130" descr="Kentucky.png"/>
-          <p:cNvPicPr>
-            <a:picLocks noChangeAspect="1"/>
-          </p:cNvPicPr>
-          <p:nvPr/>
-        </p:nvPicPr>
-        <p:blipFill>
-          <a:blip r:embed="rId15" cstate="print">
-            <a:extLst>
-              <a:ext uri="{28A0092B-C50C-407E-A947-70E740481C1C}">
-                <a14:useLocalDpi xmlns:a14="http://schemas.microsoft.com/office/drawing/2010/main" val="0"/>
-              </a:ext>
-            </a:extLst>
-          </a:blip>
-          <a:stretch>
-            <a:fillRect/>
-          </a:stretch>
-        </p:blipFill>
-        <p:spPr>
-          <a:xfrm>
-            <a:off x="31488224" y="27965400"/>
-            <a:ext cx="744376" cy="516155"/>
-          </a:xfrm>
-          <a:prstGeom prst="rect">
-            <a:avLst/>
-          </a:prstGeom>
-        </p:spPr>
-      </p:pic>
       <p:sp>
         <p:nvSpPr>
           <p:cNvPr id="56" name="TextBox 55"/>
@@ -6665,7 +6474,7 @@
             <p:nvPr/>
           </p:nvPicPr>
           <p:blipFill>
-            <a:blip r:embed="rId16">
+            <a:blip r:embed="rId12">
               <a:extLst>
                 <a:ext uri="{28A0092B-C50C-407E-A947-70E740481C1C}">
                   <a14:useLocalDpi xmlns:a14="http://schemas.microsoft.com/office/drawing/2010/main" val="0"/>
@@ -6695,7 +6504,7 @@
             <p:nvPr/>
           </p:nvPicPr>
           <p:blipFill>
-            <a:blip r:embed="rId17">
+            <a:blip r:embed="rId13">
               <a:extLst>
                 <a:ext uri="{28A0092B-C50C-407E-A947-70E740481C1C}">
                   <a14:useLocalDpi xmlns:a14="http://schemas.microsoft.com/office/drawing/2010/main" val="0"/>
@@ -6811,7 +6620,7 @@
             <p:nvPr/>
           </p:nvPicPr>
           <p:blipFill>
-            <a:blip r:embed="rId18">
+            <a:blip r:embed="rId14">
               <a:extLst>
                 <a:ext uri="{28A0092B-C50C-407E-A947-70E740481C1C}">
                   <a14:useLocalDpi xmlns:a14="http://schemas.microsoft.com/office/drawing/2010/main" val="0"/>
@@ -7305,6 +7114,1196 @@
           </a:graphicData>
         </a:graphic>
       </p:graphicFrame>
+      <p:sp>
+        <p:nvSpPr>
+          <p:cNvPr id="70" name="TextBox 69"/>
+          <p:cNvSpPr txBox="1"/>
+          <p:nvPr/>
+        </p:nvSpPr>
+        <p:spPr>
+          <a:xfrm>
+            <a:off x="24307800" y="10672842"/>
+            <a:ext cx="11734800" cy="1985159"/>
+          </a:xfrm>
+          <a:prstGeom prst="rect">
+            <a:avLst/>
+          </a:prstGeom>
+          <a:noFill/>
+        </p:spPr>
+        <p:txBody>
+          <a:bodyPr wrap="square" rtlCol="0">
+            <a:spAutoFit/>
+          </a:bodyPr>
+          <a:lstStyle/>
+          <a:p>
+            <a:r>
+              <a:rPr lang="en-US" sz="4400" b="1" u="sng" dirty="0" smtClean="0">
+                <a:latin typeface="Cambria"/>
+                <a:cs typeface="Cambria"/>
+              </a:rPr>
+              <a:t>Anyone’s Game</a:t>
+            </a:r>
+          </a:p>
+          <a:p>
+            <a:endParaRPr lang="en-US" sz="1500" dirty="0">
+              <a:latin typeface="Cambria"/>
+              <a:cs typeface="Cambria"/>
+            </a:endParaRPr>
+          </a:p>
+          <a:p>
+            <a:r>
+              <a:rPr lang="en-US" sz="3200" dirty="0" smtClean="0">
+                <a:latin typeface="Cambria"/>
+                <a:cs typeface="Cambria"/>
+              </a:rPr>
+              <a:t>We used our model to simulate the entire 2015 NCAA Tournament 10,000 times. The most likely winners:</a:t>
+            </a:r>
+          </a:p>
+        </p:txBody>
+      </p:sp>
+      <p:sp>
+        <p:nvSpPr>
+          <p:cNvPr id="71" name="TextBox 70"/>
+          <p:cNvSpPr txBox="1"/>
+          <p:nvPr/>
+        </p:nvSpPr>
+        <p:spPr>
+          <a:xfrm>
+            <a:off x="24307800" y="20731242"/>
+            <a:ext cx="11734800" cy="584776"/>
+          </a:xfrm>
+          <a:prstGeom prst="rect">
+            <a:avLst/>
+          </a:prstGeom>
+          <a:noFill/>
+        </p:spPr>
+        <p:txBody>
+          <a:bodyPr wrap="square" rtlCol="0">
+            <a:spAutoFit/>
+          </a:bodyPr>
+          <a:lstStyle/>
+          <a:p>
+            <a:pPr algn="ctr"/>
+            <a:r>
+              <a:rPr lang="en-US" sz="3200" dirty="0" smtClean="0">
+                <a:latin typeface="Cambria"/>
+                <a:cs typeface="Cambria"/>
+              </a:rPr>
+              <a:t>Most common championship outcome:           over         (24%)</a:t>
+            </a:r>
+          </a:p>
+        </p:txBody>
+      </p:sp>
+      <p:pic>
+        <p:nvPicPr>
+          <p:cNvPr id="72" name="Picture 71" descr="Arizona.pdf"/>
+          <p:cNvPicPr>
+            <a:picLocks noChangeAspect="1"/>
+          </p:cNvPicPr>
+          <p:nvPr/>
+        </p:nvPicPr>
+        <p:blipFill>
+          <a:blip r:embed="rId15">
+            <a:extLst>
+              <a:ext uri="{28A0092B-C50C-407E-A947-70E740481C1C}">
+                <a14:useLocalDpi xmlns:a14="http://schemas.microsoft.com/office/drawing/2010/main" val="0"/>
+              </a:ext>
+            </a:extLst>
+          </a:blip>
+          <a:stretch>
+            <a:fillRect/>
+          </a:stretch>
+        </p:blipFill>
+        <p:spPr>
+          <a:xfrm>
+            <a:off x="25134841" y="16714966"/>
+            <a:ext cx="989610" cy="914400"/>
+          </a:xfrm>
+          <a:prstGeom prst="rect">
+            <a:avLst/>
+          </a:prstGeom>
+        </p:spPr>
+      </p:pic>
+      <p:pic>
+        <p:nvPicPr>
+          <p:cNvPr id="73" name="Picture 72" descr="Harvard.pdf"/>
+          <p:cNvPicPr>
+            <a:picLocks noChangeAspect="1"/>
+          </p:cNvPicPr>
+          <p:nvPr/>
+        </p:nvPicPr>
+        <p:blipFill>
+          <a:blip r:embed="rId16">
+            <a:extLst>
+              <a:ext uri="{28A0092B-C50C-407E-A947-70E740481C1C}">
+                <a14:useLocalDpi xmlns:a14="http://schemas.microsoft.com/office/drawing/2010/main" val="0"/>
+              </a:ext>
+            </a:extLst>
+          </a:blip>
+          <a:stretch>
+            <a:fillRect/>
+          </a:stretch>
+        </p:blipFill>
+        <p:spPr>
+          <a:xfrm>
+            <a:off x="25247599" y="19727940"/>
+            <a:ext cx="774676" cy="914400"/>
+          </a:xfrm>
+          <a:prstGeom prst="rect">
+            <a:avLst/>
+          </a:prstGeom>
+        </p:spPr>
+      </p:pic>
+      <p:pic>
+        <p:nvPicPr>
+          <p:cNvPr id="75" name="Picture 74" descr="Kentucky.png"/>
+          <p:cNvPicPr>
+            <a:picLocks noChangeAspect="1"/>
+          </p:cNvPicPr>
+          <p:nvPr/>
+        </p:nvPicPr>
+        <p:blipFill>
+          <a:blip r:embed="rId17" cstate="print">
+            <a:extLst>
+              <a:ext uri="{28A0092B-C50C-407E-A947-70E740481C1C}">
+                <a14:useLocalDpi xmlns:a14="http://schemas.microsoft.com/office/drawing/2010/main" val="0"/>
+              </a:ext>
+            </a:extLst>
+          </a:blip>
+          <a:stretch>
+            <a:fillRect/>
+          </a:stretch>
+        </p:blipFill>
+        <p:spPr>
+          <a:xfrm>
+            <a:off x="31775400" y="20819845"/>
+            <a:ext cx="744376" cy="516155"/>
+          </a:xfrm>
+          <a:prstGeom prst="rect">
+            <a:avLst/>
+          </a:prstGeom>
+        </p:spPr>
+      </p:pic>
+      <p:pic>
+        <p:nvPicPr>
+          <p:cNvPr id="77" name="Picture 76" descr="Villanova.pdf"/>
+          <p:cNvPicPr>
+            <a:picLocks noChangeAspect="1"/>
+          </p:cNvPicPr>
+          <p:nvPr/>
+        </p:nvPicPr>
+        <p:blipFill>
+          <a:blip r:embed="rId18">
+            <a:extLst>
+              <a:ext uri="{28A0092B-C50C-407E-A947-70E740481C1C}">
+                <a14:useLocalDpi xmlns:a14="http://schemas.microsoft.com/office/drawing/2010/main" val="0"/>
+              </a:ext>
+            </a:extLst>
+          </a:blip>
+          <a:stretch>
+            <a:fillRect/>
+          </a:stretch>
+        </p:blipFill>
+        <p:spPr>
+          <a:xfrm>
+            <a:off x="25115605" y="15648166"/>
+            <a:ext cx="1028082" cy="914400"/>
+          </a:xfrm>
+          <a:prstGeom prst="rect">
+            <a:avLst/>
+          </a:prstGeom>
+        </p:spPr>
+      </p:pic>
+      <p:pic>
+        <p:nvPicPr>
+          <p:cNvPr id="82" name="Picture 81" descr="Villanova.pdf"/>
+          <p:cNvPicPr>
+            <a:picLocks noChangeAspect="1"/>
+          </p:cNvPicPr>
+          <p:nvPr/>
+        </p:nvPicPr>
+        <p:blipFill>
+          <a:blip r:embed="rId18">
+            <a:extLst>
+              <a:ext uri="{28A0092B-C50C-407E-A947-70E740481C1C}">
+                <a14:useLocalDpi xmlns:a14="http://schemas.microsoft.com/office/drawing/2010/main" val="0"/>
+              </a:ext>
+            </a:extLst>
+          </a:blip>
+          <a:stretch>
+            <a:fillRect/>
+          </a:stretch>
+        </p:blipFill>
+        <p:spPr>
+          <a:xfrm>
+            <a:off x="33557274" y="20819845"/>
+            <a:ext cx="580326" cy="516155"/>
+          </a:xfrm>
+          <a:prstGeom prst="rect">
+            <a:avLst/>
+          </a:prstGeom>
+        </p:spPr>
+      </p:pic>
+      <p:pic>
+        <p:nvPicPr>
+          <p:cNvPr id="84" name="Picture 83" descr="Wisconsin.pdf"/>
+          <p:cNvPicPr>
+            <a:picLocks noChangeAspect="1"/>
+          </p:cNvPicPr>
+          <p:nvPr/>
+        </p:nvPicPr>
+        <p:blipFill>
+          <a:blip r:embed="rId8">
+            <a:extLst>
+              <a:ext uri="{28A0092B-C50C-407E-A947-70E740481C1C}">
+                <a14:useLocalDpi xmlns:a14="http://schemas.microsoft.com/office/drawing/2010/main" val="0"/>
+              </a:ext>
+            </a:extLst>
+          </a:blip>
+          <a:stretch>
+            <a:fillRect/>
+          </a:stretch>
+        </p:blipFill>
+        <p:spPr>
+          <a:xfrm>
+            <a:off x="25100257" y="14505166"/>
+            <a:ext cx="1058779" cy="1005840"/>
+          </a:xfrm>
+          <a:prstGeom prst="rect">
+            <a:avLst/>
+          </a:prstGeom>
+        </p:spPr>
+      </p:pic>
+      <p:pic>
+        <p:nvPicPr>
+          <p:cNvPr id="85" name="Picture 84" descr="Kentucky.png"/>
+          <p:cNvPicPr>
+            <a:picLocks noChangeAspect="1"/>
+          </p:cNvPicPr>
+          <p:nvPr/>
+        </p:nvPicPr>
+        <p:blipFill>
+          <a:blip r:embed="rId17" cstate="print">
+            <a:extLst>
+              <a:ext uri="{28A0092B-C50C-407E-A947-70E740481C1C}">
+                <a14:useLocalDpi xmlns:a14="http://schemas.microsoft.com/office/drawing/2010/main" val="0"/>
+              </a:ext>
+            </a:extLst>
+          </a:blip>
+          <a:stretch>
+            <a:fillRect/>
+          </a:stretch>
+        </p:blipFill>
+        <p:spPr>
+          <a:xfrm>
+            <a:off x="24970293" y="13438366"/>
+            <a:ext cx="1318707" cy="914400"/>
+          </a:xfrm>
+          <a:prstGeom prst="rect">
+            <a:avLst/>
+          </a:prstGeom>
+        </p:spPr>
+      </p:pic>
+      <p:graphicFrame>
+        <p:nvGraphicFramePr>
+          <p:cNvPr id="86" name="Table 85"/>
+          <p:cNvGraphicFramePr>
+            <a:graphicFrameLocks noGrp="1"/>
+          </p:cNvGraphicFramePr>
+          <p:nvPr>
+            <p:extLst>
+              <p:ext uri="{D42A27DB-BD31-4B8C-83A1-F6EECF244321}">
+                <p14:modId xmlns:p14="http://schemas.microsoft.com/office/powerpoint/2010/main" val="2842001159"/>
+              </p:ext>
+            </p:extLst>
+          </p:nvPr>
+        </p:nvGraphicFramePr>
+        <p:xfrm>
+          <a:off x="26670000" y="12826134"/>
+          <a:ext cx="8763000" cy="579120"/>
+        </p:xfrm>
+        <a:graphic>
+          <a:graphicData uri="http://schemas.openxmlformats.org/drawingml/2006/table">
+            <a:tbl>
+              <a:tblPr firstRow="1" bandRow="1">
+                <a:tableStyleId>{2D5ABB26-0587-4C30-8999-92F81FD0307C}</a:tableStyleId>
+              </a:tblPr>
+              <a:tblGrid>
+                <a:gridCol w="4381500"/>
+                <a:gridCol w="4381500"/>
+              </a:tblGrid>
+              <a:tr h="370840">
+                <a:tc>
+                  <a:txBody>
+                    <a:bodyPr/>
+                    <a:lstStyle/>
+                    <a:p>
+                      <a:pPr algn="ctr"/>
+                      <a:r>
+                        <a:rPr lang="en-US" sz="3200" b="1" u="none" dirty="0" smtClean="0">
+                          <a:latin typeface="Helvetica"/>
+                          <a:cs typeface="Helvetica"/>
+                        </a:rPr>
+                        <a:t>Final Four</a:t>
+                      </a:r>
+                      <a:endParaRPr lang="en-US" sz="3200" b="1" u="none" dirty="0">
+                        <a:latin typeface="Helvetica"/>
+                        <a:cs typeface="Helvetica"/>
+                      </a:endParaRPr>
+                    </a:p>
+                  </a:txBody>
+                  <a:tcPr/>
+                </a:tc>
+                <a:tc>
+                  <a:txBody>
+                    <a:bodyPr/>
+                    <a:lstStyle/>
+                    <a:p>
+                      <a:pPr algn="ctr"/>
+                      <a:r>
+                        <a:rPr lang="en-US" sz="3200" b="1" u="none" dirty="0" smtClean="0">
+                          <a:latin typeface="Helvetica"/>
+                          <a:cs typeface="Helvetica"/>
+                        </a:rPr>
+                        <a:t>Championship</a:t>
+                      </a:r>
+                      <a:endParaRPr lang="en-US" sz="3200" b="1" u="none" dirty="0">
+                        <a:latin typeface="Helvetica"/>
+                        <a:cs typeface="Helvetica"/>
+                      </a:endParaRPr>
+                    </a:p>
+                  </a:txBody>
+                  <a:tcPr/>
+                </a:tc>
+              </a:tr>
+            </a:tbl>
+          </a:graphicData>
+        </a:graphic>
+      </p:graphicFrame>
+      <p:graphicFrame>
+        <p:nvGraphicFramePr>
+          <p:cNvPr id="87" name="Table 86"/>
+          <p:cNvGraphicFramePr>
+            <a:graphicFrameLocks noGrp="1"/>
+          </p:cNvGraphicFramePr>
+          <p:nvPr>
+            <p:extLst>
+              <p:ext uri="{D42A27DB-BD31-4B8C-83A1-F6EECF244321}">
+                <p14:modId xmlns:p14="http://schemas.microsoft.com/office/powerpoint/2010/main" val="1203284766"/>
+              </p:ext>
+            </p:extLst>
+          </p:nvPr>
+        </p:nvGraphicFramePr>
+        <p:xfrm>
+          <a:off x="26670000" y="13541860"/>
+          <a:ext cx="8763000" cy="701040"/>
+        </p:xfrm>
+        <a:graphic>
+          <a:graphicData uri="http://schemas.openxmlformats.org/drawingml/2006/table">
+            <a:tbl>
+              <a:tblPr firstRow="1" bandRow="1">
+                <a:tableStyleId>{2D5ABB26-0587-4C30-8999-92F81FD0307C}</a:tableStyleId>
+              </a:tblPr>
+              <a:tblGrid>
+                <a:gridCol w="4381500"/>
+                <a:gridCol w="4381500"/>
+              </a:tblGrid>
+              <a:tr h="370840">
+                <a:tc>
+                  <a:txBody>
+                    <a:bodyPr/>
+                    <a:lstStyle/>
+                    <a:p>
+                      <a:pPr algn="ctr"/>
+                      <a:r>
+                        <a:rPr lang="en-US" sz="4000" b="0" u="none" dirty="0" smtClean="0">
+                          <a:latin typeface="Helvetica"/>
+                          <a:cs typeface="Helvetica"/>
+                        </a:rPr>
+                        <a:t>99%</a:t>
+                      </a:r>
+                      <a:endParaRPr lang="en-US" sz="4000" b="0" u="none" dirty="0">
+                        <a:latin typeface="Helvetica"/>
+                        <a:cs typeface="Helvetica"/>
+                      </a:endParaRPr>
+                    </a:p>
+                  </a:txBody>
+                  <a:tcPr/>
+                </a:tc>
+                <a:tc>
+                  <a:txBody>
+                    <a:bodyPr/>
+                    <a:lstStyle/>
+                    <a:p>
+                      <a:pPr marL="0" marR="0" indent="0" algn="ctr" defTabSz="914400" rtl="0" eaLnBrk="1" fontAlgn="auto" latinLnBrk="0" hangingPunct="1">
+                        <a:lnSpc>
+                          <a:spcPct val="100000"/>
+                        </a:lnSpc>
+                        <a:spcBef>
+                          <a:spcPts val="0"/>
+                        </a:spcBef>
+                        <a:spcAft>
+                          <a:spcPts val="0"/>
+                        </a:spcAft>
+                        <a:buClrTx/>
+                        <a:buSzTx/>
+                        <a:buFontTx/>
+                        <a:buNone/>
+                        <a:tabLst/>
+                        <a:defRPr/>
+                      </a:pPr>
+                      <a:r>
+                        <a:rPr lang="en-US" sz="4000" b="0" u="none" dirty="0" smtClean="0">
+                          <a:latin typeface="Helvetica"/>
+                          <a:cs typeface="Helvetica"/>
+                        </a:rPr>
+                        <a:t>77%</a:t>
+                      </a:r>
+                    </a:p>
+                  </a:txBody>
+                  <a:tcPr/>
+                </a:tc>
+              </a:tr>
+            </a:tbl>
+          </a:graphicData>
+        </a:graphic>
+      </p:graphicFrame>
+      <p:sp>
+        <p:nvSpPr>
+          <p:cNvPr id="88" name="TextBox 87"/>
+          <p:cNvSpPr txBox="1"/>
+          <p:nvPr/>
+        </p:nvSpPr>
+        <p:spPr>
+          <a:xfrm>
+            <a:off x="24307800" y="13710900"/>
+            <a:ext cx="609599" cy="369332"/>
+          </a:xfrm>
+          <a:prstGeom prst="rect">
+            <a:avLst/>
+          </a:prstGeom>
+          <a:noFill/>
+        </p:spPr>
+        <p:txBody>
+          <a:bodyPr wrap="square" rtlCol="0">
+            <a:spAutoFit/>
+          </a:bodyPr>
+          <a:lstStyle/>
+          <a:p>
+            <a:pPr algn="r"/>
+            <a:r>
+              <a:rPr lang="en-US" sz="1800" dirty="0" smtClean="0">
+                <a:solidFill>
+                  <a:schemeClr val="bg2"/>
+                </a:solidFill>
+              </a:rPr>
+              <a:t>(1)</a:t>
+            </a:r>
+            <a:endParaRPr lang="en-US" sz="1800" dirty="0">
+              <a:solidFill>
+                <a:schemeClr val="bg2"/>
+              </a:solidFill>
+            </a:endParaRPr>
+          </a:p>
+        </p:txBody>
+      </p:sp>
+      <p:sp>
+        <p:nvSpPr>
+          <p:cNvPr id="89" name="TextBox 88"/>
+          <p:cNvSpPr txBox="1"/>
+          <p:nvPr/>
+        </p:nvSpPr>
+        <p:spPr>
+          <a:xfrm>
+            <a:off x="24307800" y="14825206"/>
+            <a:ext cx="609599" cy="369332"/>
+          </a:xfrm>
+          <a:prstGeom prst="rect">
+            <a:avLst/>
+          </a:prstGeom>
+          <a:noFill/>
+        </p:spPr>
+        <p:txBody>
+          <a:bodyPr wrap="square" rtlCol="0">
+            <a:spAutoFit/>
+          </a:bodyPr>
+          <a:lstStyle/>
+          <a:p>
+            <a:pPr algn="r"/>
+            <a:r>
+              <a:rPr lang="en-US" sz="1800" dirty="0" smtClean="0">
+                <a:solidFill>
+                  <a:schemeClr val="bg2"/>
+                </a:solidFill>
+              </a:rPr>
+              <a:t>(1)</a:t>
+            </a:r>
+            <a:endParaRPr lang="en-US" sz="1800" dirty="0">
+              <a:solidFill>
+                <a:schemeClr val="bg2"/>
+              </a:solidFill>
+            </a:endParaRPr>
+          </a:p>
+        </p:txBody>
+      </p:sp>
+      <p:sp>
+        <p:nvSpPr>
+          <p:cNvPr id="90" name="TextBox 89"/>
+          <p:cNvSpPr txBox="1"/>
+          <p:nvPr/>
+        </p:nvSpPr>
+        <p:spPr>
+          <a:xfrm>
+            <a:off x="24307800" y="15917942"/>
+            <a:ext cx="609599" cy="369332"/>
+          </a:xfrm>
+          <a:prstGeom prst="rect">
+            <a:avLst/>
+          </a:prstGeom>
+          <a:noFill/>
+        </p:spPr>
+        <p:txBody>
+          <a:bodyPr wrap="square" rtlCol="0">
+            <a:spAutoFit/>
+          </a:bodyPr>
+          <a:lstStyle/>
+          <a:p>
+            <a:pPr algn="r"/>
+            <a:r>
+              <a:rPr lang="en-US" sz="1800" dirty="0" smtClean="0">
+                <a:solidFill>
+                  <a:schemeClr val="bg2"/>
+                </a:solidFill>
+              </a:rPr>
+              <a:t>(1)</a:t>
+            </a:r>
+            <a:endParaRPr lang="en-US" sz="1800" dirty="0">
+              <a:solidFill>
+                <a:schemeClr val="bg2"/>
+              </a:solidFill>
+            </a:endParaRPr>
+          </a:p>
+        </p:txBody>
+      </p:sp>
+      <p:sp>
+        <p:nvSpPr>
+          <p:cNvPr id="91" name="TextBox 90"/>
+          <p:cNvSpPr txBox="1"/>
+          <p:nvPr/>
+        </p:nvSpPr>
+        <p:spPr>
+          <a:xfrm>
+            <a:off x="24307800" y="16982420"/>
+            <a:ext cx="609599" cy="369332"/>
+          </a:xfrm>
+          <a:prstGeom prst="rect">
+            <a:avLst/>
+          </a:prstGeom>
+          <a:noFill/>
+        </p:spPr>
+        <p:txBody>
+          <a:bodyPr wrap="square" rtlCol="0">
+            <a:spAutoFit/>
+          </a:bodyPr>
+          <a:lstStyle/>
+          <a:p>
+            <a:pPr algn="r"/>
+            <a:r>
+              <a:rPr lang="en-US" sz="1800" dirty="0" smtClean="0">
+                <a:solidFill>
+                  <a:schemeClr val="bg2"/>
+                </a:solidFill>
+              </a:rPr>
+              <a:t>(2)</a:t>
+            </a:r>
+            <a:endParaRPr lang="en-US" sz="1800" dirty="0">
+              <a:solidFill>
+                <a:schemeClr val="bg2"/>
+              </a:solidFill>
+            </a:endParaRPr>
+          </a:p>
+        </p:txBody>
+      </p:sp>
+      <p:graphicFrame>
+        <p:nvGraphicFramePr>
+          <p:cNvPr id="92" name="Table 91"/>
+          <p:cNvGraphicFramePr>
+            <a:graphicFrameLocks noGrp="1"/>
+          </p:cNvGraphicFramePr>
+          <p:nvPr>
+            <p:extLst>
+              <p:ext uri="{D42A27DB-BD31-4B8C-83A1-F6EECF244321}">
+                <p14:modId xmlns:p14="http://schemas.microsoft.com/office/powerpoint/2010/main" val="876822068"/>
+              </p:ext>
+            </p:extLst>
+          </p:nvPr>
+        </p:nvGraphicFramePr>
+        <p:xfrm>
+          <a:off x="26670000" y="14593420"/>
+          <a:ext cx="8763000" cy="701040"/>
+        </p:xfrm>
+        <a:graphic>
+          <a:graphicData uri="http://schemas.openxmlformats.org/drawingml/2006/table">
+            <a:tbl>
+              <a:tblPr firstRow="1" bandRow="1">
+                <a:tableStyleId>{2D5ABB26-0587-4C30-8999-92F81FD0307C}</a:tableStyleId>
+              </a:tblPr>
+              <a:tblGrid>
+                <a:gridCol w="4381500"/>
+                <a:gridCol w="4381500"/>
+              </a:tblGrid>
+              <a:tr h="370840">
+                <a:tc>
+                  <a:txBody>
+                    <a:bodyPr/>
+                    <a:lstStyle/>
+                    <a:p>
+                      <a:pPr algn="ctr"/>
+                      <a:r>
+                        <a:rPr lang="en-US" sz="4000" b="0" u="none" dirty="0" smtClean="0">
+                          <a:latin typeface="Helvetica"/>
+                          <a:cs typeface="Helvetica"/>
+                        </a:rPr>
+                        <a:t>52%</a:t>
+                      </a:r>
+                      <a:endParaRPr lang="en-US" sz="4000" b="0" u="none" dirty="0">
+                        <a:latin typeface="Helvetica"/>
+                        <a:cs typeface="Helvetica"/>
+                      </a:endParaRPr>
+                    </a:p>
+                  </a:txBody>
+                  <a:tcPr/>
+                </a:tc>
+                <a:tc>
+                  <a:txBody>
+                    <a:bodyPr/>
+                    <a:lstStyle/>
+                    <a:p>
+                      <a:pPr marL="0" marR="0" indent="0" algn="ctr" defTabSz="914400" rtl="0" eaLnBrk="1" fontAlgn="auto" latinLnBrk="0" hangingPunct="1">
+                        <a:lnSpc>
+                          <a:spcPct val="100000"/>
+                        </a:lnSpc>
+                        <a:spcBef>
+                          <a:spcPts val="0"/>
+                        </a:spcBef>
+                        <a:spcAft>
+                          <a:spcPts val="0"/>
+                        </a:spcAft>
+                        <a:buClrTx/>
+                        <a:buSzTx/>
+                        <a:buFontTx/>
+                        <a:buNone/>
+                        <a:tabLst/>
+                        <a:defRPr/>
+                      </a:pPr>
+                      <a:r>
+                        <a:rPr lang="en-US" sz="4000" b="0" u="none" dirty="0" smtClean="0">
+                          <a:latin typeface="Helvetica"/>
+                          <a:cs typeface="Helvetica"/>
+                        </a:rPr>
+                        <a:t>12%</a:t>
+                      </a:r>
+                    </a:p>
+                  </a:txBody>
+                  <a:tcPr/>
+                </a:tc>
+              </a:tr>
+            </a:tbl>
+          </a:graphicData>
+        </a:graphic>
+      </p:graphicFrame>
+      <p:graphicFrame>
+        <p:nvGraphicFramePr>
+          <p:cNvPr id="96" name="Table 95"/>
+          <p:cNvGraphicFramePr>
+            <a:graphicFrameLocks noGrp="1"/>
+          </p:cNvGraphicFramePr>
+          <p:nvPr>
+            <p:extLst>
+              <p:ext uri="{D42A27DB-BD31-4B8C-83A1-F6EECF244321}">
+                <p14:modId xmlns:p14="http://schemas.microsoft.com/office/powerpoint/2010/main" val="2895403599"/>
+              </p:ext>
+            </p:extLst>
+          </p:nvPr>
+        </p:nvGraphicFramePr>
+        <p:xfrm>
+          <a:off x="26670000" y="15700860"/>
+          <a:ext cx="8763000" cy="701040"/>
+        </p:xfrm>
+        <a:graphic>
+          <a:graphicData uri="http://schemas.openxmlformats.org/drawingml/2006/table">
+            <a:tbl>
+              <a:tblPr firstRow="1" bandRow="1">
+                <a:tableStyleId>{2D5ABB26-0587-4C30-8999-92F81FD0307C}</a:tableStyleId>
+              </a:tblPr>
+              <a:tblGrid>
+                <a:gridCol w="4381500"/>
+                <a:gridCol w="4381500"/>
+              </a:tblGrid>
+              <a:tr h="370840">
+                <a:tc>
+                  <a:txBody>
+                    <a:bodyPr/>
+                    <a:lstStyle/>
+                    <a:p>
+                      <a:pPr algn="ctr"/>
+                      <a:r>
+                        <a:rPr lang="en-US" sz="4000" b="0" u="none" dirty="0" smtClean="0">
+                          <a:latin typeface="Helvetica"/>
+                          <a:cs typeface="Helvetica"/>
+                        </a:rPr>
+                        <a:t>56%</a:t>
+                      </a:r>
+                      <a:endParaRPr lang="en-US" sz="4000" b="0" u="none" dirty="0">
+                        <a:latin typeface="Helvetica"/>
+                        <a:cs typeface="Helvetica"/>
+                      </a:endParaRPr>
+                    </a:p>
+                  </a:txBody>
+                  <a:tcPr/>
+                </a:tc>
+                <a:tc>
+                  <a:txBody>
+                    <a:bodyPr/>
+                    <a:lstStyle/>
+                    <a:p>
+                      <a:pPr marL="0" marR="0" indent="0" algn="ctr" defTabSz="914400" rtl="0" eaLnBrk="1" fontAlgn="auto" latinLnBrk="0" hangingPunct="1">
+                        <a:lnSpc>
+                          <a:spcPct val="100000"/>
+                        </a:lnSpc>
+                        <a:spcBef>
+                          <a:spcPts val="0"/>
+                        </a:spcBef>
+                        <a:spcAft>
+                          <a:spcPts val="0"/>
+                        </a:spcAft>
+                        <a:buClrTx/>
+                        <a:buSzTx/>
+                        <a:buFontTx/>
+                        <a:buNone/>
+                        <a:tabLst/>
+                        <a:defRPr/>
+                      </a:pPr>
+                      <a:r>
+                        <a:rPr lang="en-US" sz="4000" b="0" u="none" dirty="0" smtClean="0">
+                          <a:latin typeface="Helvetica"/>
+                          <a:cs typeface="Helvetica"/>
+                        </a:rPr>
+                        <a:t>4.8%</a:t>
+                      </a:r>
+                    </a:p>
+                  </a:txBody>
+                  <a:tcPr/>
+                </a:tc>
+              </a:tr>
+            </a:tbl>
+          </a:graphicData>
+        </a:graphic>
+      </p:graphicFrame>
+      <p:graphicFrame>
+        <p:nvGraphicFramePr>
+          <p:cNvPr id="97" name="Table 96"/>
+          <p:cNvGraphicFramePr>
+            <a:graphicFrameLocks noGrp="1"/>
+          </p:cNvGraphicFramePr>
+          <p:nvPr>
+            <p:extLst>
+              <p:ext uri="{D42A27DB-BD31-4B8C-83A1-F6EECF244321}">
+                <p14:modId xmlns:p14="http://schemas.microsoft.com/office/powerpoint/2010/main" val="3133749223"/>
+              </p:ext>
+            </p:extLst>
+          </p:nvPr>
+        </p:nvGraphicFramePr>
+        <p:xfrm>
+          <a:off x="26670000" y="16787980"/>
+          <a:ext cx="8763000" cy="701040"/>
+        </p:xfrm>
+        <a:graphic>
+          <a:graphicData uri="http://schemas.openxmlformats.org/drawingml/2006/table">
+            <a:tbl>
+              <a:tblPr firstRow="1" bandRow="1">
+                <a:tableStyleId>{2D5ABB26-0587-4C30-8999-92F81FD0307C}</a:tableStyleId>
+              </a:tblPr>
+              <a:tblGrid>
+                <a:gridCol w="4381500"/>
+                <a:gridCol w="4381500"/>
+              </a:tblGrid>
+              <a:tr h="370840">
+                <a:tc>
+                  <a:txBody>
+                    <a:bodyPr/>
+                    <a:lstStyle/>
+                    <a:p>
+                      <a:pPr algn="ctr"/>
+                      <a:r>
+                        <a:rPr lang="en-US" sz="4000" b="0" u="none" dirty="0" smtClean="0">
+                          <a:latin typeface="Helvetica"/>
+                          <a:cs typeface="Helvetica"/>
+                        </a:rPr>
+                        <a:t>48%</a:t>
+                      </a:r>
+                      <a:endParaRPr lang="en-US" sz="4000" b="0" u="none" dirty="0">
+                        <a:latin typeface="Helvetica"/>
+                        <a:cs typeface="Helvetica"/>
+                      </a:endParaRPr>
+                    </a:p>
+                  </a:txBody>
+                  <a:tcPr/>
+                </a:tc>
+                <a:tc>
+                  <a:txBody>
+                    <a:bodyPr/>
+                    <a:lstStyle/>
+                    <a:p>
+                      <a:pPr marL="0" marR="0" indent="0" algn="ctr" defTabSz="914400" rtl="0" eaLnBrk="1" fontAlgn="auto" latinLnBrk="0" hangingPunct="1">
+                        <a:lnSpc>
+                          <a:spcPct val="100000"/>
+                        </a:lnSpc>
+                        <a:spcBef>
+                          <a:spcPts val="0"/>
+                        </a:spcBef>
+                        <a:spcAft>
+                          <a:spcPts val="0"/>
+                        </a:spcAft>
+                        <a:buClrTx/>
+                        <a:buSzTx/>
+                        <a:buFontTx/>
+                        <a:buNone/>
+                        <a:tabLst/>
+                        <a:defRPr/>
+                      </a:pPr>
+                      <a:r>
+                        <a:rPr lang="en-US" sz="4000" b="0" u="none" dirty="0" smtClean="0">
+                          <a:latin typeface="Helvetica"/>
+                          <a:cs typeface="Helvetica"/>
+                        </a:rPr>
+                        <a:t>2.5%</a:t>
+                      </a:r>
+                    </a:p>
+                  </a:txBody>
+                  <a:tcPr/>
+                </a:tc>
+              </a:tr>
+            </a:tbl>
+          </a:graphicData>
+        </a:graphic>
+      </p:graphicFrame>
+      <p:pic>
+        <p:nvPicPr>
+          <p:cNvPr id="98" name="Picture 97" descr="Virginia.pdf"/>
+          <p:cNvPicPr>
+            <a:picLocks noChangeAspect="1"/>
+          </p:cNvPicPr>
+          <p:nvPr/>
+        </p:nvPicPr>
+        <p:blipFill>
+          <a:blip r:embed="rId19">
+            <a:extLst>
+              <a:ext uri="{28A0092B-C50C-407E-A947-70E740481C1C}">
+                <a14:useLocalDpi xmlns:a14="http://schemas.microsoft.com/office/drawing/2010/main" val="0"/>
+              </a:ext>
+            </a:extLst>
+          </a:blip>
+          <a:stretch>
+            <a:fillRect/>
+          </a:stretch>
+        </p:blipFill>
+        <p:spPr>
+          <a:xfrm>
+            <a:off x="24961850" y="17759442"/>
+            <a:ext cx="1339597" cy="914400"/>
+          </a:xfrm>
+          <a:prstGeom prst="rect">
+            <a:avLst/>
+          </a:prstGeom>
+        </p:spPr>
+      </p:pic>
+      <p:sp>
+        <p:nvSpPr>
+          <p:cNvPr id="99" name="TextBox 98"/>
+          <p:cNvSpPr txBox="1"/>
+          <p:nvPr/>
+        </p:nvSpPr>
+        <p:spPr>
+          <a:xfrm>
+            <a:off x="24307800" y="18032492"/>
+            <a:ext cx="609599" cy="369332"/>
+          </a:xfrm>
+          <a:prstGeom prst="rect">
+            <a:avLst/>
+          </a:prstGeom>
+          <a:noFill/>
+        </p:spPr>
+        <p:txBody>
+          <a:bodyPr wrap="square" rtlCol="0">
+            <a:spAutoFit/>
+          </a:bodyPr>
+          <a:lstStyle/>
+          <a:p>
+            <a:pPr algn="r"/>
+            <a:r>
+              <a:rPr lang="en-US" sz="1800" dirty="0" smtClean="0">
+                <a:solidFill>
+                  <a:schemeClr val="bg2"/>
+                </a:solidFill>
+              </a:rPr>
+              <a:t>(2)</a:t>
+            </a:r>
+            <a:endParaRPr lang="en-US" sz="1800" dirty="0">
+              <a:solidFill>
+                <a:schemeClr val="bg2"/>
+              </a:solidFill>
+            </a:endParaRPr>
+          </a:p>
+        </p:txBody>
+      </p:sp>
+      <p:graphicFrame>
+        <p:nvGraphicFramePr>
+          <p:cNvPr id="100" name="Table 99"/>
+          <p:cNvGraphicFramePr>
+            <a:graphicFrameLocks noGrp="1"/>
+          </p:cNvGraphicFramePr>
+          <p:nvPr>
+            <p:extLst>
+              <p:ext uri="{D42A27DB-BD31-4B8C-83A1-F6EECF244321}">
+                <p14:modId xmlns:p14="http://schemas.microsoft.com/office/powerpoint/2010/main" val="3484687974"/>
+              </p:ext>
+            </p:extLst>
+          </p:nvPr>
+        </p:nvGraphicFramePr>
+        <p:xfrm>
+          <a:off x="26670000" y="17817216"/>
+          <a:ext cx="8763000" cy="701040"/>
+        </p:xfrm>
+        <a:graphic>
+          <a:graphicData uri="http://schemas.openxmlformats.org/drawingml/2006/table">
+            <a:tbl>
+              <a:tblPr firstRow="1" bandRow="1">
+                <a:tableStyleId>{2D5ABB26-0587-4C30-8999-92F81FD0307C}</a:tableStyleId>
+              </a:tblPr>
+              <a:tblGrid>
+                <a:gridCol w="4381500"/>
+                <a:gridCol w="4381500"/>
+              </a:tblGrid>
+              <a:tr h="370840">
+                <a:tc>
+                  <a:txBody>
+                    <a:bodyPr/>
+                    <a:lstStyle/>
+                    <a:p>
+                      <a:pPr algn="ctr"/>
+                      <a:r>
+                        <a:rPr lang="en-US" sz="4000" b="0" u="none" dirty="0" smtClean="0">
+                          <a:latin typeface="Helvetica"/>
+                          <a:cs typeface="Helvetica"/>
+                        </a:rPr>
+                        <a:t>44%</a:t>
+                      </a:r>
+                      <a:endParaRPr lang="en-US" sz="4000" b="0" u="none" dirty="0">
+                        <a:latin typeface="Helvetica"/>
+                        <a:cs typeface="Helvetica"/>
+                      </a:endParaRPr>
+                    </a:p>
+                  </a:txBody>
+                  <a:tcPr/>
+                </a:tc>
+                <a:tc>
+                  <a:txBody>
+                    <a:bodyPr/>
+                    <a:lstStyle/>
+                    <a:p>
+                      <a:pPr marL="0" marR="0" indent="0" algn="ctr" defTabSz="914400" rtl="0" eaLnBrk="1" fontAlgn="auto" latinLnBrk="0" hangingPunct="1">
+                        <a:lnSpc>
+                          <a:spcPct val="100000"/>
+                        </a:lnSpc>
+                        <a:spcBef>
+                          <a:spcPts val="0"/>
+                        </a:spcBef>
+                        <a:spcAft>
+                          <a:spcPts val="0"/>
+                        </a:spcAft>
+                        <a:buClrTx/>
+                        <a:buSzTx/>
+                        <a:buFontTx/>
+                        <a:buNone/>
+                        <a:tabLst/>
+                        <a:defRPr/>
+                      </a:pPr>
+                      <a:r>
+                        <a:rPr lang="en-US" sz="4000" b="0" u="none" dirty="0" smtClean="0">
+                          <a:latin typeface="Helvetica"/>
+                          <a:cs typeface="Helvetica"/>
+                        </a:rPr>
+                        <a:t>1.3%</a:t>
+                      </a:r>
+                    </a:p>
+                  </a:txBody>
+                  <a:tcPr/>
+                </a:tc>
+              </a:tr>
+            </a:tbl>
+          </a:graphicData>
+        </a:graphic>
+      </p:graphicFrame>
+      <p:sp>
+        <p:nvSpPr>
+          <p:cNvPr id="104" name="TextBox 103"/>
+          <p:cNvSpPr txBox="1"/>
+          <p:nvPr/>
+        </p:nvSpPr>
+        <p:spPr>
+          <a:xfrm>
+            <a:off x="24307800" y="18927266"/>
+            <a:ext cx="11734800" cy="584776"/>
+          </a:xfrm>
+          <a:prstGeom prst="rect">
+            <a:avLst/>
+          </a:prstGeom>
+          <a:noFill/>
+        </p:spPr>
+        <p:txBody>
+          <a:bodyPr wrap="square" rtlCol="0">
+            <a:spAutoFit/>
+          </a:bodyPr>
+          <a:lstStyle/>
+          <a:p>
+            <a:r>
+              <a:rPr lang="en-US" sz="3200" dirty="0" smtClean="0">
+                <a:latin typeface="Cambria"/>
+                <a:cs typeface="Cambria"/>
+              </a:rPr>
+              <a:t>…and losers:</a:t>
+            </a:r>
+          </a:p>
+        </p:txBody>
+      </p:sp>
+      <p:sp>
+        <p:nvSpPr>
+          <p:cNvPr id="105" name="TextBox 104"/>
+          <p:cNvSpPr txBox="1"/>
+          <p:nvPr/>
+        </p:nvSpPr>
+        <p:spPr>
+          <a:xfrm>
+            <a:off x="24307800" y="19993608"/>
+            <a:ext cx="609599" cy="369332"/>
+          </a:xfrm>
+          <a:prstGeom prst="rect">
+            <a:avLst/>
+          </a:prstGeom>
+          <a:noFill/>
+        </p:spPr>
+        <p:txBody>
+          <a:bodyPr wrap="square" rtlCol="0">
+            <a:spAutoFit/>
+          </a:bodyPr>
+          <a:lstStyle/>
+          <a:p>
+            <a:pPr algn="r"/>
+            <a:r>
+              <a:rPr lang="en-US" sz="1800" dirty="0" smtClean="0">
+                <a:solidFill>
+                  <a:schemeClr val="bg2"/>
+                </a:solidFill>
+              </a:rPr>
+              <a:t>(13)</a:t>
+            </a:r>
+            <a:endParaRPr lang="en-US" sz="1800" dirty="0">
+              <a:solidFill>
+                <a:schemeClr val="bg2"/>
+              </a:solidFill>
+            </a:endParaRPr>
+          </a:p>
+        </p:txBody>
+      </p:sp>
+      <p:graphicFrame>
+        <p:nvGraphicFramePr>
+          <p:cNvPr id="106" name="Table 105"/>
+          <p:cNvGraphicFramePr>
+            <a:graphicFrameLocks noGrp="1"/>
+          </p:cNvGraphicFramePr>
+          <p:nvPr>
+            <p:extLst>
+              <p:ext uri="{D42A27DB-BD31-4B8C-83A1-F6EECF244321}">
+                <p14:modId xmlns:p14="http://schemas.microsoft.com/office/powerpoint/2010/main" val="2619962297"/>
+              </p:ext>
+            </p:extLst>
+          </p:nvPr>
+        </p:nvGraphicFramePr>
+        <p:xfrm>
+          <a:off x="26289000" y="19827000"/>
+          <a:ext cx="9753600" cy="701040"/>
+        </p:xfrm>
+        <a:graphic>
+          <a:graphicData uri="http://schemas.openxmlformats.org/drawingml/2006/table">
+            <a:tbl>
+              <a:tblPr firstRow="1" bandRow="1">
+                <a:tableStyleId>{2D5ABB26-0587-4C30-8999-92F81FD0307C}</a:tableStyleId>
+              </a:tblPr>
+              <a:tblGrid>
+                <a:gridCol w="4876800"/>
+                <a:gridCol w="4876800"/>
+              </a:tblGrid>
+              <a:tr h="370840">
+                <a:tc>
+                  <a:txBody>
+                    <a:bodyPr/>
+                    <a:lstStyle/>
+                    <a:p>
+                      <a:pPr algn="ctr"/>
+                      <a:r>
+                        <a:rPr lang="en-US" sz="4000" b="0" u="none" dirty="0" smtClean="0">
+                          <a:latin typeface="Helvetica"/>
+                          <a:cs typeface="Helvetica"/>
+                        </a:rPr>
+                        <a:t>0%</a:t>
+                      </a:r>
+                      <a:endParaRPr lang="en-US" sz="4000" b="0" u="none" dirty="0">
+                        <a:latin typeface="Helvetica"/>
+                        <a:cs typeface="Helvetica"/>
+                      </a:endParaRPr>
+                    </a:p>
+                  </a:txBody>
+                  <a:tcPr/>
+                </a:tc>
+                <a:tc>
+                  <a:txBody>
+                    <a:bodyPr/>
+                    <a:lstStyle/>
+                    <a:p>
+                      <a:pPr marL="0" marR="0" indent="0" algn="ctr" defTabSz="914400" rtl="0" eaLnBrk="1" fontAlgn="auto" latinLnBrk="0" hangingPunct="1">
+                        <a:lnSpc>
+                          <a:spcPct val="100000"/>
+                        </a:lnSpc>
+                        <a:spcBef>
+                          <a:spcPts val="0"/>
+                        </a:spcBef>
+                        <a:spcAft>
+                          <a:spcPts val="0"/>
+                        </a:spcAft>
+                        <a:buClrTx/>
+                        <a:buSzTx/>
+                        <a:buFontTx/>
+                        <a:buNone/>
+                        <a:tabLst/>
+                        <a:defRPr/>
+                      </a:pPr>
+                      <a:r>
+                        <a:rPr lang="en-US" sz="4000" b="0" u="none" dirty="0" smtClean="0">
+                          <a:latin typeface="Helvetica"/>
+                          <a:cs typeface="Helvetica"/>
+                        </a:rPr>
+                        <a:t>0%</a:t>
+                      </a:r>
+                    </a:p>
+                  </a:txBody>
+                  <a:tcPr/>
+                </a:tc>
+              </a:tr>
+            </a:tbl>
+          </a:graphicData>
+        </a:graphic>
+      </p:graphicFrame>
     </p:spTree>
   </p:cSld>
   <p:clrMapOvr>
@@ -7313,7 +8312,7 @@
   <p:timing>
     <p:tnLst>
       <p:par>
-        <p:cTn id="1" dur="indefinite" restart="never" nodeType="tmRoot"/>
+        <p:cTn xmlns:p14="http://schemas.microsoft.com/office/powerpoint/2010/main" id="1" dur="indefinite" restart="never" nodeType="tmRoot"/>
       </p:par>
     </p:tnLst>
   </p:timing>

--- a/poster/poster-master.pptx
+++ b/poster/poster-master.pptx
@@ -139,7 +139,7 @@
   </p:defaultTextStyle>
   <p:extLst>
     <p:ext uri="{EFAFB233-063F-42B5-8137-9DF3F51BA10A}">
-      <p15:sldGuideLst xmlns:p15="http://schemas.microsoft.com/office/powerpoint/2012/main" xmlns="">
+      <p15:sldGuideLst xmlns="" xmlns:p15="http://schemas.microsoft.com/office/powerpoint/2012/main">
         <p15:guide id="1" orient="horz" pos="9216">
           <p15:clr>
             <a:srgbClr val="A4A3A4"/>
@@ -4985,14 +4985,7 @@
                 <a:latin typeface="Cambria"/>
                 <a:cs typeface="Cambria"/>
               </a:rPr>
-              <a:t>How Did We Do</a:t>
-            </a:r>
-            <a:r>
-              <a:rPr lang="en-US" sz="4400" b="1" u="sng" dirty="0" smtClean="0">
-                <a:latin typeface="Cambria"/>
-                <a:cs typeface="Cambria"/>
-              </a:rPr>
-              <a:t>?</a:t>
+              <a:t>How Did We Do?</a:t>
             </a:r>
           </a:p>
           <a:p>
@@ -5023,10 +5016,6 @@
               </a:rPr>
               <a:t> of regular season games. Our coding process would result in 50% accuracy by random chance.</a:t>
             </a:r>
-            <a:endParaRPr lang="en-US" sz="3200" dirty="0" smtClean="0">
-              <a:latin typeface="Cambria"/>
-              <a:cs typeface="Cambria"/>
-            </a:endParaRPr>
           </a:p>
         </p:txBody>
       </p:sp>
@@ -5057,14 +5046,7 @@
                 <a:latin typeface="Cambria"/>
                 <a:cs typeface="Cambria"/>
               </a:rPr>
-              <a:t>The Final </a:t>
-            </a:r>
-            <a:r>
-              <a:rPr lang="en-US" sz="4400" b="1" u="sng" dirty="0" smtClean="0">
-                <a:latin typeface="Cambria"/>
-                <a:cs typeface="Cambria"/>
-              </a:rPr>
-              <a:t>Four</a:t>
+              <a:t>The Final Four</a:t>
             </a:r>
           </a:p>
           <a:p>
@@ -5079,14 +5061,7 @@
                 <a:latin typeface="Cambria"/>
                 <a:cs typeface="Cambria"/>
               </a:rPr>
-              <a:t>What </a:t>
-            </a:r>
-            <a:r>
-              <a:rPr lang="en-US" sz="3200" dirty="0" smtClean="0">
-                <a:latin typeface="Cambria"/>
-                <a:cs typeface="Cambria"/>
-              </a:rPr>
-              <a:t>can we say about the actual 2015 Final Four?</a:t>
+              <a:t>What can we say about the actual 2015 Final Four?</a:t>
             </a:r>
           </a:p>
           <a:p>
@@ -6342,38 +6317,6 @@
       </p:graphicFrame>
       <p:sp>
         <p:nvSpPr>
-          <p:cNvPr id="126" name="TextBox 125"/>
-          <p:cNvSpPr txBox="1"/>
-          <p:nvPr/>
-        </p:nvSpPr>
-        <p:spPr>
-          <a:xfrm>
-            <a:off x="12420600" y="4495800"/>
-            <a:ext cx="11734800" cy="1077218"/>
-          </a:xfrm>
-          <a:prstGeom prst="rect">
-            <a:avLst/>
-          </a:prstGeom>
-          <a:noFill/>
-        </p:spPr>
-        <p:txBody>
-          <a:bodyPr wrap="square" rtlCol="0">
-            <a:spAutoFit/>
-          </a:bodyPr>
-          <a:lstStyle/>
-          <a:p>
-            <a:r>
-              <a:rPr lang="en-US" sz="3200" dirty="0" smtClean="0">
-                <a:latin typeface="Cambria"/>
-                <a:cs typeface="Cambria"/>
-              </a:rPr>
-              <a:t>Despite all we have learned, iterating over Bayesian model features is time-consuming. TODO MORE</a:t>
-            </a:r>
-          </a:p>
-        </p:txBody>
-      </p:sp>
-      <p:sp>
-        <p:nvSpPr>
           <p:cNvPr id="130" name="TextBox 129"/>
           <p:cNvSpPr txBox="1"/>
           <p:nvPr/>
@@ -8304,6 +8247,244 @@
           </a:graphicData>
         </a:graphic>
       </p:graphicFrame>
+      <p:sp>
+        <p:nvSpPr>
+          <p:cNvPr id="94" name="TextBox 93"/>
+          <p:cNvSpPr txBox="1"/>
+          <p:nvPr/>
+        </p:nvSpPr>
+        <p:spPr>
+          <a:xfrm>
+            <a:off x="12420600" y="4495800"/>
+            <a:ext cx="11734800" cy="2554545"/>
+          </a:xfrm>
+          <a:prstGeom prst="rect">
+            <a:avLst/>
+          </a:prstGeom>
+          <a:noFill/>
+        </p:spPr>
+        <p:txBody>
+          <a:bodyPr wrap="square" rtlCol="0">
+            <a:spAutoFit/>
+          </a:bodyPr>
+          <a:lstStyle/>
+          <a:p>
+            <a:r>
+              <a:rPr lang="en-US" sz="3200" dirty="0">
+                <a:latin typeface="Cambria"/>
+                <a:cs typeface="Cambria"/>
+              </a:rPr>
+              <a:t>Despite all we have learned, iterating over Bayesian model features is </a:t>
+            </a:r>
+            <a:r>
+              <a:rPr lang="en-US" sz="3200" dirty="0" smtClean="0">
+                <a:latin typeface="Cambria"/>
+                <a:cs typeface="Cambria"/>
+              </a:rPr>
+              <a:t>computationally intensive. First</a:t>
+            </a:r>
+            <a:r>
+              <a:rPr lang="en-US" sz="3200" dirty="0">
+                <a:latin typeface="Cambria"/>
+                <a:cs typeface="Cambria"/>
+              </a:rPr>
+              <a:t>, we trained a random forest on the data set using </a:t>
+            </a:r>
+            <a:r>
+              <a:rPr lang="en-US" sz="3200" dirty="0" smtClean="0">
+                <a:latin typeface="Cambria"/>
+                <a:cs typeface="Cambria"/>
+              </a:rPr>
+              <a:t>location (home, away, or neutral) </a:t>
+            </a:r>
+            <a:r>
+              <a:rPr lang="en-US" sz="3200" dirty="0">
+                <a:latin typeface="Cambria"/>
+                <a:cs typeface="Cambria"/>
+              </a:rPr>
+              <a:t>and quantitative </a:t>
+            </a:r>
+            <a:r>
+              <a:rPr lang="en-US" sz="3200" dirty="0" smtClean="0">
+                <a:latin typeface="Cambria"/>
+                <a:cs typeface="Cambria"/>
+              </a:rPr>
+              <a:t>features that measure the differences in </a:t>
+            </a:r>
+            <a:r>
+              <a:rPr lang="en-US" sz="3200" dirty="0">
+                <a:latin typeface="Cambria"/>
+                <a:cs typeface="Cambria"/>
+              </a:rPr>
+              <a:t>team </a:t>
+            </a:r>
+            <a:r>
+              <a:rPr lang="en-US" sz="3200" dirty="0" smtClean="0">
+                <a:latin typeface="Cambria"/>
+                <a:cs typeface="Cambria"/>
+              </a:rPr>
+              <a:t>statistics.</a:t>
+            </a:r>
+            <a:endParaRPr lang="en-US" sz="3200" dirty="0">
+              <a:latin typeface="Cambria"/>
+              <a:cs typeface="Cambria"/>
+            </a:endParaRPr>
+          </a:p>
+        </p:txBody>
+      </p:sp>
+      <p:grpSp>
+        <p:nvGrpSpPr>
+          <p:cNvPr id="95" name="Group 94"/>
+          <p:cNvGrpSpPr/>
+          <p:nvPr/>
+        </p:nvGrpSpPr>
+        <p:grpSpPr>
+          <a:xfrm>
+            <a:off x="12725400" y="7086600"/>
+            <a:ext cx="11125199" cy="3658464"/>
+            <a:chOff x="12420600" y="19887336"/>
+            <a:chExt cx="11125199" cy="3658464"/>
+          </a:xfrm>
+        </p:grpSpPr>
+        <p:pic>
+          <p:nvPicPr>
+            <p:cNvPr id="107" name="Picture 106"/>
+            <p:cNvPicPr>
+              <a:picLocks noChangeAspect="1"/>
+            </p:cNvPicPr>
+            <p:nvPr/>
+          </p:nvPicPr>
+          <p:blipFill>
+            <a:blip r:embed="rId20">
+              <a:extLst>
+                <a:ext uri="{28A0092B-C50C-407E-A947-70E740481C1C}">
+                  <a14:useLocalDpi xmlns:a14="http://schemas.microsoft.com/office/drawing/2010/main" val="0"/>
+                </a:ext>
+              </a:extLst>
+            </a:blip>
+            <a:stretch>
+              <a:fillRect/>
+            </a:stretch>
+          </p:blipFill>
+          <p:spPr>
+            <a:xfrm>
+              <a:off x="12420600" y="19887367"/>
+              <a:ext cx="5487649" cy="3658433"/>
+            </a:xfrm>
+            <a:prstGeom prst="rect">
+              <a:avLst/>
+            </a:prstGeom>
+          </p:spPr>
+        </p:pic>
+        <p:pic>
+          <p:nvPicPr>
+            <p:cNvPr id="108" name="Picture 107"/>
+            <p:cNvPicPr>
+              <a:picLocks noChangeAspect="1"/>
+            </p:cNvPicPr>
+            <p:nvPr/>
+          </p:nvPicPr>
+          <p:blipFill>
+            <a:blip r:embed="rId21">
+              <a:extLst>
+                <a:ext uri="{28A0092B-C50C-407E-A947-70E740481C1C}">
+                  <a14:useLocalDpi xmlns:a14="http://schemas.microsoft.com/office/drawing/2010/main" val="0"/>
+                </a:ext>
+              </a:extLst>
+            </a:blip>
+            <a:stretch>
+              <a:fillRect/>
+            </a:stretch>
+          </p:blipFill>
+          <p:spPr>
+            <a:xfrm>
+              <a:off x="18058150" y="19887336"/>
+              <a:ext cx="5487649" cy="3658433"/>
+            </a:xfrm>
+            <a:prstGeom prst="rect">
+              <a:avLst/>
+            </a:prstGeom>
+          </p:spPr>
+        </p:pic>
+      </p:grpSp>
+      <p:sp>
+        <p:nvSpPr>
+          <p:cNvPr id="109" name="TextBox 108"/>
+          <p:cNvSpPr txBox="1"/>
+          <p:nvPr/>
+        </p:nvSpPr>
+        <p:spPr>
+          <a:xfrm>
+            <a:off x="12420600" y="10972800"/>
+            <a:ext cx="11734800" cy="4524315"/>
+          </a:xfrm>
+          <a:prstGeom prst="rect">
+            <a:avLst/>
+          </a:prstGeom>
+          <a:noFill/>
+        </p:spPr>
+        <p:txBody>
+          <a:bodyPr wrap="square" rtlCol="0">
+            <a:spAutoFit/>
+          </a:bodyPr>
+          <a:lstStyle/>
+          <a:p>
+            <a:r>
+              <a:rPr lang="en-US" sz="3200" dirty="0" smtClean="0">
+                <a:latin typeface="Cambria"/>
+                <a:cs typeface="Cambria"/>
+              </a:rPr>
+              <a:t>We then computed the relative importance of each predictor and iterated over the </a:t>
+            </a:r>
+            <a:r>
+              <a:rPr lang="en-US" sz="3200" i="1" dirty="0" smtClean="0">
+                <a:latin typeface="Cambria"/>
+                <a:cs typeface="Cambria"/>
+              </a:rPr>
+              <a:t>N</a:t>
+            </a:r>
+            <a:r>
+              <a:rPr lang="en-US" sz="3200" dirty="0" smtClean="0">
+                <a:latin typeface="Cambria"/>
+                <a:cs typeface="Cambria"/>
+              </a:rPr>
+              <a:t> most important predictors with 10-fold cross validation to estimate the test accuracy. As </a:t>
+            </a:r>
+            <a:r>
+              <a:rPr lang="en-US" sz="3200" i="1" dirty="0" smtClean="0">
+                <a:latin typeface="Cambria"/>
+                <a:cs typeface="Cambria"/>
+              </a:rPr>
+              <a:t>N</a:t>
+            </a:r>
+            <a:r>
+              <a:rPr lang="en-US" sz="3200" dirty="0" smtClean="0">
+                <a:latin typeface="Cambria"/>
+                <a:cs typeface="Cambria"/>
+              </a:rPr>
+              <a:t> increases, the cross-validation accuracy score increases at first but levels off after </a:t>
+            </a:r>
+            <a:r>
+              <a:rPr lang="en-US" sz="3200" i="1" dirty="0" smtClean="0">
+                <a:latin typeface="Cambria"/>
+                <a:cs typeface="Cambria"/>
+              </a:rPr>
+              <a:t>N</a:t>
+            </a:r>
+            <a:r>
+              <a:rPr lang="en-US" sz="3200" dirty="0" smtClean="0">
+                <a:latin typeface="Cambria"/>
+                <a:cs typeface="Cambria"/>
+              </a:rPr>
+              <a:t> = 5. Therefore, we included the 5 most important features from the random forest as our predictors. As for priors, we fitted a logistic regression on 2014 data and assigned the coefficient estimates as the prior means and used uninformative prior standard deviations at 10.</a:t>
+            </a:r>
+            <a:endParaRPr lang="en-US" sz="3200" dirty="0">
+              <a:latin typeface="Cambria"/>
+              <a:cs typeface="Cambria"/>
+            </a:endParaRPr>
+          </a:p>
+        </p:txBody>
+      </p:sp>
     </p:spTree>
   </p:cSld>
   <p:clrMapOvr>

--- a/poster/poster-master.pptx
+++ b/poster/poster-master.pptx
@@ -139,7 +139,7 @@
   </p:defaultTextStyle>
   <p:extLst>
     <p:ext uri="{EFAFB233-063F-42B5-8137-9DF3F51BA10A}">
-      <p15:sldGuideLst xmlns="" xmlns:p15="http://schemas.microsoft.com/office/powerpoint/2012/main">
+      <p15:sldGuideLst xmlns:p15="http://schemas.microsoft.com/office/powerpoint/2012/main" xmlns="">
         <p15:guide id="1" orient="horz" pos="9216">
           <p15:clr>
             <a:srgbClr val="A4A3A4"/>
@@ -4625,7 +4625,7 @@
         </p:nvSpPr>
         <p:spPr>
           <a:xfrm>
-            <a:off x="12344400" y="15621000"/>
+            <a:off x="12344400" y="15657255"/>
             <a:ext cx="11887200" cy="841248"/>
           </a:xfrm>
           <a:prstGeom prst="rect">
@@ -4680,7 +4680,7 @@
         </p:nvSpPr>
         <p:spPr>
           <a:xfrm>
-            <a:off x="12344400" y="15621000"/>
+            <a:off x="12344400" y="15657255"/>
             <a:ext cx="11887200" cy="769441"/>
           </a:xfrm>
           <a:prstGeom prst="rect">
@@ -4723,8 +4723,8 @@
         </p:nvSpPr>
         <p:spPr>
           <a:xfrm>
-            <a:off x="533400" y="12954000"/>
-            <a:ext cx="11734800" cy="1569660"/>
+            <a:off x="533400" y="12990255"/>
+            <a:ext cx="11734800" cy="2554545"/>
           </a:xfrm>
           <a:prstGeom prst="rect">
             <a:avLst/>
@@ -4798,8 +4798,19 @@
                 <a:latin typeface="Cambria"/>
                 <a:cs typeface="Cambria"/>
               </a:rPr>
-              <a:t> to retrieve and extract game data.</a:t>
-            </a:r>
+              <a:t> to retrieve and extract game data</a:t>
+            </a:r>
+            <a:r>
+              <a:rPr lang="en-US" sz="3200" dirty="0" smtClean="0">
+                <a:latin typeface="Cambria"/>
+                <a:cs typeface="Cambria"/>
+              </a:rPr>
+              <a:t>. Before model fitting, we calculated differences of team features between opponents to quantify their relative (not absolute) attributes.</a:t>
+            </a:r>
+            <a:endParaRPr lang="en-US" sz="3200" dirty="0" smtClean="0">
+              <a:latin typeface="Cambria"/>
+              <a:cs typeface="Cambria"/>
+            </a:endParaRPr>
           </a:p>
         </p:txBody>
       </p:sp>
@@ -4811,7 +4822,7 @@
         </p:nvSpPr>
         <p:spPr>
           <a:xfrm>
-            <a:off x="533400" y="4495800"/>
+            <a:off x="533400" y="4572000"/>
             <a:ext cx="11734800" cy="6001642"/>
           </a:xfrm>
           <a:prstGeom prst="rect">
@@ -4902,7 +4913,7 @@
         </p:blipFill>
         <p:spPr>
           <a:xfrm>
-            <a:off x="8763000" y="10515600"/>
+            <a:off x="8763000" y="10591800"/>
             <a:ext cx="1028700" cy="1371600"/>
           </a:xfrm>
           <a:prstGeom prst="rect">
@@ -4926,7 +4937,7 @@
         </p:blipFill>
         <p:spPr>
           <a:xfrm>
-            <a:off x="2971800" y="10515600"/>
+            <a:off x="2971800" y="10591800"/>
             <a:ext cx="1096205" cy="1371600"/>
           </a:xfrm>
           <a:prstGeom prst="rect">
@@ -4950,7 +4961,7 @@
         </p:blipFill>
         <p:spPr>
           <a:xfrm>
-            <a:off x="4765573" y="10744200"/>
+            <a:off x="4765573" y="10820400"/>
             <a:ext cx="3270455" cy="914400"/>
           </a:xfrm>
           <a:prstGeom prst="rect">
@@ -4966,7 +4977,7 @@
         </p:nvSpPr>
         <p:spPr>
           <a:xfrm>
-            <a:off x="24307800" y="4495800"/>
+            <a:off x="24307800" y="4532799"/>
             <a:ext cx="11734800" cy="2477601"/>
           </a:xfrm>
           <a:prstGeom prst="rect">
@@ -5084,13 +5095,13 @@
           <p:nvPr>
             <p:extLst>
               <p:ext uri="{D42A27DB-BD31-4B8C-83A1-F6EECF244321}">
-                <p14:modId xmlns:p14="http://schemas.microsoft.com/office/powerpoint/2010/main" val="3274951746"/>
+                <p14:modId xmlns:p14="http://schemas.microsoft.com/office/powerpoint/2010/main" val="2293738623"/>
               </p:ext>
             </p:extLst>
           </p:nvPr>
         </p:nvGraphicFramePr>
         <p:xfrm>
-          <a:off x="533400" y="14767560"/>
+          <a:off x="533400" y="15773400"/>
           <a:ext cx="11734800" cy="1524000"/>
         </p:xfrm>
         <a:graphic>
@@ -5180,7 +5191,14 @@
                           <a:latin typeface="Cambria"/>
                           <a:cs typeface="Cambria"/>
                         </a:rPr>
-                        <a:t>33,000 from 2010-Present</a:t>
+                        <a:t>33,000 </a:t>
+                      </a:r>
+                      <a:r>
+                        <a:rPr lang="en-US" sz="4400" dirty="0" smtClean="0">
+                          <a:latin typeface="Cambria"/>
+                          <a:cs typeface="Cambria"/>
+                        </a:rPr>
+                        <a:t>(2010-2015)</a:t>
                       </a:r>
                       <a:endParaRPr lang="en-US" sz="4400" dirty="0">
                         <a:latin typeface="Cambria"/>
@@ -5203,8 +5221,8 @@
         </p:nvSpPr>
         <p:spPr>
           <a:xfrm>
-            <a:off x="533400" y="16711841"/>
-            <a:ext cx="11734800" cy="2739211"/>
+            <a:off x="533400" y="17565281"/>
+            <a:ext cx="11734800" cy="2477601"/>
           </a:xfrm>
           <a:prstGeom prst="rect">
             <a:avLst/>
@@ -5230,7 +5248,7 @@
             </a:endParaRPr>
           </a:p>
           <a:p>
-            <a:endParaRPr lang="en-US" sz="3200" dirty="0" smtClean="0">
+            <a:endParaRPr lang="en-US" sz="1500" dirty="0" smtClean="0">
               <a:latin typeface="Cambria"/>
               <a:cs typeface="Cambria"/>
             </a:endParaRPr>
@@ -5241,7 +5259,21 @@
                 <a:latin typeface="Cambria"/>
                 <a:cs typeface="Cambria"/>
               </a:rPr>
-              <a:t>Ken Pomeroy produces basketball statistics adjusted for team possessions and game tempo. We used several of his statistics as features in our own models:</a:t>
+              <a:t>Ken Pomeroy produces basketball statistics adjusted for team possessions and game tempo. We used several of his statistics </a:t>
+            </a:r>
+            <a:r>
+              <a:rPr lang="en-US" sz="3200" dirty="0" smtClean="0">
+                <a:latin typeface="Cambria"/>
+                <a:cs typeface="Cambria"/>
+              </a:rPr>
+              <a:t>and ideas as </a:t>
+            </a:r>
+            <a:r>
+              <a:rPr lang="en-US" sz="3200" dirty="0" smtClean="0">
+                <a:latin typeface="Cambria"/>
+                <a:cs typeface="Cambria"/>
+              </a:rPr>
+              <a:t>features in our own models:</a:t>
             </a:r>
           </a:p>
         </p:txBody>
@@ -5255,14 +5287,14 @@
           <p:nvPr>
             <p:extLst>
               <p:ext uri="{D42A27DB-BD31-4B8C-83A1-F6EECF244321}">
-                <p14:modId xmlns:p14="http://schemas.microsoft.com/office/powerpoint/2010/main" val="4212558244"/>
+                <p14:modId xmlns:p14="http://schemas.microsoft.com/office/powerpoint/2010/main" val="1592791794"/>
               </p:ext>
             </p:extLst>
           </p:nvPr>
         </p:nvGraphicFramePr>
         <p:xfrm>
-          <a:off x="533400" y="19598640"/>
-          <a:ext cx="11734800" cy="5699760"/>
+          <a:off x="609600" y="20452080"/>
+          <a:ext cx="11658600" cy="5821680"/>
         </p:xfrm>
         <a:graphic>
           <a:graphicData uri="http://schemas.openxmlformats.org/drawingml/2006/table">
@@ -5271,8 +5303,8 @@
                 <a:tableStyleId>{2D5ABB26-0587-4C30-8999-92F81FD0307C}</a:tableStyleId>
               </a:tblPr>
               <a:tblGrid>
-                <a:gridCol w="2895600"/>
-                <a:gridCol w="8839200"/>
+                <a:gridCol w="3581400"/>
+                <a:gridCol w="8077200"/>
               </a:tblGrid>
               <a:tr h="370840">
                 <a:tc>
@@ -5286,7 +5318,7 @@
                           <a:latin typeface="Cambria"/>
                           <a:cs typeface="Cambria"/>
                         </a:rPr>
-                        <a:t>Feature</a:t>
+                        <a:t>Feature/Concept</a:t>
                       </a:r>
                       <a:endParaRPr lang="en-US" sz="3200" b="1" u="sng" dirty="0">
                         <a:latin typeface="Cambria"/>
@@ -5326,15 +5358,15 @@
                     <a:p>
                       <a:pPr algn="r"/>
                       <a:r>
-                        <a:rPr lang="en-US" sz="3200" dirty="0" err="1" smtClean="0">
-                          <a:latin typeface="Consolas"/>
-                          <a:cs typeface="Consolas"/>
+                        <a:rPr lang="en-US" sz="3200" dirty="0" smtClean="0">
+                          <a:latin typeface="Cambria"/>
+                          <a:cs typeface="Cambria"/>
                         </a:rPr>
-                        <a:t>Pythag</a:t>
+                        <a:t>Location</a:t>
                       </a:r>
                       <a:endParaRPr lang="en-US" sz="3200" dirty="0">
-                        <a:latin typeface="Consolas"/>
-                        <a:cs typeface="Consolas"/>
+                        <a:latin typeface="Cambria"/>
+                        <a:cs typeface="Cambria"/>
                       </a:endParaRPr>
                     </a:p>
                   </a:txBody>
@@ -5351,14 +5383,65 @@
                           <a:latin typeface="Cambria"/>
                           <a:cs typeface="Cambria"/>
                         </a:rPr>
-                        <a:t>A simple weighting of offensive and defensive efficiency compared to division 1 team averages</a:t>
+                        <a:t>Our analysis</a:t>
                       </a:r>
                       <a:r>
                         <a:rPr lang="en-US" sz="3200" baseline="0" dirty="0" smtClean="0">
                           <a:latin typeface="Cambria"/>
                           <a:cs typeface="Cambria"/>
                         </a:rPr>
-                        <a:t>.</a:t>
+                        <a:t> explores the well-known concept of home-court advantage.</a:t>
+                      </a:r>
+                      <a:endParaRPr lang="en-US" sz="3200" dirty="0">
+                        <a:latin typeface="Cambria"/>
+                        <a:cs typeface="Cambria"/>
+                      </a:endParaRPr>
+                    </a:p>
+                  </a:txBody>
+                  <a:tcPr marL="274320"/>
+                </a:tc>
+              </a:tr>
+              <a:tr h="370840">
+                <a:tc>
+                  <a:txBody>
+                    <a:bodyPr/>
+                    <a:lstStyle/>
+                    <a:p>
+                      <a:pPr algn="r"/>
+                      <a:r>
+                        <a:rPr lang="en-US" sz="3200" baseline="0" dirty="0" smtClean="0">
+                          <a:latin typeface="Cambria"/>
+                          <a:cs typeface="Cambria"/>
+                        </a:rPr>
+                        <a:t>Efficiency</a:t>
+                      </a:r>
+                      <a:endParaRPr lang="en-US" sz="3200" dirty="0">
+                        <a:latin typeface="Cambria"/>
+                        <a:cs typeface="Cambria"/>
+                      </a:endParaRPr>
+                    </a:p>
+                  </a:txBody>
+                  <a:tcPr marR="274320"/>
+                </a:tc>
+                <a:tc>
+                  <a:txBody>
+                    <a:bodyPr/>
+                    <a:lstStyle/>
+                    <a:p>
+                      <a:pPr algn="l"/>
+                      <a:r>
+                        <a:rPr lang="en-US" sz="3200" dirty="0" smtClean="0">
+                          <a:latin typeface="Cambria"/>
+                          <a:cs typeface="Cambria"/>
+                        </a:rPr>
+                        <a:t>Offensive/defensive (OE/DE)</a:t>
+                      </a:r>
+                      <a:r>
+                        <a:rPr lang="en-US" sz="3200" baseline="0" dirty="0" smtClean="0">
+                          <a:latin typeface="Cambria"/>
+                          <a:cs typeface="Cambria"/>
+                        </a:rPr>
+                        <a:t> efficiency weights points scored by game possessions.</a:t>
                       </a:r>
                       <a:endParaRPr lang="en-US" sz="3200" dirty="0">
                         <a:latin typeface="Cambria"/>
@@ -5378,14 +5461,14 @@
                       <a:pPr algn="r"/>
                       <a:r>
                         <a:rPr lang="en-US" sz="3200" dirty="0" smtClean="0">
-                          <a:latin typeface="Consolas"/>
-                          <a:cs typeface="Consolas"/>
+                          <a:latin typeface="Cambria"/>
+                          <a:cs typeface="Cambria"/>
                         </a:rPr>
-                        <a:t>TODO</a:t>
+                        <a:t>Tempo</a:t>
                       </a:r>
                       <a:endParaRPr lang="en-US" sz="3200" dirty="0">
-                        <a:latin typeface="Consolas"/>
-                        <a:cs typeface="Consolas"/>
+                        <a:latin typeface="Cambria"/>
+                        <a:cs typeface="Cambria"/>
                       </a:endParaRPr>
                     </a:p>
                   </a:txBody>
@@ -5402,7 +5485,14 @@
                           <a:latin typeface="Cambria"/>
                           <a:cs typeface="Cambria"/>
                         </a:rPr>
-                        <a:t>TODO</a:t>
+                        <a:t>A measurement of game speed based on possessions. Useful</a:t>
+                      </a:r>
+                      <a:r>
+                        <a:rPr lang="en-US" sz="3200" baseline="0" dirty="0" smtClean="0">
+                          <a:latin typeface="Cambria"/>
+                          <a:cs typeface="Cambria"/>
+                        </a:rPr>
+                        <a:t> for comparing quick teams to slower, methodical ones.</a:t>
                       </a:r>
                       <a:endParaRPr lang="en-US" sz="3200" dirty="0">
                         <a:latin typeface="Cambria"/>
@@ -5420,9 +5510,23 @@
                     <a:lstStyle/>
                     <a:p>
                       <a:pPr algn="r"/>
+                      <a:r>
+                        <a:rPr lang="en-US" sz="3200" dirty="0" smtClean="0">
+                          <a:latin typeface="Cambria"/>
+                          <a:cs typeface="Cambria"/>
+                        </a:rPr>
+                        <a:t>Pythagorean</a:t>
+                      </a:r>
+                      <a:r>
+                        <a:rPr lang="en-US" sz="3200" baseline="0" dirty="0" smtClean="0">
+                          <a:latin typeface="Cambria"/>
+                          <a:cs typeface="Cambria"/>
+                        </a:rPr>
+                        <a:t> Percentage</a:t>
+                      </a:r>
                       <a:endParaRPr lang="en-US" sz="3200" dirty="0">
-                        <a:latin typeface="Consolas"/>
-                        <a:cs typeface="Consolas"/>
+                        <a:latin typeface="Cambria"/>
+                        <a:cs typeface="Cambria"/>
                       </a:endParaRPr>
                     </a:p>
                   </a:txBody>
@@ -5439,158 +5543,29 @@
                           <a:latin typeface="Cambria"/>
                           <a:cs typeface="Cambria"/>
                         </a:rPr>
-                        <a:t>…etc.</a:t>
+                        <a:t>Single-feature</a:t>
                       </a:r>
-                      <a:endParaRPr lang="en-US" sz="3200" dirty="0">
-                        <a:latin typeface="Cambria"/>
-                        <a:cs typeface="Cambria"/>
-                      </a:endParaRPr>
-                    </a:p>
-                  </a:txBody>
-                  <a:tcPr marL="274320"/>
-                </a:tc>
-              </a:tr>
-              <a:tr h="370840">
-                <a:tc>
-                  <a:txBody>
-                    <a:bodyPr/>
-                    <a:lstStyle/>
-                    <a:p>
-                      <a:pPr algn="r"/>
-                      <a:endParaRPr lang="en-US" sz="3200" dirty="0">
-                        <a:latin typeface="Consolas"/>
-                        <a:cs typeface="Consolas"/>
-                      </a:endParaRPr>
-                    </a:p>
-                  </a:txBody>
-                  <a:tcPr marR="274320"/>
-                </a:tc>
-                <a:tc>
-                  <a:txBody>
-                    <a:bodyPr/>
-                    <a:lstStyle/>
-                    <a:p>
-                      <a:pPr algn="l"/>
-                      <a:endParaRPr lang="en-US" sz="3200" dirty="0">
-                        <a:latin typeface="Cambria"/>
-                        <a:cs typeface="Cambria"/>
-                      </a:endParaRPr>
-                    </a:p>
-                  </a:txBody>
-                  <a:tcPr marL="274320"/>
-                </a:tc>
-              </a:tr>
-              <a:tr h="370840">
-                <a:tc>
-                  <a:txBody>
-                    <a:bodyPr/>
-                    <a:lstStyle/>
-                    <a:p>
-                      <a:pPr algn="r"/>
-                      <a:endParaRPr lang="en-US" sz="3200" dirty="0">
-                        <a:latin typeface="Consolas"/>
-                        <a:cs typeface="Consolas"/>
-                      </a:endParaRPr>
-                    </a:p>
-                  </a:txBody>
-                  <a:tcPr marR="274320"/>
-                </a:tc>
-                <a:tc>
-                  <a:txBody>
-                    <a:bodyPr/>
-                    <a:lstStyle/>
-                    <a:p>
-                      <a:pPr algn="l"/>
-                      <a:endParaRPr lang="en-US" sz="3200" dirty="0">
-                        <a:latin typeface="Cambria"/>
-                        <a:cs typeface="Cambria"/>
-                      </a:endParaRPr>
-                    </a:p>
-                  </a:txBody>
-                  <a:tcPr marL="274320"/>
-                </a:tc>
-              </a:tr>
-              <a:tr h="370840">
-                <a:tc>
-                  <a:txBody>
-                    <a:bodyPr/>
-                    <a:lstStyle/>
-                    <a:p>
-                      <a:pPr algn="r"/>
-                      <a:endParaRPr lang="en-US" sz="3200" dirty="0">
-                        <a:latin typeface="Consolas"/>
-                        <a:cs typeface="Consolas"/>
-                      </a:endParaRPr>
-                    </a:p>
-                  </a:txBody>
-                  <a:tcPr marR="274320"/>
-                </a:tc>
-                <a:tc>
-                  <a:txBody>
-                    <a:bodyPr/>
-                    <a:lstStyle/>
-                    <a:p>
-                      <a:pPr algn="l"/>
-                      <a:endParaRPr lang="en-US" sz="3200" dirty="0">
-                        <a:latin typeface="Cambria"/>
-                        <a:cs typeface="Cambria"/>
-                      </a:endParaRPr>
-                    </a:p>
-                  </a:txBody>
-                  <a:tcPr marL="274320"/>
-                </a:tc>
-              </a:tr>
-              <a:tr h="370840">
-                <a:tc>
-                  <a:txBody>
-                    <a:bodyPr/>
-                    <a:lstStyle/>
-                    <a:p>
-                      <a:pPr algn="r"/>
-                      <a:endParaRPr lang="en-US" sz="3200" dirty="0">
-                        <a:latin typeface="Consolas"/>
-                        <a:cs typeface="Consolas"/>
-                      </a:endParaRPr>
-                    </a:p>
-                  </a:txBody>
-                  <a:tcPr marR="274320"/>
-                </a:tc>
-                <a:tc>
-                  <a:txBody>
-                    <a:bodyPr/>
-                    <a:lstStyle/>
-                    <a:p>
-                      <a:pPr algn="l"/>
-                      <a:endParaRPr lang="en-US" sz="3200" dirty="0">
-                        <a:latin typeface="Cambria"/>
-                        <a:cs typeface="Cambria"/>
-                      </a:endParaRPr>
-                    </a:p>
-                  </a:txBody>
-                  <a:tcPr marL="274320"/>
-                </a:tc>
-              </a:tr>
-              <a:tr h="370840">
-                <a:tc>
-                  <a:txBody>
-                    <a:bodyPr/>
-                    <a:lstStyle/>
-                    <a:p>
-                      <a:pPr algn="r"/>
-                      <a:endParaRPr lang="en-US" sz="3200" dirty="0">
-                        <a:latin typeface="Consolas"/>
-                        <a:cs typeface="Consolas"/>
-                      </a:endParaRPr>
-                    </a:p>
-                  </a:txBody>
-                  <a:tcPr marR="274320"/>
-                </a:tc>
-                <a:tc>
-                  <a:txBody>
-                    <a:bodyPr/>
-                    <a:lstStyle/>
-                    <a:p>
-                      <a:pPr algn="l"/>
+                      <a:r>
+                        <a:rPr lang="en-US" sz="3200" baseline="0" dirty="0" smtClean="0">
+                          <a:latin typeface="Cambria"/>
+                          <a:cs typeface="Cambria"/>
+                        </a:rPr>
+                        <a:t> </a:t>
+                      </a:r>
+                      <a:r>
+                        <a:rPr lang="en-US" sz="3200" dirty="0" smtClean="0">
+                          <a:latin typeface="Cambria"/>
+                          <a:cs typeface="Cambria"/>
+                        </a:rPr>
+                        <a:t>weighting of offensive</a:t>
+                      </a:r>
+                      <a:r>
+                        <a:rPr lang="en-US" sz="3200" baseline="0" dirty="0" smtClean="0">
+                          <a:latin typeface="Cambria"/>
+                          <a:cs typeface="Cambria"/>
+                        </a:rPr>
+                        <a:t> and defensive efficiency; helps us measure their joint importance.</a:t>
+                      </a:r>
                       <a:endParaRPr lang="en-US" sz="3200" dirty="0">
                         <a:latin typeface="Cambria"/>
                         <a:cs typeface="Cambria"/>
@@ -6317,60 +6292,13 @@
       </p:graphicFrame>
       <p:sp>
         <p:nvSpPr>
-          <p:cNvPr id="130" name="TextBox 129"/>
-          <p:cNvSpPr txBox="1"/>
-          <p:nvPr/>
-        </p:nvSpPr>
-        <p:spPr>
-          <a:xfrm>
-            <a:off x="24307800" y="7391400"/>
-            <a:ext cx="11734800" cy="1492716"/>
-          </a:xfrm>
-          <a:prstGeom prst="rect">
-            <a:avLst/>
-          </a:prstGeom>
-          <a:noFill/>
-        </p:spPr>
-        <p:txBody>
-          <a:bodyPr wrap="square" rtlCol="0">
-            <a:spAutoFit/>
-          </a:bodyPr>
-          <a:lstStyle/>
-          <a:p>
-            <a:r>
-              <a:rPr lang="en-US" sz="4400" b="1" u="sng" dirty="0" smtClean="0">
-                <a:latin typeface="Cambria"/>
-                <a:cs typeface="Cambria"/>
-              </a:rPr>
-              <a:t>What Really Matters</a:t>
-            </a:r>
-          </a:p>
-          <a:p>
-            <a:endParaRPr lang="en-US" sz="1500" dirty="0">
-              <a:latin typeface="Cambria"/>
-              <a:cs typeface="Cambria"/>
-            </a:endParaRPr>
-          </a:p>
-          <a:p>
-            <a:r>
-              <a:rPr lang="en-US" sz="3200" dirty="0" smtClean="0">
-                <a:latin typeface="Cambria"/>
-                <a:cs typeface="Cambria"/>
-              </a:rPr>
-              <a:t>TODO FEATURE INTERPRETATION</a:t>
-            </a:r>
-          </a:p>
-        </p:txBody>
-      </p:sp>
-      <p:sp>
-        <p:nvSpPr>
           <p:cNvPr id="56" name="TextBox 55"/>
           <p:cNvSpPr txBox="1"/>
           <p:nvPr/>
         </p:nvSpPr>
         <p:spPr>
           <a:xfrm>
-            <a:off x="12420600" y="16687800"/>
+            <a:off x="12420600" y="16647855"/>
             <a:ext cx="11734800" cy="2554545"/>
           </a:xfrm>
           <a:prstGeom prst="rect">
@@ -7084,8 +7012,12 @@
                 <a:latin typeface="Cambria"/>
                 <a:cs typeface="Cambria"/>
               </a:rPr>
-              <a:t>Anyone’s Game</a:t>
-            </a:r>
+              <a:t>2015 NCAA Tournament</a:t>
+            </a:r>
+            <a:endParaRPr lang="en-US" sz="4400" b="1" u="sng" dirty="0" smtClean="0">
+              <a:latin typeface="Cambria"/>
+              <a:cs typeface="Cambria"/>
+            </a:endParaRPr>
           </a:p>
           <a:p>
             <a:endParaRPr lang="en-US" sz="1500" dirty="0">
@@ -7852,13 +7784,13 @@
           <p:nvPr>
             <p:extLst>
               <p:ext uri="{D42A27DB-BD31-4B8C-83A1-F6EECF244321}">
-                <p14:modId xmlns:p14="http://schemas.microsoft.com/office/powerpoint/2010/main" val="3133749223"/>
+                <p14:modId xmlns:p14="http://schemas.microsoft.com/office/powerpoint/2010/main" val="364762423"/>
               </p:ext>
             </p:extLst>
           </p:nvPr>
         </p:nvGraphicFramePr>
         <p:xfrm>
-          <a:off x="26670000" y="16787980"/>
+          <a:off x="26670000" y="16756231"/>
           <a:ext cx="8763000" cy="701040"/>
         </p:xfrm>
         <a:graphic>
@@ -8168,14 +8100,14 @@
           <p:nvPr>
             <p:extLst>
               <p:ext uri="{D42A27DB-BD31-4B8C-83A1-F6EECF244321}">
-                <p14:modId xmlns:p14="http://schemas.microsoft.com/office/powerpoint/2010/main" val="2619962297"/>
+                <p14:modId xmlns:p14="http://schemas.microsoft.com/office/powerpoint/2010/main" val="2926232118"/>
               </p:ext>
             </p:extLst>
           </p:nvPr>
         </p:nvGraphicFramePr>
         <p:xfrm>
-          <a:off x="26289000" y="19827000"/>
-          <a:ext cx="9753600" cy="701040"/>
+          <a:off x="26670000" y="19827000"/>
+          <a:ext cx="8763000" cy="701040"/>
         </p:xfrm>
         <a:graphic>
           <a:graphicData uri="http://schemas.openxmlformats.org/drawingml/2006/table">
@@ -8184,8 +8116,8 @@
                 <a:tableStyleId>{2D5ABB26-0587-4C30-8999-92F81FD0307C}</a:tableStyleId>
               </a:tblPr>
               <a:tblGrid>
-                <a:gridCol w="4876800"/>
-                <a:gridCol w="4876800"/>
+                <a:gridCol w="4381500"/>
+                <a:gridCol w="4381500"/>
               </a:tblGrid>
               <a:tr h="370840">
                 <a:tc>
@@ -8255,7 +8187,7 @@
         </p:nvSpPr>
         <p:spPr>
           <a:xfrm>
-            <a:off x="12420600" y="4495800"/>
+            <a:off x="12420600" y="4532055"/>
             <a:ext cx="11734800" cy="2554545"/>
           </a:xfrm>
           <a:prstGeom prst="rect">
@@ -8340,7 +8272,7 @@
         </p:nvGrpSpPr>
         <p:grpSpPr>
           <a:xfrm>
-            <a:off x="12725400" y="7086600"/>
+            <a:off x="12725400" y="7122855"/>
             <a:ext cx="11125199" cy="3658464"/>
             <a:chOff x="12420600" y="19887336"/>
             <a:chExt cx="11125199" cy="3658464"/>
@@ -8415,7 +8347,7 @@
         </p:nvSpPr>
         <p:spPr>
           <a:xfrm>
-            <a:off x="12420600" y="10972800"/>
+            <a:off x="12420600" y="11009055"/>
             <a:ext cx="11734800" cy="4524315"/>
           </a:xfrm>
           <a:prstGeom prst="rect">
@@ -8479,6 +8411,222 @@
               <a:t> = 5. Therefore, we included the 5 most important features from the random forest as our predictors. As for priors, we fitted a logistic regression on 2014 data and assigned the coefficient estimates as the prior means and used uninformative prior standard deviations at 10.</a:t>
             </a:r>
             <a:endParaRPr lang="en-US" sz="3200" dirty="0">
+              <a:latin typeface="Cambria"/>
+              <a:cs typeface="Cambria"/>
+            </a:endParaRPr>
+          </a:p>
+        </p:txBody>
+      </p:sp>
+      <p:sp>
+        <p:nvSpPr>
+          <p:cNvPr id="110" name="TextBox 109"/>
+          <p:cNvSpPr txBox="1"/>
+          <p:nvPr/>
+        </p:nvSpPr>
+        <p:spPr>
+          <a:xfrm>
+            <a:off x="24307800" y="7391400"/>
+            <a:ext cx="11734800" cy="2970044"/>
+          </a:xfrm>
+          <a:prstGeom prst="rect">
+            <a:avLst/>
+          </a:prstGeom>
+          <a:noFill/>
+        </p:spPr>
+        <p:txBody>
+          <a:bodyPr wrap="square" rtlCol="0">
+            <a:spAutoFit/>
+          </a:bodyPr>
+          <a:lstStyle/>
+          <a:p>
+            <a:r>
+              <a:rPr lang="en-US" sz="4400" b="1" u="sng" dirty="0" smtClean="0">
+                <a:latin typeface="Cambria"/>
+                <a:cs typeface="Cambria"/>
+              </a:rPr>
+              <a:t>What Really Matters</a:t>
+            </a:r>
+          </a:p>
+          <a:p>
+            <a:endParaRPr lang="en-US" sz="1500" dirty="0">
+              <a:latin typeface="Cambria"/>
+              <a:cs typeface="Cambria"/>
+            </a:endParaRPr>
+          </a:p>
+          <a:p>
+            <a:r>
+              <a:rPr lang="en-US" sz="3200" dirty="0" smtClean="0">
+                <a:latin typeface="Cambria"/>
+                <a:cs typeface="Cambria"/>
+              </a:rPr>
+              <a:t>Our model suggests </a:t>
+            </a:r>
+            <a:r>
+              <a:rPr lang="en-US" sz="3200" dirty="0" smtClean="0">
+                <a:latin typeface="Cambria"/>
+                <a:cs typeface="Cambria"/>
+              </a:rPr>
+              <a:t>the existence of a </a:t>
+            </a:r>
+            <a:r>
+              <a:rPr lang="en-US" sz="3200" dirty="0" smtClean="0">
+                <a:latin typeface="Cambria"/>
+                <a:cs typeface="Cambria"/>
+              </a:rPr>
+              <a:t>significant home court advantage. Otherwise, Ken Pomeroy’s measurements of offensive and defensive efficiency explain a significant amount of the remaining variation.</a:t>
+            </a:r>
+            <a:endParaRPr lang="en-US" sz="3200" dirty="0" smtClean="0">
+              <a:latin typeface="Cambria"/>
+              <a:cs typeface="Cambria"/>
+            </a:endParaRPr>
+          </a:p>
+        </p:txBody>
+      </p:sp>
+      <p:sp>
+        <p:nvSpPr>
+          <p:cNvPr id="111" name="Rectangle 110"/>
+          <p:cNvSpPr>
+            <a:spLocks/>
+          </p:cNvSpPr>
+          <p:nvPr/>
+        </p:nvSpPr>
+        <p:spPr>
+          <a:xfrm>
+            <a:off x="457200" y="26898600"/>
+            <a:ext cx="11887200" cy="838200"/>
+          </a:xfrm>
+          <a:prstGeom prst="rect">
+            <a:avLst/>
+          </a:prstGeom>
+          <a:solidFill>
+            <a:schemeClr val="tx1"/>
+          </a:solidFill>
+          <a:ln>
+            <a:solidFill>
+              <a:schemeClr val="tx1"/>
+            </a:solidFill>
+          </a:ln>
+          <a:effectLst>
+            <a:innerShdw blurRad="63500" dist="50800" dir="13500000">
+              <a:srgbClr val="000000">
+                <a:alpha val="50000"/>
+              </a:srgbClr>
+            </a:innerShdw>
+          </a:effectLst>
+        </p:spPr>
+        <p:style>
+          <a:lnRef idx="1">
+            <a:schemeClr val="accent1"/>
+          </a:lnRef>
+          <a:fillRef idx="3">
+            <a:schemeClr val="accent1"/>
+          </a:fillRef>
+          <a:effectRef idx="2">
+            <a:schemeClr val="accent1"/>
+          </a:effectRef>
+          <a:fontRef idx="minor">
+            <a:schemeClr val="lt1"/>
+          </a:fontRef>
+        </p:style>
+        <p:txBody>
+          <a:bodyPr rtlCol="0" anchor="ctr"/>
+          <a:lstStyle/>
+          <a:p>
+            <a:pPr algn="ctr"/>
+            <a:endParaRPr lang="en-US">
+              <a:latin typeface="Cambria" pitchFamily="18" charset="0"/>
+            </a:endParaRPr>
+          </a:p>
+        </p:txBody>
+      </p:sp>
+      <p:sp>
+        <p:nvSpPr>
+          <p:cNvPr id="112" name="TextBox 111"/>
+          <p:cNvSpPr txBox="1"/>
+          <p:nvPr/>
+        </p:nvSpPr>
+        <p:spPr>
+          <a:xfrm>
+            <a:off x="457200" y="26898600"/>
+            <a:ext cx="11887200" cy="769441"/>
+          </a:xfrm>
+          <a:prstGeom prst="rect">
+            <a:avLst/>
+          </a:prstGeom>
+          <a:noFill/>
+        </p:spPr>
+        <p:txBody>
+          <a:bodyPr wrap="square" rtlCol="0">
+            <a:spAutoFit/>
+          </a:bodyPr>
+          <a:lstStyle/>
+          <a:p>
+            <a:pPr algn="ctr"/>
+            <a:r>
+              <a:rPr lang="en-US" sz="4400" dirty="0" smtClean="0">
+                <a:solidFill>
+                  <a:schemeClr val="bg1"/>
+                </a:solidFill>
+                <a:latin typeface="Helvetica"/>
+                <a:cs typeface="Helvetica"/>
+              </a:rPr>
+              <a:t>Learn More</a:t>
+            </a:r>
+            <a:endParaRPr lang="en-US" sz="4400" dirty="0">
+              <a:solidFill>
+                <a:schemeClr val="bg1"/>
+              </a:solidFill>
+              <a:latin typeface="Helvetica"/>
+              <a:cs typeface="Helvetica"/>
+            </a:endParaRPr>
+          </a:p>
+        </p:txBody>
+      </p:sp>
+      <p:sp>
+        <p:nvSpPr>
+          <p:cNvPr id="114" name="TextBox 113"/>
+          <p:cNvSpPr txBox="1"/>
+          <p:nvPr/>
+        </p:nvSpPr>
+        <p:spPr>
+          <a:xfrm>
+            <a:off x="533400" y="27889200"/>
+            <a:ext cx="11734800" cy="584776"/>
+          </a:xfrm>
+          <a:prstGeom prst="rect">
+            <a:avLst/>
+          </a:prstGeom>
+          <a:noFill/>
+        </p:spPr>
+        <p:txBody>
+          <a:bodyPr wrap="square" rtlCol="0">
+            <a:spAutoFit/>
+          </a:bodyPr>
+          <a:lstStyle/>
+          <a:p>
+            <a:pPr algn="ctr"/>
+            <a:r>
+              <a:rPr lang="en-US" sz="3200" b="1" dirty="0" smtClean="0">
+                <a:latin typeface="Cambria"/>
+                <a:cs typeface="Cambria"/>
+              </a:rPr>
+              <a:t>More to come at: </a:t>
+            </a:r>
+            <a:r>
+              <a:rPr lang="en-US" sz="3200" b="1" u="sng" dirty="0" err="1">
+                <a:latin typeface="Cambria"/>
+                <a:cs typeface="Cambria"/>
+              </a:rPr>
+              <a:t>b</a:t>
+            </a:r>
+            <a:r>
+              <a:rPr lang="en-US" sz="3200" b="1" u="sng" dirty="0" err="1" smtClean="0">
+                <a:latin typeface="Cambria"/>
+                <a:cs typeface="Cambria"/>
+              </a:rPr>
+              <a:t>ayesketball.github.io</a:t>
+            </a:r>
+            <a:endParaRPr lang="en-US" sz="3200" b="1" u="sng" dirty="0" smtClean="0">
               <a:latin typeface="Cambria"/>
               <a:cs typeface="Cambria"/>
             </a:endParaRPr>

--- a/poster/poster-master.pptx
+++ b/poster/poster-master.pptx
@@ -139,7 +139,7 @@
   </p:defaultTextStyle>
   <p:extLst>
     <p:ext uri="{EFAFB233-063F-42B5-8137-9DF3F51BA10A}">
-      <p15:sldGuideLst xmlns:p15="http://schemas.microsoft.com/office/powerpoint/2012/main" xmlns="">
+      <p15:sldGuideLst xmlns="" xmlns:p15="http://schemas.microsoft.com/office/powerpoint/2012/main">
         <p15:guide id="1" orient="horz" pos="9216">
           <p15:clr>
             <a:srgbClr val="A4A3A4"/>
@@ -4798,19 +4798,8 @@
                 <a:latin typeface="Cambria"/>
                 <a:cs typeface="Cambria"/>
               </a:rPr>
-              <a:t> to retrieve and extract game data</a:t>
-            </a:r>
-            <a:r>
-              <a:rPr lang="en-US" sz="3200" dirty="0" smtClean="0">
-                <a:latin typeface="Cambria"/>
-                <a:cs typeface="Cambria"/>
-              </a:rPr>
-              <a:t>. Before model fitting, we calculated differences of team features between opponents to quantify their relative (not absolute) attributes.</a:t>
-            </a:r>
-            <a:endParaRPr lang="en-US" sz="3200" dirty="0" smtClean="0">
-              <a:latin typeface="Cambria"/>
-              <a:cs typeface="Cambria"/>
-            </a:endParaRPr>
+              <a:t> to retrieve and extract game data. Before model fitting, we calculated differences of team features between opponents to quantify their relative (not absolute) attributes.</a:t>
+            </a:r>
           </a:p>
         </p:txBody>
       </p:sp>
@@ -4978,7 +4967,7 @@
         <p:spPr>
           <a:xfrm>
             <a:off x="24307800" y="4532799"/>
-            <a:ext cx="11734800" cy="2477601"/>
+            <a:ext cx="11734800" cy="1492716"/>
           </a:xfrm>
           <a:prstGeom prst="rect">
             <a:avLst/>
@@ -5011,22 +5000,40 @@
                 <a:latin typeface="Cambria"/>
                 <a:cs typeface="Cambria"/>
               </a:rPr>
-              <a:t>After training our model and testing it against a held-out testing dataset, we correctly predicted </a:t>
+              <a:t>Accuracy against test dataset: </a:t>
             </a:r>
             <a:r>
               <a:rPr lang="en-US" sz="3200" b="1" dirty="0" smtClean="0">
                 <a:latin typeface="Cambria"/>
                 <a:cs typeface="Cambria"/>
               </a:rPr>
-              <a:t>76%</a:t>
+              <a:t>76</a:t>
+            </a:r>
+            <a:r>
+              <a:rPr lang="en-US" sz="3200" b="1" dirty="0" smtClean="0">
+                <a:latin typeface="Cambria"/>
+                <a:cs typeface="Cambria"/>
+              </a:rPr>
+              <a:t>%</a:t>
             </a:r>
             <a:r>
               <a:rPr lang="en-US" sz="3200" dirty="0" smtClean="0">
                 <a:latin typeface="Cambria"/>
                 <a:cs typeface="Cambria"/>
               </a:rPr>
-              <a:t> of regular season games. Our coding process would result in 50% accuracy by random chance.</a:t>
-            </a:r>
+              <a:t> </a:t>
+            </a:r>
+            <a:r>
+              <a:rPr lang="en-US" sz="3200" dirty="0" smtClean="0">
+                <a:latin typeface="Cambria"/>
+                <a:cs typeface="Cambria"/>
+              </a:rPr>
+              <a:t>(vs. 50% by random chance).</a:t>
+            </a:r>
+            <a:endParaRPr lang="en-US" sz="3200" dirty="0" smtClean="0">
+              <a:latin typeface="Cambria"/>
+              <a:cs typeface="Cambria"/>
+            </a:endParaRPr>
           </a:p>
         </p:txBody>
       </p:sp>
@@ -5081,7 +5088,21 @@
                 <a:latin typeface="Cambria"/>
                 <a:cs typeface="Cambria"/>
               </a:rPr>
-              <a:t>We simulated their matchups 10,000 times as well: </a:t>
+              <a:t>We simulated their matchups </a:t>
+            </a:r>
+            <a:r>
+              <a:rPr lang="en-US" sz="3200" dirty="0" smtClean="0">
+                <a:latin typeface="Cambria"/>
+                <a:cs typeface="Cambria"/>
+              </a:rPr>
+              <a:t>20,000 </a:t>
+            </a:r>
+            <a:r>
+              <a:rPr lang="en-US" sz="3200" dirty="0" smtClean="0">
+                <a:latin typeface="Cambria"/>
+                <a:cs typeface="Cambria"/>
+              </a:rPr>
+              <a:t>times as well: </a:t>
             </a:r>
           </a:p>
         </p:txBody>
@@ -5191,14 +5212,7 @@
                           <a:latin typeface="Cambria"/>
                           <a:cs typeface="Cambria"/>
                         </a:rPr>
-                        <a:t>33,000 </a:t>
-                      </a:r>
-                      <a:r>
-                        <a:rPr lang="en-US" sz="4400" dirty="0" smtClean="0">
-                          <a:latin typeface="Cambria"/>
-                          <a:cs typeface="Cambria"/>
-                        </a:rPr>
-                        <a:t>(2010-2015)</a:t>
+                        <a:t>33,000 (2010-2015)</a:t>
                       </a:r>
                       <a:endParaRPr lang="en-US" sz="4400" dirty="0">
                         <a:latin typeface="Cambria"/>
@@ -5259,21 +5273,7 @@
                 <a:latin typeface="Cambria"/>
                 <a:cs typeface="Cambria"/>
               </a:rPr>
-              <a:t>Ken Pomeroy produces basketball statistics adjusted for team possessions and game tempo. We used several of his statistics </a:t>
-            </a:r>
-            <a:r>
-              <a:rPr lang="en-US" sz="3200" dirty="0" smtClean="0">
-                <a:latin typeface="Cambria"/>
-                <a:cs typeface="Cambria"/>
-              </a:rPr>
-              <a:t>and ideas as </a:t>
-            </a:r>
-            <a:r>
-              <a:rPr lang="en-US" sz="3200" dirty="0" smtClean="0">
-                <a:latin typeface="Cambria"/>
-                <a:cs typeface="Cambria"/>
-              </a:rPr>
-              <a:t>features in our own models:</a:t>
+              <a:t>Ken Pomeroy produces basketball statistics adjusted for team possessions and game tempo. We used several of his statistics and ideas as features in our own models:</a:t>
             </a:r>
           </a:p>
         </p:txBody>
@@ -5791,7 +5791,7 @@
           <p:nvPr>
             <p:extLst>
               <p:ext uri="{D42A27DB-BD31-4B8C-83A1-F6EECF244321}">
-                <p14:modId xmlns:p14="http://schemas.microsoft.com/office/powerpoint/2010/main" val="1881362785"/>
+                <p14:modId xmlns:p14="http://schemas.microsoft.com/office/powerpoint/2010/main" val="34924481"/>
               </p:ext>
             </p:extLst>
           </p:nvPr>
@@ -5822,7 +5822,7 @@
                           <a:latin typeface="Helvetica"/>
                           <a:cs typeface="Helvetica"/>
                         </a:rPr>
-                        <a:t>72%</a:t>
+                        <a:t>59%</a:t>
                       </a:r>
                       <a:endParaRPr lang="en-US" sz="4000" b="0" u="none" dirty="0">
                         <a:latin typeface="Helvetica"/>
@@ -5859,8 +5859,12 @@
                           <a:latin typeface="Helvetica"/>
                           <a:cs typeface="Helvetica"/>
                         </a:rPr>
-                        <a:t>71%</a:t>
+                        <a:t>45%</a:t>
                       </a:r>
+                      <a:endParaRPr lang="en-US" sz="4000" b="0" u="none" dirty="0" smtClean="0">
+                        <a:latin typeface="Helvetica"/>
+                        <a:cs typeface="Helvetica"/>
+                      </a:endParaRPr>
                     </a:p>
                   </a:txBody>
                   <a:tcPr/>
@@ -6035,7 +6039,7 @@
           <p:nvPr>
             <p:extLst>
               <p:ext uri="{D42A27DB-BD31-4B8C-83A1-F6EECF244321}">
-                <p14:modId xmlns:p14="http://schemas.microsoft.com/office/powerpoint/2010/main" val="2239197317"/>
+                <p14:modId xmlns:p14="http://schemas.microsoft.com/office/powerpoint/2010/main" val="937814259"/>
               </p:ext>
             </p:extLst>
           </p:nvPr>
@@ -6066,7 +6070,7 @@
                           <a:latin typeface="Helvetica"/>
                           <a:cs typeface="Helvetica"/>
                         </a:rPr>
-                        <a:t>28%</a:t>
+                        <a:t>41%</a:t>
                       </a:r>
                       <a:endParaRPr lang="en-US" sz="4000" b="0" u="none" dirty="0">
                         <a:latin typeface="Helvetica"/>
@@ -6103,8 +6107,12 @@
                           <a:latin typeface="Helvetica"/>
                           <a:cs typeface="Helvetica"/>
                         </a:rPr>
-                        <a:t>27%</a:t>
+                        <a:t>29%</a:t>
                       </a:r>
+                      <a:endParaRPr lang="en-US" sz="4000" b="0" u="none" dirty="0" smtClean="0">
+                        <a:latin typeface="Helvetica"/>
+                        <a:cs typeface="Helvetica"/>
+                      </a:endParaRPr>
                     </a:p>
                   </a:txBody>
                   <a:tcPr/>
@@ -6123,7 +6131,7 @@
           <p:nvPr>
             <p:extLst>
               <p:ext uri="{D42A27DB-BD31-4B8C-83A1-F6EECF244321}">
-                <p14:modId xmlns:p14="http://schemas.microsoft.com/office/powerpoint/2010/main" val="3183746653"/>
+                <p14:modId xmlns:p14="http://schemas.microsoft.com/office/powerpoint/2010/main" val="4286341582"/>
               </p:ext>
             </p:extLst>
           </p:nvPr>
@@ -6154,7 +6162,7 @@
                           <a:latin typeface="Helvetica"/>
                           <a:cs typeface="Helvetica"/>
                         </a:rPr>
-                        <a:t>100%</a:t>
+                        <a:t>75%</a:t>
                       </a:r>
                       <a:endParaRPr lang="en-US" sz="4000" b="0" u="none" dirty="0">
                         <a:latin typeface="Helvetica"/>
@@ -6191,8 +6199,12 @@
                           <a:latin typeface="Helvetica"/>
                           <a:cs typeface="Helvetica"/>
                         </a:rPr>
-                        <a:t>2.3%</a:t>
+                        <a:t>23%</a:t>
                       </a:r>
+                      <a:endParaRPr lang="en-US" sz="4000" b="0" u="none" dirty="0" smtClean="0">
+                        <a:latin typeface="Helvetica"/>
+                        <a:cs typeface="Helvetica"/>
+                      </a:endParaRPr>
                     </a:p>
                   </a:txBody>
                   <a:tcPr/>
@@ -6211,7 +6223,7 @@
           <p:nvPr>
             <p:extLst>
               <p:ext uri="{D42A27DB-BD31-4B8C-83A1-F6EECF244321}">
-                <p14:modId xmlns:p14="http://schemas.microsoft.com/office/powerpoint/2010/main" val="2348773869"/>
+                <p14:modId xmlns:p14="http://schemas.microsoft.com/office/powerpoint/2010/main" val="683869802"/>
               </p:ext>
             </p:extLst>
           </p:nvPr>
@@ -6242,7 +6254,7 @@
                           <a:latin typeface="Helvetica"/>
                           <a:cs typeface="Helvetica"/>
                         </a:rPr>
-                        <a:t>0%</a:t>
+                        <a:t>25%</a:t>
                       </a:r>
                       <a:endParaRPr lang="en-US" sz="4000" b="0" u="none" dirty="0">
                         <a:latin typeface="Helvetica"/>
@@ -6279,8 +6291,12 @@
                           <a:latin typeface="Helvetica"/>
                           <a:cs typeface="Helvetica"/>
                         </a:rPr>
-                        <a:t>0%</a:t>
+                        <a:t>3.2%</a:t>
                       </a:r>
+                      <a:endParaRPr lang="en-US" sz="4000" b="0" u="none" dirty="0" smtClean="0">
+                        <a:latin typeface="Helvetica"/>
+                        <a:cs typeface="Helvetica"/>
+                      </a:endParaRPr>
                     </a:p>
                   </a:txBody>
                   <a:tcPr/>
@@ -6993,7 +7009,7 @@
         </p:nvSpPr>
         <p:spPr>
           <a:xfrm>
-            <a:off x="24307800" y="10672842"/>
+            <a:off x="24307800" y="9448800"/>
             <a:ext cx="11734800" cy="1985159"/>
           </a:xfrm>
           <a:prstGeom prst="rect">
@@ -7014,10 +7030,6 @@
               </a:rPr>
               <a:t>2015 NCAA Tournament</a:t>
             </a:r>
-            <a:endParaRPr lang="en-US" sz="4400" b="1" u="sng" dirty="0" smtClean="0">
-              <a:latin typeface="Cambria"/>
-              <a:cs typeface="Cambria"/>
-            </a:endParaRPr>
           </a:p>
           <a:p>
             <a:endParaRPr lang="en-US" sz="1500" dirty="0">
@@ -7031,7 +7043,21 @@
                 <a:latin typeface="Cambria"/>
                 <a:cs typeface="Cambria"/>
               </a:rPr>
-              <a:t>We used our model to simulate the entire 2015 NCAA Tournament 10,000 times. The most likely winners:</a:t>
+              <a:t>We used our model to simulate the entire 2015 NCAA Tournament </a:t>
+            </a:r>
+            <a:r>
+              <a:rPr lang="en-US" sz="3200" dirty="0" smtClean="0">
+                <a:latin typeface="Cambria"/>
+                <a:cs typeface="Cambria"/>
+              </a:rPr>
+              <a:t>20,000 </a:t>
+            </a:r>
+            <a:r>
+              <a:rPr lang="en-US" sz="3200" dirty="0" smtClean="0">
+                <a:latin typeface="Cambria"/>
+                <a:cs typeface="Cambria"/>
+              </a:rPr>
+              <a:t>times. The most likely winners:</a:t>
             </a:r>
           </a:p>
         </p:txBody>
@@ -7044,7 +7070,7 @@
         </p:nvSpPr>
         <p:spPr>
           <a:xfrm>
-            <a:off x="24307800" y="20731242"/>
+            <a:off x="24307800" y="20523200"/>
             <a:ext cx="11734800" cy="584776"/>
           </a:xfrm>
           <a:prstGeom prst="rect">
@@ -7064,7 +7090,35 @@
                 <a:latin typeface="Cambria"/>
                 <a:cs typeface="Cambria"/>
               </a:rPr>
-              <a:t>Most common championship outcome:           over         (24%)</a:t>
+              <a:t>Most common </a:t>
+            </a:r>
+            <a:r>
+              <a:rPr lang="en-US" sz="3200" dirty="0" smtClean="0">
+                <a:latin typeface="Cambria"/>
+                <a:cs typeface="Cambria"/>
+              </a:rPr>
+              <a:t>championship:           </a:t>
+            </a:r>
+            <a:r>
+              <a:rPr lang="en-US" sz="3200" dirty="0" smtClean="0">
+                <a:latin typeface="Cambria"/>
+                <a:cs typeface="Cambria"/>
+              </a:rPr>
+              <a:t>over         </a:t>
+            </a:r>
+            <a:r>
+              <a:rPr lang="en-US" sz="3200" dirty="0" smtClean="0">
+                <a:latin typeface="Cambria"/>
+                <a:cs typeface="Cambria"/>
+              </a:rPr>
+              <a:t>(9.6%</a:t>
+            </a:r>
+            <a:r>
+              <a:rPr lang="en-US" sz="3200" dirty="0" smtClean="0">
+                <a:latin typeface="Cambria"/>
+                <a:cs typeface="Cambria"/>
+              </a:rPr>
+              <a:t>)</a:t>
             </a:r>
           </a:p>
         </p:txBody>
@@ -7091,7 +7145,7 @@
         </p:blipFill>
         <p:spPr>
           <a:xfrm>
-            <a:off x="25134841" y="16714966"/>
+            <a:off x="25134841" y="15490924"/>
             <a:ext cx="989610" cy="914400"/>
           </a:xfrm>
           <a:prstGeom prst="rect">
@@ -7121,7 +7175,7 @@
         </p:blipFill>
         <p:spPr>
           <a:xfrm>
-            <a:off x="25247599" y="19727940"/>
+            <a:off x="25247599" y="19519898"/>
             <a:ext cx="774676" cy="914400"/>
           </a:xfrm>
           <a:prstGeom prst="rect">
@@ -7151,7 +7205,7 @@
         </p:blipFill>
         <p:spPr>
           <a:xfrm>
-            <a:off x="31775400" y="20819845"/>
+            <a:off x="30962600" y="20611803"/>
             <a:ext cx="744376" cy="516155"/>
           </a:xfrm>
           <a:prstGeom prst="rect">
@@ -7181,7 +7235,7 @@
         </p:blipFill>
         <p:spPr>
           <a:xfrm>
-            <a:off x="25115605" y="15648166"/>
+            <a:off x="25115605" y="14424124"/>
             <a:ext cx="1028082" cy="914400"/>
           </a:xfrm>
           <a:prstGeom prst="rect">
@@ -7211,7 +7265,7 @@
         </p:blipFill>
         <p:spPr>
           <a:xfrm>
-            <a:off x="33557274" y="20819845"/>
+            <a:off x="32744474" y="20611803"/>
             <a:ext cx="580326" cy="516155"/>
           </a:xfrm>
           <a:prstGeom prst="rect">
@@ -7241,7 +7295,7 @@
         </p:blipFill>
         <p:spPr>
           <a:xfrm>
-            <a:off x="25100257" y="14505166"/>
+            <a:off x="25100257" y="13281124"/>
             <a:ext cx="1058779" cy="1005840"/>
           </a:xfrm>
           <a:prstGeom prst="rect">
@@ -7271,7 +7325,7 @@
         </p:blipFill>
         <p:spPr>
           <a:xfrm>
-            <a:off x="24970293" y="13438366"/>
+            <a:off x="24970293" y="12214324"/>
             <a:ext cx="1318707" cy="914400"/>
           </a:xfrm>
           <a:prstGeom prst="rect">
@@ -7288,13 +7342,13 @@
           <p:nvPr>
             <p:extLst>
               <p:ext uri="{D42A27DB-BD31-4B8C-83A1-F6EECF244321}">
-                <p14:modId xmlns:p14="http://schemas.microsoft.com/office/powerpoint/2010/main" val="2842001159"/>
+                <p14:modId xmlns:p14="http://schemas.microsoft.com/office/powerpoint/2010/main" val="1126947484"/>
               </p:ext>
             </p:extLst>
           </p:nvPr>
         </p:nvGraphicFramePr>
         <p:xfrm>
-          <a:off x="26670000" y="12826134"/>
+          <a:off x="26670000" y="11602092"/>
           <a:ext cx="8763000" cy="579120"/>
         </p:xfrm>
         <a:graphic>
@@ -7364,13 +7418,13 @@
           <p:nvPr>
             <p:extLst>
               <p:ext uri="{D42A27DB-BD31-4B8C-83A1-F6EECF244321}">
-                <p14:modId xmlns:p14="http://schemas.microsoft.com/office/powerpoint/2010/main" val="1203284766"/>
+                <p14:modId xmlns:p14="http://schemas.microsoft.com/office/powerpoint/2010/main" val="3851412013"/>
               </p:ext>
             </p:extLst>
           </p:nvPr>
         </p:nvGraphicFramePr>
         <p:xfrm>
-          <a:off x="26670000" y="13541860"/>
+          <a:off x="26670000" y="12317818"/>
           <a:ext cx="8763000" cy="701040"/>
         </p:xfrm>
         <a:graphic>
@@ -7395,7 +7449,7 @@
                           <a:latin typeface="Helvetica"/>
                           <a:cs typeface="Helvetica"/>
                         </a:rPr>
-                        <a:t>99%</a:t>
+                        <a:t>74%</a:t>
                       </a:r>
                       <a:endParaRPr lang="en-US" sz="4000" b="0" u="none" dirty="0">
                         <a:latin typeface="Helvetica"/>
@@ -7432,8 +7486,12 @@
                           <a:latin typeface="Helvetica"/>
                           <a:cs typeface="Helvetica"/>
                         </a:rPr>
-                        <a:t>77%</a:t>
+                        <a:t>35%</a:t>
                       </a:r>
+                      <a:endParaRPr lang="en-US" sz="4000" b="0" u="none" dirty="0" smtClean="0">
+                        <a:latin typeface="Helvetica"/>
+                        <a:cs typeface="Helvetica"/>
+                      </a:endParaRPr>
                     </a:p>
                   </a:txBody>
                   <a:tcPr/>
@@ -7451,7 +7509,7 @@
         </p:nvSpPr>
         <p:spPr>
           <a:xfrm>
-            <a:off x="24307800" y="13710900"/>
+            <a:off x="24307800" y="12486858"/>
             <a:ext cx="609599" cy="369332"/>
           </a:xfrm>
           <a:prstGeom prst="rect">
@@ -7490,7 +7548,7 @@
         </p:nvSpPr>
         <p:spPr>
           <a:xfrm>
-            <a:off x="24307800" y="14825206"/>
+            <a:off x="24307800" y="13601164"/>
             <a:ext cx="609599" cy="369332"/>
           </a:xfrm>
           <a:prstGeom prst="rect">
@@ -7529,7 +7587,7 @@
         </p:nvSpPr>
         <p:spPr>
           <a:xfrm>
-            <a:off x="24307800" y="15917942"/>
+            <a:off x="24307800" y="14693900"/>
             <a:ext cx="609599" cy="369332"/>
           </a:xfrm>
           <a:prstGeom prst="rect">
@@ -7568,7 +7626,7 @@
         </p:nvSpPr>
         <p:spPr>
           <a:xfrm>
-            <a:off x="24307800" y="16982420"/>
+            <a:off x="24307800" y="15758378"/>
             <a:ext cx="609599" cy="369332"/>
           </a:xfrm>
           <a:prstGeom prst="rect">
@@ -7608,13 +7666,13 @@
           <p:nvPr>
             <p:extLst>
               <p:ext uri="{D42A27DB-BD31-4B8C-83A1-F6EECF244321}">
-                <p14:modId xmlns:p14="http://schemas.microsoft.com/office/powerpoint/2010/main" val="876822068"/>
+                <p14:modId xmlns:p14="http://schemas.microsoft.com/office/powerpoint/2010/main" val="1905891079"/>
               </p:ext>
             </p:extLst>
           </p:nvPr>
         </p:nvGraphicFramePr>
         <p:xfrm>
-          <a:off x="26670000" y="14593420"/>
+          <a:off x="26670000" y="13369378"/>
           <a:ext cx="8763000" cy="701040"/>
         </p:xfrm>
         <a:graphic>
@@ -7639,7 +7697,7 @@
                           <a:latin typeface="Helvetica"/>
                           <a:cs typeface="Helvetica"/>
                         </a:rPr>
-                        <a:t>52%</a:t>
+                        <a:t>49%</a:t>
                       </a:r>
                       <a:endParaRPr lang="en-US" sz="4000" b="0" u="none" dirty="0">
                         <a:latin typeface="Helvetica"/>
@@ -7676,8 +7734,12 @@
                           <a:latin typeface="Helvetica"/>
                           <a:cs typeface="Helvetica"/>
                         </a:rPr>
-                        <a:t>12%</a:t>
+                        <a:t>16%</a:t>
                       </a:r>
+                      <a:endParaRPr lang="en-US" sz="4000" b="0" u="none" dirty="0" smtClean="0">
+                        <a:latin typeface="Helvetica"/>
+                        <a:cs typeface="Helvetica"/>
+                      </a:endParaRPr>
                     </a:p>
                   </a:txBody>
                   <a:tcPr/>
@@ -7696,13 +7758,13 @@
           <p:nvPr>
             <p:extLst>
               <p:ext uri="{D42A27DB-BD31-4B8C-83A1-F6EECF244321}">
-                <p14:modId xmlns:p14="http://schemas.microsoft.com/office/powerpoint/2010/main" val="2895403599"/>
+                <p14:modId xmlns:p14="http://schemas.microsoft.com/office/powerpoint/2010/main" val="2655655015"/>
               </p:ext>
             </p:extLst>
           </p:nvPr>
         </p:nvGraphicFramePr>
         <p:xfrm>
-          <a:off x="26670000" y="15700860"/>
+          <a:off x="26670000" y="14476818"/>
           <a:ext cx="8763000" cy="701040"/>
         </p:xfrm>
         <a:graphic>
@@ -7727,7 +7789,7 @@
                           <a:latin typeface="Helvetica"/>
                           <a:cs typeface="Helvetica"/>
                         </a:rPr>
-                        <a:t>56%</a:t>
+                        <a:t>47%</a:t>
                       </a:r>
                       <a:endParaRPr lang="en-US" sz="4000" b="0" u="none" dirty="0">
                         <a:latin typeface="Helvetica"/>
@@ -7764,8 +7826,12 @@
                           <a:latin typeface="Helvetica"/>
                           <a:cs typeface="Helvetica"/>
                         </a:rPr>
-                        <a:t>4.8%</a:t>
+                        <a:t>13%</a:t>
                       </a:r>
+                      <a:endParaRPr lang="en-US" sz="4000" b="0" u="none" dirty="0" smtClean="0">
+                        <a:latin typeface="Helvetica"/>
+                        <a:cs typeface="Helvetica"/>
+                      </a:endParaRPr>
                     </a:p>
                   </a:txBody>
                   <a:tcPr/>
@@ -7784,13 +7850,13 @@
           <p:nvPr>
             <p:extLst>
               <p:ext uri="{D42A27DB-BD31-4B8C-83A1-F6EECF244321}">
-                <p14:modId xmlns:p14="http://schemas.microsoft.com/office/powerpoint/2010/main" val="364762423"/>
+                <p14:modId xmlns:p14="http://schemas.microsoft.com/office/powerpoint/2010/main" val="2842775364"/>
               </p:ext>
             </p:extLst>
           </p:nvPr>
         </p:nvGraphicFramePr>
         <p:xfrm>
-          <a:off x="26670000" y="16756231"/>
+          <a:off x="26670000" y="15532189"/>
           <a:ext cx="8763000" cy="701040"/>
         </p:xfrm>
         <a:graphic>
@@ -7815,7 +7881,7 @@
                           <a:latin typeface="Helvetica"/>
                           <a:cs typeface="Helvetica"/>
                         </a:rPr>
-                        <a:t>48%</a:t>
+                        <a:t>37%</a:t>
                       </a:r>
                       <a:endParaRPr lang="en-US" sz="4000" b="0" u="none" dirty="0">
                         <a:latin typeface="Helvetica"/>
@@ -7852,8 +7918,12 @@
                           <a:latin typeface="Helvetica"/>
                           <a:cs typeface="Helvetica"/>
                         </a:rPr>
-                        <a:t>2.5%</a:t>
+                        <a:t>10%</a:t>
                       </a:r>
+                      <a:endParaRPr lang="en-US" sz="4000" b="0" u="none" dirty="0" smtClean="0">
+                        <a:latin typeface="Helvetica"/>
+                        <a:cs typeface="Helvetica"/>
+                      </a:endParaRPr>
                     </a:p>
                   </a:txBody>
                   <a:tcPr/>
@@ -7863,36 +7933,6 @@
           </a:graphicData>
         </a:graphic>
       </p:graphicFrame>
-      <p:pic>
-        <p:nvPicPr>
-          <p:cNvPr id="98" name="Picture 97" descr="Virginia.pdf"/>
-          <p:cNvPicPr>
-            <a:picLocks noChangeAspect="1"/>
-          </p:cNvPicPr>
-          <p:nvPr/>
-        </p:nvPicPr>
-        <p:blipFill>
-          <a:blip r:embed="rId19">
-            <a:extLst>
-              <a:ext uri="{28A0092B-C50C-407E-A947-70E740481C1C}">
-                <a14:useLocalDpi xmlns:a14="http://schemas.microsoft.com/office/drawing/2010/main" val="0"/>
-              </a:ext>
-            </a:extLst>
-          </a:blip>
-          <a:stretch>
-            <a:fillRect/>
-          </a:stretch>
-        </p:blipFill>
-        <p:spPr>
-          <a:xfrm>
-            <a:off x="24961850" y="17759442"/>
-            <a:ext cx="1339597" cy="914400"/>
-          </a:xfrm>
-          <a:prstGeom prst="rect">
-            <a:avLst/>
-          </a:prstGeom>
-        </p:spPr>
-      </p:pic>
       <p:sp>
         <p:nvSpPr>
           <p:cNvPr id="99" name="TextBox 98"/>
@@ -7901,7 +7941,7 @@
         </p:nvSpPr>
         <p:spPr>
           <a:xfrm>
-            <a:off x="24307800" y="18032492"/>
+            <a:off x="24307800" y="16808450"/>
             <a:ext cx="609599" cy="369332"/>
           </a:xfrm>
           <a:prstGeom prst="rect">
@@ -7922,7 +7962,7 @@
                   <a:schemeClr val="bg2"/>
                 </a:solidFill>
               </a:rPr>
-              <a:t>(2)</a:t>
+              <a:t>(1)</a:t>
             </a:r>
             <a:endParaRPr lang="en-US" sz="1800" dirty="0">
               <a:solidFill>
@@ -7941,13 +7981,13 @@
           <p:nvPr>
             <p:extLst>
               <p:ext uri="{D42A27DB-BD31-4B8C-83A1-F6EECF244321}">
-                <p14:modId xmlns:p14="http://schemas.microsoft.com/office/powerpoint/2010/main" val="3484687974"/>
+                <p14:modId xmlns:p14="http://schemas.microsoft.com/office/powerpoint/2010/main" val="752090776"/>
               </p:ext>
             </p:extLst>
           </p:nvPr>
         </p:nvGraphicFramePr>
         <p:xfrm>
-          <a:off x="26670000" y="17817216"/>
+          <a:off x="26670000" y="16593174"/>
           <a:ext cx="8763000" cy="701040"/>
         </p:xfrm>
         <a:graphic>
@@ -7972,7 +8012,7 @@
                           <a:latin typeface="Helvetica"/>
                           <a:cs typeface="Helvetica"/>
                         </a:rPr>
-                        <a:t>44%</a:t>
+                        <a:t>36%</a:t>
                       </a:r>
                       <a:endParaRPr lang="en-US" sz="4000" b="0" u="none" dirty="0">
                         <a:latin typeface="Helvetica"/>
@@ -8009,8 +8049,12 @@
                           <a:latin typeface="Helvetica"/>
                           <a:cs typeface="Helvetica"/>
                         </a:rPr>
-                        <a:t>1.3%</a:t>
+                        <a:t>6.5%</a:t>
                       </a:r>
+                      <a:endParaRPr lang="en-US" sz="4000" b="0" u="none" dirty="0" smtClean="0">
+                        <a:latin typeface="Helvetica"/>
+                        <a:cs typeface="Helvetica"/>
+                      </a:endParaRPr>
                     </a:p>
                   </a:txBody>
                   <a:tcPr/>
@@ -8028,7 +8072,7 @@
         </p:nvSpPr>
         <p:spPr>
           <a:xfrm>
-            <a:off x="24307800" y="18927266"/>
+            <a:off x="24307800" y="18719224"/>
             <a:ext cx="11734800" cy="584776"/>
           </a:xfrm>
           <a:prstGeom prst="rect">
@@ -8060,7 +8104,7 @@
         </p:nvSpPr>
         <p:spPr>
           <a:xfrm>
-            <a:off x="24307800" y="19993608"/>
+            <a:off x="24307800" y="19785566"/>
             <a:ext cx="609599" cy="369332"/>
           </a:xfrm>
           <a:prstGeom prst="rect">
@@ -8100,13 +8144,13 @@
           <p:nvPr>
             <p:extLst>
               <p:ext uri="{D42A27DB-BD31-4B8C-83A1-F6EECF244321}">
-                <p14:modId xmlns:p14="http://schemas.microsoft.com/office/powerpoint/2010/main" val="2926232118"/>
+                <p14:modId xmlns:p14="http://schemas.microsoft.com/office/powerpoint/2010/main" val="3205607682"/>
               </p:ext>
             </p:extLst>
           </p:nvPr>
         </p:nvGraphicFramePr>
         <p:xfrm>
-          <a:off x="26670000" y="19827000"/>
+          <a:off x="26670000" y="19618958"/>
           <a:ext cx="8763000" cy="701040"/>
         </p:xfrm>
         <a:graphic>
@@ -8131,7 +8175,7 @@
                           <a:latin typeface="Helvetica"/>
                           <a:cs typeface="Helvetica"/>
                         </a:rPr>
-                        <a:t>0%</a:t>
+                        <a:t>0.02%</a:t>
                       </a:r>
                       <a:endParaRPr lang="en-US" sz="4000" b="0" u="none" dirty="0">
                         <a:latin typeface="Helvetica"/>
@@ -8287,7 +8331,7 @@
             <p:nvPr/>
           </p:nvPicPr>
           <p:blipFill>
-            <a:blip r:embed="rId20">
+            <a:blip r:embed="rId19">
               <a:extLst>
                 <a:ext uri="{28A0092B-C50C-407E-A947-70E740481C1C}">
                   <a14:useLocalDpi xmlns:a14="http://schemas.microsoft.com/office/drawing/2010/main" val="0"/>
@@ -8317,7 +8361,7 @@
             <p:nvPr/>
           </p:nvPicPr>
           <p:blipFill>
-            <a:blip r:embed="rId21">
+            <a:blip r:embed="rId20">
               <a:extLst>
                 <a:ext uri="{28A0092B-C50C-407E-A947-70E740481C1C}">
                   <a14:useLocalDpi xmlns:a14="http://schemas.microsoft.com/office/drawing/2010/main" val="0"/>
@@ -8425,8 +8469,8 @@
         </p:nvSpPr>
         <p:spPr>
           <a:xfrm>
-            <a:off x="24307800" y="7391400"/>
-            <a:ext cx="11734800" cy="2970044"/>
+            <a:off x="24307800" y="6553200"/>
+            <a:ext cx="11734800" cy="2477601"/>
           </a:xfrm>
           <a:prstGeom prst="rect">
             <a:avLst/>
@@ -8459,26 +8503,50 @@
                 <a:latin typeface="Cambria"/>
                 <a:cs typeface="Cambria"/>
               </a:rPr>
-              <a:t>Our model suggests </a:t>
+              <a:t>Our model suggests the existence of a significant home court advantage. Otherwise, </a:t>
             </a:r>
             <a:r>
               <a:rPr lang="en-US" sz="3200" dirty="0" smtClean="0">
                 <a:latin typeface="Cambria"/>
                 <a:cs typeface="Cambria"/>
               </a:rPr>
-              <a:t>the existence of a </a:t>
+              <a:t>offensive </a:t>
             </a:r>
             <a:r>
               <a:rPr lang="en-US" sz="3200" dirty="0" smtClean="0">
                 <a:latin typeface="Cambria"/>
                 <a:cs typeface="Cambria"/>
               </a:rPr>
-              <a:t>significant home court advantage. Otherwise, Ken Pomeroy’s measurements of offensive and defensive efficiency explain a significant amount of the remaining variation.</a:t>
-            </a:r>
-            <a:endParaRPr lang="en-US" sz="3200" dirty="0" smtClean="0">
-              <a:latin typeface="Cambria"/>
-              <a:cs typeface="Cambria"/>
-            </a:endParaRPr>
+              <a:t>and defensive efficiency explain a significant </a:t>
+            </a:r>
+            <a:r>
+              <a:rPr lang="en-US" sz="3200" dirty="0" smtClean="0">
+                <a:latin typeface="Cambria"/>
+                <a:cs typeface="Cambria"/>
+              </a:rPr>
+              <a:t>amount </a:t>
+            </a:r>
+            <a:r>
+              <a:rPr lang="en-US" sz="3200" dirty="0" smtClean="0">
+                <a:latin typeface="Cambria"/>
+                <a:cs typeface="Cambria"/>
+              </a:rPr>
+              <a:t>of </a:t>
+            </a:r>
+            <a:r>
+              <a:rPr lang="en-US" sz="3200" dirty="0" smtClean="0">
+                <a:latin typeface="Cambria"/>
+                <a:cs typeface="Cambria"/>
+              </a:rPr>
+              <a:t>remaining </a:t>
+            </a:r>
+            <a:r>
+              <a:rPr lang="en-US" sz="3200" dirty="0" smtClean="0">
+                <a:latin typeface="Cambria"/>
+                <a:cs typeface="Cambria"/>
+              </a:rPr>
+              <a:t>variation.</a:t>
+            </a:r>
           </a:p>
         </p:txBody>
       </p:sp>
@@ -8633,6 +8701,197 @@
           </a:p>
         </p:txBody>
       </p:sp>
+      <p:pic>
+        <p:nvPicPr>
+          <p:cNvPr id="115" name="Picture 114" descr="Duke.pdf"/>
+          <p:cNvPicPr>
+            <a:picLocks noChangeAspect="1"/>
+          </p:cNvPicPr>
+          <p:nvPr/>
+        </p:nvPicPr>
+        <p:blipFill>
+          <a:blip r:embed="rId9">
+            <a:extLst>
+              <a:ext uri="{28A0092B-C50C-407E-A947-70E740481C1C}">
+                <a14:useLocalDpi xmlns:a14="http://schemas.microsoft.com/office/drawing/2010/main" val="0"/>
+              </a:ext>
+            </a:extLst>
+          </a:blip>
+          <a:stretch>
+            <a:fillRect/>
+          </a:stretch>
+        </p:blipFill>
+        <p:spPr>
+          <a:xfrm>
+            <a:off x="25091764" y="16530558"/>
+            <a:ext cx="1075765" cy="914400"/>
+          </a:xfrm>
+          <a:prstGeom prst="rect">
+            <a:avLst/>
+          </a:prstGeom>
+        </p:spPr>
+      </p:pic>
+      <p:pic>
+        <p:nvPicPr>
+          <p:cNvPr id="3" name="Picture 2" descr="Virginia.pdf"/>
+          <p:cNvPicPr>
+            <a:picLocks noChangeAspect="1"/>
+          </p:cNvPicPr>
+          <p:nvPr/>
+        </p:nvPicPr>
+        <p:blipFill>
+          <a:blip r:embed="rId21">
+            <a:extLst>
+              <a:ext uri="{28A0092B-C50C-407E-A947-70E740481C1C}">
+                <a14:useLocalDpi xmlns:a14="http://schemas.microsoft.com/office/drawing/2010/main" val="0"/>
+              </a:ext>
+            </a:extLst>
+          </a:blip>
+          <a:stretch>
+            <a:fillRect/>
+          </a:stretch>
+        </p:blipFill>
+        <p:spPr>
+          <a:xfrm>
+            <a:off x="24942800" y="17571958"/>
+            <a:ext cx="1339596" cy="914400"/>
+          </a:xfrm>
+          <a:prstGeom prst="rect">
+            <a:avLst/>
+          </a:prstGeom>
+        </p:spPr>
+      </p:pic>
+      <p:sp>
+        <p:nvSpPr>
+          <p:cNvPr id="116" name="TextBox 115"/>
+          <p:cNvSpPr txBox="1"/>
+          <p:nvPr/>
+        </p:nvSpPr>
+        <p:spPr>
+          <a:xfrm>
+            <a:off x="24307800" y="17800558"/>
+            <a:ext cx="609599" cy="369332"/>
+          </a:xfrm>
+          <a:prstGeom prst="rect">
+            <a:avLst/>
+          </a:prstGeom>
+          <a:noFill/>
+        </p:spPr>
+        <p:txBody>
+          <a:bodyPr wrap="square" rtlCol="0">
+            <a:spAutoFit/>
+          </a:bodyPr>
+          <a:lstStyle/>
+          <a:p>
+            <a:pPr algn="r"/>
+            <a:r>
+              <a:rPr lang="en-US" sz="1800" dirty="0" smtClean="0">
+                <a:solidFill>
+                  <a:schemeClr val="bg2"/>
+                </a:solidFill>
+              </a:rPr>
+              <a:t>(2)</a:t>
+            </a:r>
+            <a:endParaRPr lang="en-US" sz="1800" dirty="0">
+              <a:solidFill>
+                <a:schemeClr val="bg2"/>
+              </a:solidFill>
+            </a:endParaRPr>
+          </a:p>
+        </p:txBody>
+      </p:sp>
+      <p:graphicFrame>
+        <p:nvGraphicFramePr>
+          <p:cNvPr id="117" name="Table 116"/>
+          <p:cNvGraphicFramePr>
+            <a:graphicFrameLocks noGrp="1"/>
+          </p:cNvGraphicFramePr>
+          <p:nvPr>
+            <p:extLst>
+              <p:ext uri="{D42A27DB-BD31-4B8C-83A1-F6EECF244321}">
+                <p14:modId xmlns:p14="http://schemas.microsoft.com/office/powerpoint/2010/main" val="2301546776"/>
+              </p:ext>
+            </p:extLst>
+          </p:nvPr>
+        </p:nvGraphicFramePr>
+        <p:xfrm>
+          <a:off x="26670000" y="17673558"/>
+          <a:ext cx="8763000" cy="701040"/>
+        </p:xfrm>
+        <a:graphic>
+          <a:graphicData uri="http://schemas.openxmlformats.org/drawingml/2006/table">
+            <a:tbl>
+              <a:tblPr firstRow="1" bandRow="1">
+                <a:tableStyleId>{2D5ABB26-0587-4C30-8999-92F81FD0307C}</a:tableStyleId>
+              </a:tblPr>
+              <a:tblGrid>
+                <a:gridCol w="4381500"/>
+                <a:gridCol w="4381500"/>
+              </a:tblGrid>
+              <a:tr h="370840">
+                <a:tc>
+                  <a:txBody>
+                    <a:bodyPr/>
+                    <a:lstStyle/>
+                    <a:p>
+                      <a:pPr algn="ctr"/>
+                      <a:r>
+                        <a:rPr lang="en-US" sz="4000" b="0" u="none" dirty="0" smtClean="0">
+                          <a:latin typeface="Helvetica"/>
+                          <a:cs typeface="Helvetica"/>
+                        </a:rPr>
+                        <a:t>29%</a:t>
+                      </a:r>
+                      <a:endParaRPr lang="en-US" sz="4000" b="0" u="none" dirty="0">
+                        <a:latin typeface="Helvetica"/>
+                        <a:cs typeface="Helvetica"/>
+                      </a:endParaRPr>
+                    </a:p>
+                  </a:txBody>
+                  <a:tcPr/>
+                </a:tc>
+                <a:tc>
+                  <a:txBody>
+                    <a:bodyPr/>
+                    <a:lstStyle/>
+                    <a:p>
+                      <a:pPr marL="0" marR="0" indent="0" algn="ctr" defTabSz="914400" rtl="0" eaLnBrk="1" fontAlgn="auto" latinLnBrk="0" hangingPunct="1">
+                        <a:lnSpc>
+                          <a:spcPct val="100000"/>
+                        </a:lnSpc>
+                        <a:spcBef>
+                          <a:spcPts val="0"/>
+                        </a:spcBef>
+                        <a:spcAft>
+                          <a:spcPts val="0"/>
+                        </a:spcAft>
+                        <a:buClrTx/>
+                        <a:buSzTx/>
+                        <a:buFontTx/>
+                        <a:buNone/>
+                        <a:tabLst/>
+                        <a:defRPr/>
+                      </a:pPr>
+                      <a:r>
+                        <a:rPr lang="en-US" sz="4000" b="0" u="none" dirty="0" smtClean="0">
+                          <a:latin typeface="Helvetica"/>
+                          <a:cs typeface="Helvetica"/>
+                        </a:rPr>
+                        <a:t>6.1%</a:t>
+                      </a:r>
+                      <a:endParaRPr lang="en-US" sz="4000" b="0" u="none" dirty="0" smtClean="0">
+                        <a:latin typeface="Helvetica"/>
+                        <a:cs typeface="Helvetica"/>
+                      </a:endParaRPr>
+                    </a:p>
+                  </a:txBody>
+                  <a:tcPr/>
+                </a:tc>
+              </a:tr>
+            </a:tbl>
+          </a:graphicData>
+        </a:graphic>
+      </p:graphicFrame>
     </p:spTree>
   </p:cSld>
   <p:clrMapOvr>
